--- a/WPF/Ayudantía WPF 2 - 2014-2.pptx
+++ b/WPF/Ayudantía WPF 2 - 2014-2.pptx
@@ -5,7 +5,7 @@
     <p:sldMasterId id="2147483648" r:id="rId1"/>
   </p:sldMasterIdLst>
   <p:notesMasterIdLst>
-    <p:notesMasterId r:id="rId16"/>
+    <p:notesMasterId r:id="rId17"/>
   </p:notesMasterIdLst>
   <p:sldIdLst>
     <p:sldId id="257" r:id="rId2"/>
@@ -21,7 +21,8 @@
     <p:sldId id="355" r:id="rId12"/>
     <p:sldId id="356" r:id="rId13"/>
     <p:sldId id="270" r:id="rId14"/>
-    <p:sldId id="271" r:id="rId15"/>
+    <p:sldId id="357" r:id="rId15"/>
+    <p:sldId id="271" r:id="rId16"/>
   </p:sldIdLst>
   <p:sldSz cx="9144000" cy="6858000" type="screen4x3"/>
   <p:notesSz cx="6858000" cy="9144000"/>
@@ -122,7 +123,7 @@
   </p:defaultTextStyle>
   <p:extLst>
     <p:ext uri="{EFAFB233-063F-42B5-8137-9DF3F51BA10A}">
-      <p15:sldGuideLst xmlns="" xmlns:p15="http://schemas.microsoft.com/office/powerpoint/2012/main">
+      <p15:sldGuideLst xmlns:p15="http://schemas.microsoft.com/office/powerpoint/2012/main" xmlns="">
         <p15:guide id="1" orient="horz" pos="2160">
           <p15:clr>
             <a:srgbClr val="A4A3A4"/>
@@ -222,7 +223,7 @@
             <a:fld id="{7D0843C7-DD15-41C8-8351-FA33E77C5250}" type="datetimeFigureOut">
               <a:rPr lang="en-US" smtClean="0"/>
               <a:pPr/>
-              <a:t>25-10-14</a:t>
+              <a:t>26-10-14</a:t>
             </a:fld>
             <a:endParaRPr lang="en-US"/>
           </a:p>
@@ -1080,10 +1081,97 @@
           <a:bodyPr/>
           <a:lstStyle/>
           <a:p>
+            <a:fld id="{67E5AF83-2530-43F8-9D73-7BB4D4E8DBDF}" type="slidenum">
+              <a:rPr lang="es-CL" smtClean="0"/>
+              <a:pPr/>
+              <a:t>14</a:t>
+            </a:fld>
+            <a:endParaRPr lang="es-CL"/>
+          </a:p>
+        </p:txBody>
+      </p:sp>
+    </p:spTree>
+    <p:extLst>
+      <p:ext uri="{BB962C8B-B14F-4D97-AF65-F5344CB8AC3E}">
+        <p14:creationId xmlns:p14="http://schemas.microsoft.com/office/powerpoint/2010/main" val="4041121498"/>
+      </p:ext>
+    </p:extLst>
+  </p:cSld>
+  <p:clrMapOvr>
+    <a:masterClrMapping/>
+  </p:clrMapOvr>
+</p:notes>
+</file>
+
+<file path=ppt/notesSlides/notesSlide8.xml><?xml version="1.0" encoding="utf-8"?>
+<p:notes xmlns:a="http://schemas.openxmlformats.org/drawingml/2006/main" xmlns:r="http://schemas.openxmlformats.org/officeDocument/2006/relationships" xmlns:p="http://schemas.openxmlformats.org/presentationml/2006/main">
+  <p:cSld>
+    <p:spTree>
+      <p:nvGrpSpPr>
+        <p:cNvPr id="1" name=""/>
+        <p:cNvGrpSpPr/>
+        <p:nvPr/>
+      </p:nvGrpSpPr>
+      <p:grpSpPr>
+        <a:xfrm>
+          <a:off x="0" y="0"/>
+          <a:ext cx="0" cy="0"/>
+          <a:chOff x="0" y="0"/>
+          <a:chExt cx="0" cy="0"/>
+        </a:xfrm>
+      </p:grpSpPr>
+      <p:sp>
+        <p:nvSpPr>
+          <p:cNvPr id="2" name="1 Marcador de imagen de diapositiva"/>
+          <p:cNvSpPr>
+            <a:spLocks noGrp="1" noRot="1" noChangeAspect="1"/>
+          </p:cNvSpPr>
+          <p:nvPr>
+            <p:ph type="sldImg"/>
+          </p:nvPr>
+        </p:nvSpPr>
+        <p:spPr/>
+      </p:sp>
+      <p:sp>
+        <p:nvSpPr>
+          <p:cNvPr id="3" name="2 Marcador de notas"/>
+          <p:cNvSpPr>
+            <a:spLocks noGrp="1"/>
+          </p:cNvSpPr>
+          <p:nvPr>
+            <p:ph type="body" idx="1"/>
+          </p:nvPr>
+        </p:nvSpPr>
+        <p:spPr/>
+        <p:txBody>
+          <a:bodyPr>
+            <a:normAutofit/>
+          </a:bodyPr>
+          <a:lstStyle/>
+          <a:p>
+            <a:endParaRPr lang="es-CL"/>
+          </a:p>
+        </p:txBody>
+      </p:sp>
+      <p:sp>
+        <p:nvSpPr>
+          <p:cNvPr id="4" name="3 Marcador de número de diapositiva"/>
+          <p:cNvSpPr>
+            <a:spLocks noGrp="1"/>
+          </p:cNvSpPr>
+          <p:nvPr>
+            <p:ph type="sldNum" sz="quarter" idx="10"/>
+          </p:nvPr>
+        </p:nvSpPr>
+        <p:spPr/>
+        <p:txBody>
+          <a:bodyPr/>
+          <a:lstStyle/>
+          <a:p>
             <a:fld id="{12B51BA2-BB88-4BFE-9FDC-55FC1F69537B}" type="slidenum">
               <a:rPr lang="es-CL" smtClean="0"/>
               <a:pPr/>
-              <a:t>14</a:t>
+              <a:t>15</a:t>
             </a:fld>
             <a:endParaRPr lang="es-CL"/>
           </a:p>
@@ -1284,7 +1372,7 @@
             <a:fld id="{4B85E5B6-756B-44E9-BE8E-33EB0C1B17A8}" type="datetimeFigureOut">
               <a:rPr lang="en-US" smtClean="0"/>
               <a:pPr/>
-              <a:t>25-10-14</a:t>
+              <a:t>26-10-14</a:t>
             </a:fld>
             <a:endParaRPr lang="en-US"/>
           </a:p>
@@ -1451,7 +1539,7 @@
             <a:fld id="{4B85E5B6-756B-44E9-BE8E-33EB0C1B17A8}" type="datetimeFigureOut">
               <a:rPr lang="en-US" smtClean="0"/>
               <a:pPr/>
-              <a:t>25-10-14</a:t>
+              <a:t>26-10-14</a:t>
             </a:fld>
             <a:endParaRPr lang="en-US"/>
           </a:p>
@@ -1628,7 +1716,7 @@
             <a:fld id="{4B85E5B6-756B-44E9-BE8E-33EB0C1B17A8}" type="datetimeFigureOut">
               <a:rPr lang="en-US" smtClean="0"/>
               <a:pPr/>
-              <a:t>25-10-14</a:t>
+              <a:t>26-10-14</a:t>
             </a:fld>
             <a:endParaRPr lang="en-US"/>
           </a:p>
@@ -1795,7 +1883,7 @@
             <a:fld id="{4B85E5B6-756B-44E9-BE8E-33EB0C1B17A8}" type="datetimeFigureOut">
               <a:rPr lang="en-US" smtClean="0"/>
               <a:pPr/>
-              <a:t>25-10-14</a:t>
+              <a:t>26-10-14</a:t>
             </a:fld>
             <a:endParaRPr lang="en-US"/>
           </a:p>
@@ -2038,7 +2126,7 @@
             <a:fld id="{4B85E5B6-756B-44E9-BE8E-33EB0C1B17A8}" type="datetimeFigureOut">
               <a:rPr lang="en-US" smtClean="0"/>
               <a:pPr/>
-              <a:t>25-10-14</a:t>
+              <a:t>26-10-14</a:t>
             </a:fld>
             <a:endParaRPr lang="en-US"/>
           </a:p>
@@ -2323,7 +2411,7 @@
             <a:fld id="{4B85E5B6-756B-44E9-BE8E-33EB0C1B17A8}" type="datetimeFigureOut">
               <a:rPr lang="en-US" smtClean="0"/>
               <a:pPr/>
-              <a:t>25-10-14</a:t>
+              <a:t>26-10-14</a:t>
             </a:fld>
             <a:endParaRPr lang="en-US"/>
           </a:p>
@@ -2742,7 +2830,7 @@
             <a:fld id="{4B85E5B6-756B-44E9-BE8E-33EB0C1B17A8}" type="datetimeFigureOut">
               <a:rPr lang="en-US" smtClean="0"/>
               <a:pPr/>
-              <a:t>25-10-14</a:t>
+              <a:t>26-10-14</a:t>
             </a:fld>
             <a:endParaRPr lang="en-US"/>
           </a:p>
@@ -2857,7 +2945,7 @@
             <a:fld id="{4B85E5B6-756B-44E9-BE8E-33EB0C1B17A8}" type="datetimeFigureOut">
               <a:rPr lang="en-US" smtClean="0"/>
               <a:pPr/>
-              <a:t>25-10-14</a:t>
+              <a:t>26-10-14</a:t>
             </a:fld>
             <a:endParaRPr lang="en-US"/>
           </a:p>
@@ -2949,7 +3037,7 @@
             <a:fld id="{4B85E5B6-756B-44E9-BE8E-33EB0C1B17A8}" type="datetimeFigureOut">
               <a:rPr lang="en-US" smtClean="0"/>
               <a:pPr/>
-              <a:t>25-10-14</a:t>
+              <a:t>26-10-14</a:t>
             </a:fld>
             <a:endParaRPr lang="en-US"/>
           </a:p>
@@ -3223,7 +3311,7 @@
             <a:fld id="{4B85E5B6-756B-44E9-BE8E-33EB0C1B17A8}" type="datetimeFigureOut">
               <a:rPr lang="en-US" smtClean="0"/>
               <a:pPr/>
-              <a:t>25-10-14</a:t>
+              <a:t>26-10-14</a:t>
             </a:fld>
             <a:endParaRPr lang="en-US"/>
           </a:p>
@@ -3473,7 +3561,7 @@
             <a:fld id="{4B85E5B6-756B-44E9-BE8E-33EB0C1B17A8}" type="datetimeFigureOut">
               <a:rPr lang="en-US" smtClean="0"/>
               <a:pPr/>
-              <a:t>25-10-14</a:t>
+              <a:t>26-10-14</a:t>
             </a:fld>
             <a:endParaRPr lang="en-US"/>
           </a:p>
@@ -3683,7 +3771,7 @@
             <a:fld id="{4B85E5B6-756B-44E9-BE8E-33EB0C1B17A8}" type="datetimeFigureOut">
               <a:rPr lang="en-US" smtClean="0"/>
               <a:pPr/>
-              <a:t>25-10-14</a:t>
+              <a:t>26-10-14</a:t>
             </a:fld>
             <a:endParaRPr lang="en-US"/>
           </a:p>
@@ -4082,15 +4170,7 @@
                   <a:schemeClr val="accent2"/>
                 </a:solidFill>
               </a:rPr>
-              <a:t>Ayudantía </a:t>
-            </a:r>
-            <a:r>
-              <a:rPr lang="es-CL" sz="6600" dirty="0" smtClean="0">
-                <a:solidFill>
-                  <a:schemeClr val="accent2"/>
-                </a:solidFill>
-              </a:rPr>
-              <a:t>_</a:t>
+              <a:t>Ayudantía _</a:t>
             </a:r>
             <a:endParaRPr lang="es-CL" sz="6600" dirty="0">
               <a:solidFill>
@@ -4124,7 +4204,6 @@
               <a:rPr lang="es-CL" dirty="0" smtClean="0"/>
               <a:t>WPF 2</a:t>
             </a:r>
-            <a:endParaRPr lang="es-CL" dirty="0" smtClean="0"/>
           </a:p>
         </p:txBody>
       </p:sp>
@@ -5362,8 +5441,8 @@
         </p:nvSpPr>
         <p:spPr>
           <a:xfrm>
-            <a:off x="762000" y="2132856"/>
-            <a:ext cx="7935144" cy="4525963"/>
+            <a:off x="0" y="2132856"/>
+            <a:ext cx="8964488" cy="4525963"/>
           </a:xfrm>
         </p:spPr>
         <p:txBody>
@@ -5405,15 +5484,7 @@
                   <a:schemeClr val="accent2"/>
                 </a:solidFill>
               </a:rPr>
-              <a:t>Consola</a:t>
-            </a:r>
-            <a:r>
-              <a:rPr lang="es-CL" sz="6600" dirty="0" smtClean="0">
-                <a:solidFill>
-                  <a:schemeClr val="accent2"/>
-                </a:solidFill>
-              </a:rPr>
-              <a:t> </a:t>
+              <a:t>Mostrar Consola en WPF </a:t>
             </a:r>
             <a:r>
               <a:rPr lang="es-CL" sz="6600" dirty="0" smtClean="0">
@@ -5558,6 +5629,965 @@
       </p:grpSpPr>
       <p:sp>
         <p:nvSpPr>
+          <p:cNvPr id="2" name="Title 1"/>
+          <p:cNvSpPr>
+            <a:spLocks noGrp="1"/>
+          </p:cNvSpPr>
+          <p:nvPr>
+            <p:ph type="title"/>
+          </p:nvPr>
+        </p:nvSpPr>
+        <p:spPr>
+          <a:xfrm>
+            <a:off x="251520" y="116632"/>
+            <a:ext cx="8229600" cy="1143000"/>
+          </a:xfrm>
+        </p:spPr>
+        <p:txBody>
+          <a:bodyPr>
+            <a:normAutofit/>
+          </a:bodyPr>
+          <a:lstStyle/>
+          <a:p>
+            <a:pPr algn="l"/>
+            <a:r>
+              <a:rPr lang="es-CL" sz="6600" dirty="0" err="1" smtClean="0">
+                <a:solidFill>
+                  <a:schemeClr val="bg1">
+                    <a:lumMod val="50000"/>
+                  </a:schemeClr>
+                </a:solidFill>
+                <a:latin typeface="+mn-lt"/>
+                <a:ea typeface="+mn-ea"/>
+                <a:cs typeface="+mn-cs"/>
+              </a:rPr>
+              <a:t>Tip</a:t>
+            </a:r>
+            <a:r>
+              <a:rPr lang="es-CL" sz="6600" dirty="0" smtClean="0">
+                <a:solidFill>
+                  <a:schemeClr val="bg1">
+                    <a:lumMod val="50000"/>
+                  </a:schemeClr>
+                </a:solidFill>
+                <a:latin typeface="+mn-lt"/>
+                <a:ea typeface="+mn-ea"/>
+                <a:cs typeface="+mn-cs"/>
+              </a:rPr>
+              <a:t> de Programación:</a:t>
+            </a:r>
+          </a:p>
+        </p:txBody>
+      </p:sp>
+      <p:sp>
+        <p:nvSpPr>
+          <p:cNvPr id="3" name="Content Placeholder 2"/>
+          <p:cNvSpPr>
+            <a:spLocks noGrp="1"/>
+          </p:cNvSpPr>
+          <p:nvPr>
+            <p:ph idx="1"/>
+          </p:nvPr>
+        </p:nvSpPr>
+        <p:spPr>
+          <a:xfrm>
+            <a:off x="827584" y="1196752"/>
+            <a:ext cx="7935144" cy="4525963"/>
+          </a:xfrm>
+        </p:spPr>
+        <p:txBody>
+          <a:bodyPr>
+            <a:normAutofit/>
+          </a:bodyPr>
+          <a:lstStyle/>
+          <a:p>
+            <a:pPr lvl="1" algn="r">
+              <a:buNone/>
+            </a:pPr>
+            <a:r>
+              <a:rPr lang="es-CL" sz="3600" dirty="0" smtClean="0">
+                <a:solidFill>
+                  <a:schemeClr val="tx1">
+                    <a:lumMod val="65000"/>
+                    <a:lumOff val="35000"/>
+                  </a:schemeClr>
+                </a:solidFill>
+              </a:rPr>
+              <a:t>	</a:t>
+            </a:r>
+            <a:r>
+              <a:rPr lang="es-CL" sz="5400" dirty="0" smtClean="0">
+                <a:solidFill>
+                  <a:schemeClr val="accent2"/>
+                </a:solidFill>
+              </a:rPr>
+              <a:t>#</a:t>
+            </a:r>
+            <a:r>
+              <a:rPr lang="es-CL" sz="5400" dirty="0" smtClean="0">
+                <a:solidFill>
+                  <a:schemeClr val="accent2"/>
+                </a:solidFill>
+              </a:rPr>
+              <a:t>10</a:t>
+            </a:r>
+            <a:r>
+              <a:rPr lang="es-CL" sz="5400" dirty="0" smtClean="0">
+                <a:solidFill>
+                  <a:schemeClr val="accent2"/>
+                </a:solidFill>
+              </a:rPr>
+              <a:t>:</a:t>
+            </a:r>
+            <a:endParaRPr lang="es-CL" sz="6600" dirty="0" smtClean="0">
+              <a:solidFill>
+                <a:schemeClr val="accent2"/>
+              </a:solidFill>
+            </a:endParaRPr>
+          </a:p>
+          <a:p>
+            <a:pPr lvl="1" algn="r">
+              <a:buNone/>
+            </a:pPr>
+            <a:r>
+              <a:rPr lang="es-CL" sz="4400" dirty="0" smtClean="0">
+                <a:solidFill>
+                  <a:schemeClr val="accent2"/>
+                </a:solidFill>
+              </a:rPr>
+              <a:t>C</a:t>
+            </a:r>
+            <a:r>
+              <a:rPr lang="es-CL" sz="4400" dirty="0" smtClean="0">
+                <a:solidFill>
+                  <a:schemeClr val="accent2"/>
+                </a:solidFill>
+              </a:rPr>
+              <a:t>ómo generar documentación.</a:t>
+            </a:r>
+          </a:p>
+          <a:p>
+            <a:pPr lvl="1" algn="r">
+              <a:buNone/>
+            </a:pPr>
+            <a:r>
+              <a:rPr lang="es-CL" sz="4000" dirty="0" smtClean="0">
+                <a:solidFill>
+                  <a:schemeClr val="accent2"/>
+                </a:solidFill>
+              </a:rPr>
+              <a:t>Escribir “///” arriba de un método, campo, constructor, etc.</a:t>
+            </a:r>
+            <a:endParaRPr lang="es-CL" sz="4000" dirty="0" smtClean="0">
+              <a:solidFill>
+                <a:schemeClr val="accent2"/>
+              </a:solidFill>
+            </a:endParaRPr>
+          </a:p>
+        </p:txBody>
+      </p:sp>
+      <p:sp>
+        <p:nvSpPr>
+          <p:cNvPr id="4" name="Rectángulo 3"/>
+          <p:cNvSpPr/>
+          <p:nvPr/>
+        </p:nvSpPr>
+        <p:spPr>
+          <a:xfrm>
+            <a:off x="323528" y="3861048"/>
+            <a:ext cx="8280920" cy="2862323"/>
+          </a:xfrm>
+          <a:prstGeom prst="rect">
+            <a:avLst/>
+          </a:prstGeom>
+        </p:spPr>
+        <p:txBody>
+          <a:bodyPr wrap="square">
+            <a:spAutoFit/>
+          </a:bodyPr>
+          <a:lstStyle/>
+          <a:p>
+            <a:r>
+              <a:rPr lang="sv-SE" dirty="0">
+                <a:solidFill>
+                  <a:srgbClr val="808080"/>
+                </a:solidFill>
+                <a:highlight>
+                  <a:srgbClr val="FFFFFF"/>
+                </a:highlight>
+                <a:latin typeface="Consolas"/>
+              </a:rPr>
+              <a:t>///</a:t>
+            </a:r>
+            <a:r>
+              <a:rPr lang="sv-SE" dirty="0">
+                <a:solidFill>
+                  <a:srgbClr val="008000"/>
+                </a:solidFill>
+                <a:highlight>
+                  <a:srgbClr val="FFFFFF"/>
+                </a:highlight>
+                <a:latin typeface="Consolas"/>
+              </a:rPr>
+              <a:t> </a:t>
+            </a:r>
+            <a:r>
+              <a:rPr lang="sv-SE" dirty="0">
+                <a:solidFill>
+                  <a:srgbClr val="808080"/>
+                </a:solidFill>
+                <a:highlight>
+                  <a:srgbClr val="FFFFFF"/>
+                </a:highlight>
+                <a:latin typeface="Consolas"/>
+              </a:rPr>
+              <a:t>&lt;</a:t>
+            </a:r>
+            <a:r>
+              <a:rPr lang="sv-SE" dirty="0" err="1">
+                <a:solidFill>
+                  <a:srgbClr val="808080"/>
+                </a:solidFill>
+                <a:highlight>
+                  <a:srgbClr val="FFFFFF"/>
+                </a:highlight>
+                <a:latin typeface="Consolas"/>
+              </a:rPr>
+              <a:t>summary</a:t>
+            </a:r>
+            <a:r>
+              <a:rPr lang="sv-SE" dirty="0">
+                <a:solidFill>
+                  <a:srgbClr val="808080"/>
+                </a:solidFill>
+                <a:highlight>
+                  <a:srgbClr val="FFFFFF"/>
+                </a:highlight>
+                <a:latin typeface="Consolas"/>
+              </a:rPr>
+              <a:t>&gt;</a:t>
+            </a:r>
+          </a:p>
+          <a:p>
+            <a:r>
+              <a:rPr lang="es-ES_tradnl" dirty="0">
+                <a:solidFill>
+                  <a:srgbClr val="808080"/>
+                </a:solidFill>
+                <a:highlight>
+                  <a:srgbClr val="FFFFFF"/>
+                </a:highlight>
+                <a:latin typeface="Consolas"/>
+              </a:rPr>
+              <a:t>///</a:t>
+            </a:r>
+            <a:r>
+              <a:rPr lang="es-ES_tradnl" dirty="0">
+                <a:solidFill>
+                  <a:srgbClr val="008000"/>
+                </a:solidFill>
+                <a:highlight>
+                  <a:srgbClr val="FFFFFF"/>
+                </a:highlight>
+                <a:latin typeface="Consolas"/>
+              </a:rPr>
+              <a:t> Descripción.</a:t>
+            </a:r>
+          </a:p>
+          <a:p>
+            <a:r>
+              <a:rPr lang="sv-SE" dirty="0">
+                <a:solidFill>
+                  <a:srgbClr val="808080"/>
+                </a:solidFill>
+                <a:highlight>
+                  <a:srgbClr val="FFFFFF"/>
+                </a:highlight>
+                <a:latin typeface="Consolas"/>
+              </a:rPr>
+              <a:t>///</a:t>
+            </a:r>
+            <a:r>
+              <a:rPr lang="sv-SE" dirty="0">
+                <a:solidFill>
+                  <a:srgbClr val="008000"/>
+                </a:solidFill>
+                <a:highlight>
+                  <a:srgbClr val="FFFFFF"/>
+                </a:highlight>
+                <a:latin typeface="Consolas"/>
+              </a:rPr>
+              <a:t> </a:t>
+            </a:r>
+            <a:r>
+              <a:rPr lang="sv-SE" dirty="0">
+                <a:solidFill>
+                  <a:srgbClr val="808080"/>
+                </a:solidFill>
+                <a:highlight>
+                  <a:srgbClr val="FFFFFF"/>
+                </a:highlight>
+                <a:latin typeface="Consolas"/>
+              </a:rPr>
+              <a:t>&lt;/</a:t>
+            </a:r>
+            <a:r>
+              <a:rPr lang="sv-SE" dirty="0" err="1">
+                <a:solidFill>
+                  <a:srgbClr val="808080"/>
+                </a:solidFill>
+                <a:highlight>
+                  <a:srgbClr val="FFFFFF"/>
+                </a:highlight>
+                <a:latin typeface="Consolas"/>
+              </a:rPr>
+              <a:t>summary</a:t>
+            </a:r>
+            <a:r>
+              <a:rPr lang="sv-SE" dirty="0">
+                <a:solidFill>
+                  <a:srgbClr val="808080"/>
+                </a:solidFill>
+                <a:highlight>
+                  <a:srgbClr val="FFFFFF"/>
+                </a:highlight>
+                <a:latin typeface="Consolas"/>
+              </a:rPr>
+              <a:t>&gt;</a:t>
+            </a:r>
+          </a:p>
+          <a:p>
+            <a:r>
+              <a:rPr lang="es-ES_tradnl" dirty="0">
+                <a:solidFill>
+                  <a:srgbClr val="808080"/>
+                </a:solidFill>
+                <a:highlight>
+                  <a:srgbClr val="FFFFFF"/>
+                </a:highlight>
+                <a:latin typeface="Consolas"/>
+              </a:rPr>
+              <a:t>///</a:t>
+            </a:r>
+            <a:r>
+              <a:rPr lang="es-ES_tradnl" dirty="0">
+                <a:solidFill>
+                  <a:srgbClr val="008000"/>
+                </a:solidFill>
+                <a:highlight>
+                  <a:srgbClr val="FFFFFF"/>
+                </a:highlight>
+                <a:latin typeface="Consolas"/>
+              </a:rPr>
+              <a:t> </a:t>
+            </a:r>
+            <a:r>
+              <a:rPr lang="es-ES_tradnl" dirty="0">
+                <a:solidFill>
+                  <a:srgbClr val="808080"/>
+                </a:solidFill>
+                <a:highlight>
+                  <a:srgbClr val="FFFFFF"/>
+                </a:highlight>
+                <a:latin typeface="Consolas"/>
+              </a:rPr>
+              <a:t>&lt;</a:t>
+            </a:r>
+            <a:r>
+              <a:rPr lang="es-ES_tradnl" dirty="0" err="1">
+                <a:solidFill>
+                  <a:srgbClr val="808080"/>
+                </a:solidFill>
+                <a:highlight>
+                  <a:srgbClr val="FFFFFF"/>
+                </a:highlight>
+                <a:latin typeface="Consolas"/>
+              </a:rPr>
+              <a:t>param</a:t>
+            </a:r>
+            <a:r>
+              <a:rPr lang="es-ES_tradnl" dirty="0">
+                <a:solidFill>
+                  <a:srgbClr val="808080"/>
+                </a:solidFill>
+                <a:highlight>
+                  <a:srgbClr val="FFFFFF"/>
+                </a:highlight>
+                <a:latin typeface="Consolas"/>
+              </a:rPr>
+              <a:t> </a:t>
+            </a:r>
+            <a:r>
+              <a:rPr lang="es-ES_tradnl" dirty="0" err="1">
+                <a:solidFill>
+                  <a:srgbClr val="808080"/>
+                </a:solidFill>
+                <a:highlight>
+                  <a:srgbClr val="FFFFFF"/>
+                </a:highlight>
+                <a:latin typeface="Consolas"/>
+              </a:rPr>
+              <a:t>name</a:t>
+            </a:r>
+            <a:r>
+              <a:rPr lang="es-ES_tradnl" dirty="0">
+                <a:solidFill>
+                  <a:srgbClr val="808080"/>
+                </a:solidFill>
+                <a:highlight>
+                  <a:srgbClr val="FFFFFF"/>
+                </a:highlight>
+                <a:latin typeface="Consolas"/>
+              </a:rPr>
+              <a:t>="input1"&gt;</a:t>
+            </a:r>
+            <a:r>
+              <a:rPr lang="es-ES_tradnl" dirty="0">
+                <a:solidFill>
+                  <a:srgbClr val="008000"/>
+                </a:solidFill>
+                <a:highlight>
+                  <a:srgbClr val="FFFFFF"/>
+                </a:highlight>
+                <a:latin typeface="Consolas"/>
+              </a:rPr>
+              <a:t>Qué es el parámetro 1.</a:t>
+            </a:r>
+            <a:r>
+              <a:rPr lang="es-ES_tradnl" dirty="0">
+                <a:solidFill>
+                  <a:srgbClr val="808080"/>
+                </a:solidFill>
+                <a:highlight>
+                  <a:srgbClr val="FFFFFF"/>
+                </a:highlight>
+                <a:latin typeface="Consolas"/>
+              </a:rPr>
+              <a:t>&lt;/</a:t>
+            </a:r>
+            <a:r>
+              <a:rPr lang="es-ES_tradnl" dirty="0" err="1">
+                <a:solidFill>
+                  <a:srgbClr val="808080"/>
+                </a:solidFill>
+                <a:highlight>
+                  <a:srgbClr val="FFFFFF"/>
+                </a:highlight>
+                <a:latin typeface="Consolas"/>
+              </a:rPr>
+              <a:t>param</a:t>
+            </a:r>
+            <a:r>
+              <a:rPr lang="es-ES_tradnl" dirty="0">
+                <a:solidFill>
+                  <a:srgbClr val="808080"/>
+                </a:solidFill>
+                <a:highlight>
+                  <a:srgbClr val="FFFFFF"/>
+                </a:highlight>
+                <a:latin typeface="Consolas"/>
+              </a:rPr>
+              <a:t>&gt;</a:t>
+            </a:r>
+          </a:p>
+          <a:p>
+            <a:r>
+              <a:rPr lang="es-ES_tradnl" dirty="0">
+                <a:solidFill>
+                  <a:srgbClr val="808080"/>
+                </a:solidFill>
+                <a:highlight>
+                  <a:srgbClr val="FFFFFF"/>
+                </a:highlight>
+                <a:latin typeface="Consolas"/>
+              </a:rPr>
+              <a:t>///</a:t>
+            </a:r>
+            <a:r>
+              <a:rPr lang="es-ES_tradnl" dirty="0">
+                <a:solidFill>
+                  <a:srgbClr val="008000"/>
+                </a:solidFill>
+                <a:highlight>
+                  <a:srgbClr val="FFFFFF"/>
+                </a:highlight>
+                <a:latin typeface="Consolas"/>
+              </a:rPr>
+              <a:t> </a:t>
+            </a:r>
+            <a:r>
+              <a:rPr lang="es-ES_tradnl" dirty="0">
+                <a:solidFill>
+                  <a:srgbClr val="808080"/>
+                </a:solidFill>
+                <a:highlight>
+                  <a:srgbClr val="FFFFFF"/>
+                </a:highlight>
+                <a:latin typeface="Consolas"/>
+              </a:rPr>
+              <a:t>&lt;</a:t>
+            </a:r>
+            <a:r>
+              <a:rPr lang="es-ES_tradnl" dirty="0" err="1">
+                <a:solidFill>
+                  <a:srgbClr val="808080"/>
+                </a:solidFill>
+                <a:highlight>
+                  <a:srgbClr val="FFFFFF"/>
+                </a:highlight>
+                <a:latin typeface="Consolas"/>
+              </a:rPr>
+              <a:t>param</a:t>
+            </a:r>
+            <a:r>
+              <a:rPr lang="es-ES_tradnl" dirty="0">
+                <a:solidFill>
+                  <a:srgbClr val="808080"/>
+                </a:solidFill>
+                <a:highlight>
+                  <a:srgbClr val="FFFFFF"/>
+                </a:highlight>
+                <a:latin typeface="Consolas"/>
+              </a:rPr>
+              <a:t> </a:t>
+            </a:r>
+            <a:r>
+              <a:rPr lang="es-ES_tradnl" dirty="0" err="1">
+                <a:solidFill>
+                  <a:srgbClr val="808080"/>
+                </a:solidFill>
+                <a:highlight>
+                  <a:srgbClr val="FFFFFF"/>
+                </a:highlight>
+                <a:latin typeface="Consolas"/>
+              </a:rPr>
+              <a:t>name</a:t>
+            </a:r>
+            <a:r>
+              <a:rPr lang="es-ES_tradnl" dirty="0">
+                <a:solidFill>
+                  <a:srgbClr val="808080"/>
+                </a:solidFill>
+                <a:highlight>
+                  <a:srgbClr val="FFFFFF"/>
+                </a:highlight>
+                <a:latin typeface="Consolas"/>
+              </a:rPr>
+              <a:t>="input2"&gt;</a:t>
+            </a:r>
+            <a:r>
+              <a:rPr lang="es-ES_tradnl" dirty="0">
+                <a:solidFill>
+                  <a:srgbClr val="008000"/>
+                </a:solidFill>
+                <a:highlight>
+                  <a:srgbClr val="FFFFFF"/>
+                </a:highlight>
+                <a:latin typeface="Consolas"/>
+              </a:rPr>
+              <a:t>Qué es el parámetro 2.</a:t>
+            </a:r>
+            <a:r>
+              <a:rPr lang="es-ES_tradnl" dirty="0">
+                <a:solidFill>
+                  <a:srgbClr val="808080"/>
+                </a:solidFill>
+                <a:highlight>
+                  <a:srgbClr val="FFFFFF"/>
+                </a:highlight>
+                <a:latin typeface="Consolas"/>
+              </a:rPr>
+              <a:t>&lt;/</a:t>
+            </a:r>
+            <a:r>
+              <a:rPr lang="es-ES_tradnl" dirty="0" err="1">
+                <a:solidFill>
+                  <a:srgbClr val="808080"/>
+                </a:solidFill>
+                <a:highlight>
+                  <a:srgbClr val="FFFFFF"/>
+                </a:highlight>
+                <a:latin typeface="Consolas"/>
+              </a:rPr>
+              <a:t>param</a:t>
+            </a:r>
+            <a:r>
+              <a:rPr lang="es-ES_tradnl" dirty="0">
+                <a:solidFill>
+                  <a:srgbClr val="808080"/>
+                </a:solidFill>
+                <a:highlight>
+                  <a:srgbClr val="FFFFFF"/>
+                </a:highlight>
+                <a:latin typeface="Consolas"/>
+              </a:rPr>
+              <a:t>&gt;</a:t>
+            </a:r>
+          </a:p>
+          <a:p>
+            <a:r>
+              <a:rPr lang="es-ES_tradnl" dirty="0">
+                <a:solidFill>
+                  <a:srgbClr val="808080"/>
+                </a:solidFill>
+                <a:highlight>
+                  <a:srgbClr val="FFFFFF"/>
+                </a:highlight>
+                <a:latin typeface="Consolas"/>
+              </a:rPr>
+              <a:t>///</a:t>
+            </a:r>
+            <a:r>
+              <a:rPr lang="es-ES_tradnl" dirty="0">
+                <a:solidFill>
+                  <a:srgbClr val="008000"/>
+                </a:solidFill>
+                <a:highlight>
+                  <a:srgbClr val="FFFFFF"/>
+                </a:highlight>
+                <a:latin typeface="Consolas"/>
+              </a:rPr>
+              <a:t> </a:t>
+            </a:r>
+            <a:r>
+              <a:rPr lang="es-ES_tradnl" dirty="0">
+                <a:solidFill>
+                  <a:srgbClr val="808080"/>
+                </a:solidFill>
+                <a:highlight>
+                  <a:srgbClr val="FFFFFF"/>
+                </a:highlight>
+                <a:latin typeface="Consolas"/>
+              </a:rPr>
+              <a:t>&lt;</a:t>
+            </a:r>
+            <a:r>
+              <a:rPr lang="es-ES_tradnl" dirty="0" err="1">
+                <a:solidFill>
+                  <a:srgbClr val="808080"/>
+                </a:solidFill>
+                <a:highlight>
+                  <a:srgbClr val="FFFFFF"/>
+                </a:highlight>
+                <a:latin typeface="Consolas"/>
+              </a:rPr>
+              <a:t>returns</a:t>
+            </a:r>
+            <a:r>
+              <a:rPr lang="es-ES_tradnl" dirty="0">
+                <a:solidFill>
+                  <a:srgbClr val="808080"/>
+                </a:solidFill>
+                <a:highlight>
+                  <a:srgbClr val="FFFFFF"/>
+                </a:highlight>
+                <a:latin typeface="Consolas"/>
+              </a:rPr>
+              <a:t>&gt;</a:t>
+            </a:r>
+            <a:r>
+              <a:rPr lang="es-ES_tradnl" dirty="0">
+                <a:solidFill>
+                  <a:srgbClr val="008000"/>
+                </a:solidFill>
+                <a:highlight>
+                  <a:srgbClr val="FFFFFF"/>
+                </a:highlight>
+                <a:latin typeface="Consolas"/>
+              </a:rPr>
+              <a:t>Qué significa el retorno.</a:t>
+            </a:r>
+            <a:r>
+              <a:rPr lang="es-ES_tradnl" dirty="0">
+                <a:solidFill>
+                  <a:srgbClr val="808080"/>
+                </a:solidFill>
+                <a:highlight>
+                  <a:srgbClr val="FFFFFF"/>
+                </a:highlight>
+                <a:latin typeface="Consolas"/>
+              </a:rPr>
+              <a:t>&lt;/</a:t>
+            </a:r>
+            <a:r>
+              <a:rPr lang="es-ES_tradnl" dirty="0" err="1">
+                <a:solidFill>
+                  <a:srgbClr val="808080"/>
+                </a:solidFill>
+                <a:highlight>
+                  <a:srgbClr val="FFFFFF"/>
+                </a:highlight>
+                <a:latin typeface="Consolas"/>
+              </a:rPr>
+              <a:t>returns</a:t>
+            </a:r>
+            <a:r>
+              <a:rPr lang="es-ES_tradnl" dirty="0">
+                <a:solidFill>
+                  <a:srgbClr val="808080"/>
+                </a:solidFill>
+                <a:highlight>
+                  <a:srgbClr val="FFFFFF"/>
+                </a:highlight>
+                <a:latin typeface="Consolas"/>
+              </a:rPr>
+              <a:t>&gt;</a:t>
+            </a:r>
+          </a:p>
+          <a:p>
+            <a:r>
+              <a:rPr lang="en-US" dirty="0">
+                <a:solidFill>
+                  <a:srgbClr val="0000FF"/>
+                </a:solidFill>
+                <a:highlight>
+                  <a:srgbClr val="FFFFFF"/>
+                </a:highlight>
+                <a:latin typeface="Consolas"/>
+              </a:rPr>
+              <a:t>public</a:t>
+            </a:r>
+            <a:r>
+              <a:rPr lang="en-US" dirty="0">
+                <a:solidFill>
+                  <a:srgbClr val="000000"/>
+                </a:solidFill>
+                <a:highlight>
+                  <a:srgbClr val="FFFFFF"/>
+                </a:highlight>
+                <a:latin typeface="Consolas"/>
+              </a:rPr>
+              <a:t> </a:t>
+            </a:r>
+            <a:r>
+              <a:rPr lang="en-US" dirty="0" err="1">
+                <a:solidFill>
+                  <a:srgbClr val="0000FF"/>
+                </a:solidFill>
+                <a:highlight>
+                  <a:srgbClr val="FFFFFF"/>
+                </a:highlight>
+                <a:latin typeface="Consolas"/>
+              </a:rPr>
+              <a:t>bool</a:t>
+            </a:r>
+            <a:r>
+              <a:rPr lang="en-US" dirty="0">
+                <a:solidFill>
+                  <a:srgbClr val="000000"/>
+                </a:solidFill>
+                <a:highlight>
+                  <a:srgbClr val="FFFFFF"/>
+                </a:highlight>
+                <a:latin typeface="Consolas"/>
+              </a:rPr>
+              <a:t> </a:t>
+            </a:r>
+            <a:r>
+              <a:rPr lang="en-US" dirty="0" err="1">
+                <a:solidFill>
+                  <a:srgbClr val="000000"/>
+                </a:solidFill>
+                <a:highlight>
+                  <a:srgbClr val="FFFFFF"/>
+                </a:highlight>
+                <a:latin typeface="Consolas"/>
+              </a:rPr>
+              <a:t>Metodo</a:t>
+            </a:r>
+            <a:r>
+              <a:rPr lang="en-US" dirty="0">
+                <a:solidFill>
+                  <a:srgbClr val="000000"/>
+                </a:solidFill>
+                <a:highlight>
+                  <a:srgbClr val="FFFFFF"/>
+                </a:highlight>
+                <a:latin typeface="Consolas"/>
+              </a:rPr>
+              <a:t>(</a:t>
+            </a:r>
+            <a:r>
+              <a:rPr lang="en-US" dirty="0" err="1">
+                <a:solidFill>
+                  <a:srgbClr val="0000FF"/>
+                </a:solidFill>
+                <a:highlight>
+                  <a:srgbClr val="FFFFFF"/>
+                </a:highlight>
+                <a:latin typeface="Consolas"/>
+              </a:rPr>
+              <a:t>int</a:t>
+            </a:r>
+            <a:r>
+              <a:rPr lang="en-US" dirty="0">
+                <a:solidFill>
+                  <a:srgbClr val="000000"/>
+                </a:solidFill>
+                <a:highlight>
+                  <a:srgbClr val="FFFFFF"/>
+                </a:highlight>
+                <a:latin typeface="Consolas"/>
+              </a:rPr>
+              <a:t> input1, </a:t>
+            </a:r>
+            <a:r>
+              <a:rPr lang="en-US" dirty="0">
+                <a:solidFill>
+                  <a:srgbClr val="2B91AF"/>
+                </a:solidFill>
+                <a:highlight>
+                  <a:srgbClr val="FFFFFF"/>
+                </a:highlight>
+                <a:latin typeface="Consolas"/>
+              </a:rPr>
+              <a:t>String</a:t>
+            </a:r>
+            <a:r>
+              <a:rPr lang="en-US" dirty="0">
+                <a:solidFill>
+                  <a:srgbClr val="000000"/>
+                </a:solidFill>
+                <a:highlight>
+                  <a:srgbClr val="FFFFFF"/>
+                </a:highlight>
+                <a:latin typeface="Consolas"/>
+              </a:rPr>
+              <a:t> input2)</a:t>
+            </a:r>
+          </a:p>
+          <a:p>
+            <a:r>
+              <a:rPr lang="es-ES" dirty="0">
+                <a:solidFill>
+                  <a:srgbClr val="000000"/>
+                </a:solidFill>
+                <a:highlight>
+                  <a:srgbClr val="FFFFFF"/>
+                </a:highlight>
+                <a:latin typeface="Consolas"/>
+              </a:rPr>
+              <a:t>{</a:t>
+            </a:r>
+          </a:p>
+          <a:p>
+            <a:r>
+              <a:rPr lang="is-IS" dirty="0">
+                <a:solidFill>
+                  <a:srgbClr val="000000"/>
+                </a:solidFill>
+                <a:highlight>
+                  <a:srgbClr val="FFFFFF"/>
+                </a:highlight>
+                <a:latin typeface="Consolas"/>
+              </a:rPr>
+              <a:t>    </a:t>
+            </a:r>
+            <a:r>
+              <a:rPr lang="is-IS" dirty="0">
+                <a:solidFill>
+                  <a:srgbClr val="0000FF"/>
+                </a:solidFill>
+                <a:highlight>
+                  <a:srgbClr val="FFFFFF"/>
+                </a:highlight>
+                <a:latin typeface="Consolas"/>
+              </a:rPr>
+              <a:t>return</a:t>
+            </a:r>
+            <a:r>
+              <a:rPr lang="is-IS" dirty="0">
+                <a:solidFill>
+                  <a:srgbClr val="000000"/>
+                </a:solidFill>
+                <a:highlight>
+                  <a:srgbClr val="FFFFFF"/>
+                </a:highlight>
+                <a:latin typeface="Consolas"/>
+              </a:rPr>
+              <a:t> </a:t>
+            </a:r>
+            <a:r>
+              <a:rPr lang="is-IS" dirty="0">
+                <a:solidFill>
+                  <a:srgbClr val="0000FF"/>
+                </a:solidFill>
+                <a:highlight>
+                  <a:srgbClr val="FFFFFF"/>
+                </a:highlight>
+                <a:latin typeface="Consolas"/>
+              </a:rPr>
+              <a:t>true</a:t>
+            </a:r>
+            <a:r>
+              <a:rPr lang="is-IS" dirty="0">
+                <a:solidFill>
+                  <a:srgbClr val="000000"/>
+                </a:solidFill>
+                <a:highlight>
+                  <a:srgbClr val="FFFFFF"/>
+                </a:highlight>
+                <a:latin typeface="Consolas"/>
+              </a:rPr>
+              <a:t>;</a:t>
+            </a:r>
+          </a:p>
+          <a:p>
+            <a:r>
+              <a:rPr lang="es-ES" dirty="0">
+                <a:solidFill>
+                  <a:srgbClr val="000000"/>
+                </a:solidFill>
+                <a:highlight>
+                  <a:srgbClr val="FFFFFF"/>
+                </a:highlight>
+                <a:latin typeface="Consolas"/>
+              </a:rPr>
+              <a:t>}</a:t>
+            </a:r>
+            <a:endParaRPr lang="es-ES" dirty="0"/>
+          </a:p>
+        </p:txBody>
+      </p:sp>
+    </p:spTree>
+    <p:extLst>
+      <p:ext uri="{BB962C8B-B14F-4D97-AF65-F5344CB8AC3E}">
+        <p14:creationId xmlns:p14="http://schemas.microsoft.com/office/powerpoint/2010/main" val="1388173346"/>
+      </p:ext>
+    </p:extLst>
+  </p:cSld>
+  <p:clrMapOvr>
+    <a:masterClrMapping/>
+  </p:clrMapOvr>
+  <p:timing>
+    <p:tnLst>
+      <p:par>
+        <p:cTn xmlns:p14="http://schemas.microsoft.com/office/powerpoint/2010/main" id="1" dur="indefinite" restart="never" nodeType="tmRoot"/>
+      </p:par>
+    </p:tnLst>
+  </p:timing>
+</p:sld>
+</file>
+
+<file path=ppt/slides/slide15.xml><?xml version="1.0" encoding="utf-8"?>
+<p:sld xmlns:a="http://schemas.openxmlformats.org/drawingml/2006/main" xmlns:r="http://schemas.openxmlformats.org/officeDocument/2006/relationships" xmlns:p="http://schemas.openxmlformats.org/presentationml/2006/main">
+  <p:cSld>
+    <p:spTree>
+      <p:nvGrpSpPr>
+        <p:cNvPr id="1" name=""/>
+        <p:cNvGrpSpPr/>
+        <p:nvPr/>
+      </p:nvGrpSpPr>
+      <p:grpSpPr>
+        <a:xfrm>
+          <a:off x="0" y="0"/>
+          <a:ext cx="0" cy="0"/>
+          <a:chOff x="0" y="0"/>
+          <a:chExt cx="0" cy="0"/>
+        </a:xfrm>
+      </p:grpSpPr>
+      <p:sp>
+        <p:nvSpPr>
           <p:cNvPr id="2" name="1 Título"/>
           <p:cNvSpPr>
             <a:spLocks noGrp="1"/>
@@ -5944,15 +6974,7 @@
                   <a:srgbClr val="7F7F7F"/>
                 </a:solidFill>
               </a:rPr>
-              <a:t>recursos y c</a:t>
-            </a:r>
-            <a:r>
-              <a:rPr lang="es-ES" dirty="0" smtClean="0">
-                <a:solidFill>
-                  <a:srgbClr val="7F7F7F"/>
-                </a:solidFill>
-              </a:rPr>
-              <a:t>ódigo.</a:t>
+              <a:t>recursos y código.</a:t>
             </a:r>
           </a:p>
           <a:p>
@@ -6000,11 +7022,6 @@
               </a:rPr>
               <a:t>.</a:t>
             </a:r>
-            <a:endParaRPr lang="es-ES" dirty="0" smtClean="0">
-              <a:solidFill>
-                <a:srgbClr val="7F7F7F"/>
-              </a:solidFill>
-            </a:endParaRPr>
           </a:p>
           <a:p>
             <a:pPr lvl="1">
@@ -6192,15 +7209,7 @@
                   <a:srgbClr val="7F7F7F"/>
                 </a:solidFill>
               </a:rPr>
-              <a:t>M</a:t>
-            </a:r>
-            <a:r>
-              <a:rPr lang="es-ES" dirty="0" smtClean="0">
-                <a:solidFill>
-                  <a:srgbClr val="7F7F7F"/>
-                </a:solidFill>
-              </a:rPr>
-              <a:t>étodos.</a:t>
+              <a:t>Métodos.</a:t>
             </a:r>
           </a:p>
           <a:p>
@@ -6244,11 +7253,6 @@
               </a:rPr>
               <a:t>Etc.</a:t>
             </a:r>
-            <a:endParaRPr lang="es-ES" dirty="0" smtClean="0">
-              <a:solidFill>
-                <a:srgbClr val="7F7F7F"/>
-              </a:solidFill>
-            </a:endParaRPr>
           </a:p>
           <a:p>
             <a:pPr lvl="1">
@@ -6479,15 +7483,7 @@
                   <a:srgbClr val="7F7F7F"/>
                 </a:solidFill>
               </a:rPr>
-              <a:t>Tel</a:t>
-            </a:r>
-            <a:r>
-              <a:rPr lang="es-ES" sz="2400" dirty="0" smtClean="0">
-                <a:solidFill>
-                  <a:srgbClr val="7F7F7F"/>
-                </a:solidFill>
-              </a:rPr>
-              <a:t>éfono</a:t>
+              <a:t>Teléfono</a:t>
             </a:r>
             <a:endParaRPr lang="es-ES" sz="2400" dirty="0">
               <a:solidFill>
@@ -6563,15 +7559,7 @@
                   <a:srgbClr val="7F7F7F"/>
                 </a:solidFill>
               </a:rPr>
-              <a:t>De manera an</a:t>
-            </a:r>
-            <a:r>
-              <a:rPr lang="es-ES" sz="2400" dirty="0" smtClean="0">
-                <a:solidFill>
-                  <a:srgbClr val="7F7F7F"/>
-                </a:solidFill>
-              </a:rPr>
-              <a:t>áloga en otras plataformas, la idea es la misma.</a:t>
+              <a:t>De manera análoga en otras plataformas, la idea es la misma.</a:t>
             </a:r>
             <a:endParaRPr lang="es-ES" sz="2400" dirty="0">
               <a:solidFill>
@@ -6719,15 +7707,7 @@
                   <a:srgbClr val="7F7F7F"/>
                 </a:solidFill>
               </a:rPr>
-              <a:t>¿C</a:t>
-            </a:r>
-            <a:r>
-              <a:rPr lang="es-ES" sz="4400" dirty="0" smtClean="0">
-                <a:solidFill>
-                  <a:srgbClr val="7F7F7F"/>
-                </a:solidFill>
-              </a:rPr>
-              <a:t>ómo agregar uno?</a:t>
+              <a:t>¿Cómo agregar uno?</a:t>
             </a:r>
           </a:p>
         </p:txBody>

--- a/WPF/Ayudantía WPF 2 - 2014-2.pptx
+++ b/WPF/Ayudantía WPF 2 - 2014-2.pptx
@@ -5,7 +5,7 @@
     <p:sldMasterId id="2147483648" r:id="rId1"/>
   </p:sldMasterIdLst>
   <p:notesMasterIdLst>
-    <p:notesMasterId r:id="rId17"/>
+    <p:notesMasterId r:id="rId19"/>
   </p:notesMasterIdLst>
   <p:sldIdLst>
     <p:sldId id="257" r:id="rId2"/>
@@ -20,9 +20,11 @@
     <p:sldId id="307" r:id="rId11"/>
     <p:sldId id="355" r:id="rId12"/>
     <p:sldId id="356" r:id="rId13"/>
-    <p:sldId id="270" r:id="rId14"/>
-    <p:sldId id="357" r:id="rId15"/>
-    <p:sldId id="271" r:id="rId16"/>
+    <p:sldId id="357" r:id="rId14"/>
+    <p:sldId id="358" r:id="rId15"/>
+    <p:sldId id="270" r:id="rId16"/>
+    <p:sldId id="359" r:id="rId17"/>
+    <p:sldId id="271" r:id="rId18"/>
   </p:sldIdLst>
   <p:sldSz cx="9144000" cy="6858000" type="screen4x3"/>
   <p:notesSz cx="6858000" cy="9144000"/>
@@ -223,7 +225,7 @@
             <a:fld id="{7D0843C7-DD15-41C8-8351-FA33E77C5250}" type="datetimeFigureOut">
               <a:rPr lang="en-US" smtClean="0"/>
               <a:pPr/>
-              <a:t>26-10-14</a:t>
+              <a:t>27-10-14</a:t>
             </a:fld>
             <a:endParaRPr lang="en-US"/>
           </a:p>
@@ -581,6 +583,93 @@
 </p:notes>
 </file>
 
+<file path=ppt/notesSlides/notesSlide10.xml><?xml version="1.0" encoding="utf-8"?>
+<p:notes xmlns:a="http://schemas.openxmlformats.org/drawingml/2006/main" xmlns:r="http://schemas.openxmlformats.org/officeDocument/2006/relationships" xmlns:p="http://schemas.openxmlformats.org/presentationml/2006/main">
+  <p:cSld>
+    <p:spTree>
+      <p:nvGrpSpPr>
+        <p:cNvPr id="1" name=""/>
+        <p:cNvGrpSpPr/>
+        <p:nvPr/>
+      </p:nvGrpSpPr>
+      <p:grpSpPr>
+        <a:xfrm>
+          <a:off x="0" y="0"/>
+          <a:ext cx="0" cy="0"/>
+          <a:chOff x="0" y="0"/>
+          <a:chExt cx="0" cy="0"/>
+        </a:xfrm>
+      </p:grpSpPr>
+      <p:sp>
+        <p:nvSpPr>
+          <p:cNvPr id="2" name="1 Marcador de imagen de diapositiva"/>
+          <p:cNvSpPr>
+            <a:spLocks noGrp="1" noRot="1" noChangeAspect="1"/>
+          </p:cNvSpPr>
+          <p:nvPr>
+            <p:ph type="sldImg"/>
+          </p:nvPr>
+        </p:nvSpPr>
+        <p:spPr/>
+      </p:sp>
+      <p:sp>
+        <p:nvSpPr>
+          <p:cNvPr id="3" name="2 Marcador de notas"/>
+          <p:cNvSpPr>
+            <a:spLocks noGrp="1"/>
+          </p:cNvSpPr>
+          <p:nvPr>
+            <p:ph type="body" idx="1"/>
+          </p:nvPr>
+        </p:nvSpPr>
+        <p:spPr/>
+        <p:txBody>
+          <a:bodyPr>
+            <a:normAutofit/>
+          </a:bodyPr>
+          <a:lstStyle/>
+          <a:p>
+            <a:endParaRPr lang="es-CL"/>
+          </a:p>
+        </p:txBody>
+      </p:sp>
+      <p:sp>
+        <p:nvSpPr>
+          <p:cNvPr id="4" name="3 Marcador de número de diapositiva"/>
+          <p:cNvSpPr>
+            <a:spLocks noGrp="1"/>
+          </p:cNvSpPr>
+          <p:nvPr>
+            <p:ph type="sldNum" sz="quarter" idx="10"/>
+          </p:nvPr>
+        </p:nvSpPr>
+        <p:spPr/>
+        <p:txBody>
+          <a:bodyPr/>
+          <a:lstStyle/>
+          <a:p>
+            <a:fld id="{12B51BA2-BB88-4BFE-9FDC-55FC1F69537B}" type="slidenum">
+              <a:rPr lang="es-CL" smtClean="0"/>
+              <a:pPr/>
+              <a:t>17</a:t>
+            </a:fld>
+            <a:endParaRPr lang="es-CL"/>
+          </a:p>
+        </p:txBody>
+      </p:sp>
+    </p:spTree>
+    <p:extLst>
+      <p:ext uri="{BB962C8B-B14F-4D97-AF65-F5344CB8AC3E}">
+        <p14:creationId xmlns:p14="http://schemas.microsoft.com/office/powerpoint/2010/main" val="1674832910"/>
+      </p:ext>
+    </p:extLst>
+  </p:cSld>
+  <p:clrMapOvr>
+    <a:masterClrMapping/>
+  </p:clrMapOvr>
+</p:notes>
+</file>
+
 <file path=ppt/notesSlides/notesSlide2.xml><?xml version="1.0" encoding="utf-8"?>
 <p:notes xmlns:a="http://schemas.openxmlformats.org/drawingml/2006/main" xmlns:r="http://schemas.openxmlformats.org/officeDocument/2006/relationships" xmlns:p="http://schemas.openxmlformats.org/presentationml/2006/main">
   <p:cSld>
@@ -888,7 +977,47 @@
           </a:bodyPr>
           <a:lstStyle/>
           <a:p>
-            <a:endParaRPr lang="es-CL" dirty="0"/>
+            <a:r>
+              <a:rPr lang="es-CL" dirty="0" err="1" smtClean="0"/>
+              <a:t>AutoReverse</a:t>
+            </a:r>
+            <a:r>
+              <a:rPr lang="es-CL" dirty="0" smtClean="0"/>
+              <a:t>=“False” / ”True” </a:t>
+            </a:r>
+          </a:p>
+          <a:p>
+            <a:r>
+              <a:rPr lang="es-CL" dirty="0" err="1" smtClean="0"/>
+              <a:t>RepeatBehavior</a:t>
+            </a:r>
+            <a:r>
+              <a:rPr lang="es-CL" dirty="0" smtClean="0"/>
+              <a:t>="</a:t>
+            </a:r>
+            <a:r>
+              <a:rPr lang="es-CL" dirty="0" err="1" smtClean="0"/>
+              <a:t>Forever</a:t>
+            </a:r>
+            <a:r>
+              <a:rPr lang="es-CL" dirty="0" smtClean="0"/>
+              <a:t>" </a:t>
+            </a:r>
+          </a:p>
+          <a:p>
+            <a:r>
+              <a:rPr lang="es-CL" dirty="0" err="1" smtClean="0"/>
+              <a:t>Autoexplicativos</a:t>
+            </a:r>
+            <a:r>
+              <a:rPr lang="es-CL" dirty="0" smtClean="0"/>
+              <a:t>,</a:t>
+            </a:r>
+            <a:r>
+              <a:rPr lang="es-CL" baseline="0" dirty="0" smtClean="0"/>
+              <a:t> más propiedades en http://msdn.microsoft.com/es-es/library/system.windows.media.animation.doubleanimation%28v=vs.110%29.aspx</a:t>
+            </a:r>
+            <a:endParaRPr lang="es-CL" dirty="0" smtClean="0"/>
           </a:p>
         </p:txBody>
       </p:sp>
@@ -975,7 +1104,35 @@
           </a:bodyPr>
           <a:lstStyle/>
           <a:p>
-            <a:endParaRPr lang="es-CL"/>
+            <a:r>
+              <a:rPr lang="es-CL" dirty="0" smtClean="0"/>
+              <a:t>Se</a:t>
+            </a:r>
+            <a:r>
+              <a:rPr lang="es-CL" baseline="0" dirty="0" smtClean="0"/>
+              <a:t> </a:t>
+            </a:r>
+            <a:r>
+              <a:rPr lang="es-CL" baseline="0" dirty="0" err="1" smtClean="0"/>
+              <a:t>setean</a:t>
+            </a:r>
+            <a:r>
+              <a:rPr lang="es-CL" baseline="0" dirty="0" smtClean="0"/>
+              <a:t> </a:t>
+            </a:r>
+            <a:r>
+              <a:rPr lang="es-CL" baseline="0" dirty="0" err="1" smtClean="0"/>
+              <a:t>TargetName</a:t>
+            </a:r>
+            <a:r>
+              <a:rPr lang="es-CL" baseline="0" dirty="0" smtClean="0"/>
+              <a:t> y </a:t>
+            </a:r>
+            <a:r>
+              <a:rPr lang="es-CL" baseline="0" dirty="0" err="1" smtClean="0"/>
+              <a:t>TargetProperty</a:t>
+            </a:r>
+            <a:endParaRPr lang="es-CL" dirty="0"/>
           </a:p>
         </p:txBody>
       </p:sp>
@@ -994,7 +1151,7 @@
           <a:bodyPr/>
           <a:lstStyle/>
           <a:p>
-            <a:fld id="{67E5AF83-2530-43F8-9D73-7BB4D4E8DBDF}" type="slidenum">
+            <a:fld id="{12B51BA2-BB88-4BFE-9FDC-55FC1F69537B}" type="slidenum">
               <a:rPr lang="es-CL" smtClean="0"/>
               <a:pPr/>
               <a:t>13</a:t>
@@ -1006,7 +1163,7 @@
     </p:spTree>
     <p:extLst>
       <p:ext uri="{BB962C8B-B14F-4D97-AF65-F5344CB8AC3E}">
-        <p14:creationId xmlns:p14="http://schemas.microsoft.com/office/powerpoint/2010/main" val="4041121498"/>
+        <p14:creationId xmlns:p14="http://schemas.microsoft.com/office/powerpoint/2010/main" val="1452152992"/>
       </p:ext>
     </p:extLst>
   </p:cSld>
@@ -1062,7 +1219,43 @@
           </a:bodyPr>
           <a:lstStyle/>
           <a:p>
-            <a:endParaRPr lang="es-CL"/>
+            <a:r>
+              <a:rPr lang="es-CL" sz="1200" kern="1200" dirty="0" err="1" smtClean="0">
+                <a:solidFill>
+                  <a:schemeClr val="tx1"/>
+                </a:solidFill>
+                <a:effectLst/>
+                <a:latin typeface="+mn-lt"/>
+                <a:ea typeface="+mn-ea"/>
+                <a:cs typeface="+mn-cs"/>
+              </a:rPr>
+              <a:t>ColorAnimation</a:t>
+            </a:r>
+            <a:r>
+              <a:rPr lang="es-CL" sz="1200" kern="1200" baseline="0" dirty="0" smtClean="0">
+                <a:solidFill>
+                  <a:schemeClr val="tx1"/>
+                </a:solidFill>
+                <a:effectLst/>
+                <a:latin typeface="+mn-lt"/>
+                <a:ea typeface="+mn-ea"/>
+                <a:cs typeface="+mn-cs"/>
+              </a:rPr>
+              <a:t> es como </a:t>
+            </a:r>
+            <a:r>
+              <a:rPr lang="es-CL" sz="1200" kern="1200" baseline="0" dirty="0" err="1" smtClean="0">
+                <a:solidFill>
+                  <a:schemeClr val="tx1"/>
+                </a:solidFill>
+                <a:effectLst/>
+                <a:latin typeface="+mn-lt"/>
+                <a:ea typeface="+mn-ea"/>
+                <a:cs typeface="+mn-cs"/>
+              </a:rPr>
+              <a:t>DoubleAnimation</a:t>
+            </a:r>
+            <a:endParaRPr lang="es-CL" dirty="0"/>
           </a:p>
         </p:txBody>
       </p:sp>
@@ -1081,7 +1274,7 @@
           <a:bodyPr/>
           <a:lstStyle/>
           <a:p>
-            <a:fld id="{67E5AF83-2530-43F8-9D73-7BB4D4E8DBDF}" type="slidenum">
+            <a:fld id="{12B51BA2-BB88-4BFE-9FDC-55FC1F69537B}" type="slidenum">
               <a:rPr lang="es-CL" smtClean="0"/>
               <a:pPr/>
               <a:t>14</a:t>
@@ -1093,7 +1286,7 @@
     </p:spTree>
     <p:extLst>
       <p:ext uri="{BB962C8B-B14F-4D97-AF65-F5344CB8AC3E}">
-        <p14:creationId xmlns:p14="http://schemas.microsoft.com/office/powerpoint/2010/main" val="4041121498"/>
+        <p14:creationId xmlns:p14="http://schemas.microsoft.com/office/powerpoint/2010/main" val="3826702089"/>
       </p:ext>
     </p:extLst>
   </p:cSld>
@@ -1168,7 +1361,7 @@
           <a:bodyPr/>
           <a:lstStyle/>
           <a:p>
-            <a:fld id="{12B51BA2-BB88-4BFE-9FDC-55FC1F69537B}" type="slidenum">
+            <a:fld id="{67E5AF83-2530-43F8-9D73-7BB4D4E8DBDF}" type="slidenum">
               <a:rPr lang="es-CL" smtClean="0"/>
               <a:pPr/>
               <a:t>15</a:t>
@@ -1180,7 +1373,94 @@
     </p:spTree>
     <p:extLst>
       <p:ext uri="{BB962C8B-B14F-4D97-AF65-F5344CB8AC3E}">
-        <p14:creationId xmlns:p14="http://schemas.microsoft.com/office/powerpoint/2010/main" val="1674832910"/>
+        <p14:creationId xmlns:p14="http://schemas.microsoft.com/office/powerpoint/2010/main" val="4041121498"/>
+      </p:ext>
+    </p:extLst>
+  </p:cSld>
+  <p:clrMapOvr>
+    <a:masterClrMapping/>
+  </p:clrMapOvr>
+</p:notes>
+</file>
+
+<file path=ppt/notesSlides/notesSlide9.xml><?xml version="1.0" encoding="utf-8"?>
+<p:notes xmlns:a="http://schemas.openxmlformats.org/drawingml/2006/main" xmlns:r="http://schemas.openxmlformats.org/officeDocument/2006/relationships" xmlns:p="http://schemas.openxmlformats.org/presentationml/2006/main">
+  <p:cSld>
+    <p:spTree>
+      <p:nvGrpSpPr>
+        <p:cNvPr id="1" name=""/>
+        <p:cNvGrpSpPr/>
+        <p:nvPr/>
+      </p:nvGrpSpPr>
+      <p:grpSpPr>
+        <a:xfrm>
+          <a:off x="0" y="0"/>
+          <a:ext cx="0" cy="0"/>
+          <a:chOff x="0" y="0"/>
+          <a:chExt cx="0" cy="0"/>
+        </a:xfrm>
+      </p:grpSpPr>
+      <p:sp>
+        <p:nvSpPr>
+          <p:cNvPr id="2" name="1 Marcador de imagen de diapositiva"/>
+          <p:cNvSpPr>
+            <a:spLocks noGrp="1" noRot="1" noChangeAspect="1"/>
+          </p:cNvSpPr>
+          <p:nvPr>
+            <p:ph type="sldImg"/>
+          </p:nvPr>
+        </p:nvSpPr>
+        <p:spPr/>
+      </p:sp>
+      <p:sp>
+        <p:nvSpPr>
+          <p:cNvPr id="3" name="2 Marcador de notas"/>
+          <p:cNvSpPr>
+            <a:spLocks noGrp="1"/>
+          </p:cNvSpPr>
+          <p:nvPr>
+            <p:ph type="body" idx="1"/>
+          </p:nvPr>
+        </p:nvSpPr>
+        <p:spPr/>
+        <p:txBody>
+          <a:bodyPr>
+            <a:normAutofit/>
+          </a:bodyPr>
+          <a:lstStyle/>
+          <a:p>
+            <a:endParaRPr lang="es-CL"/>
+          </a:p>
+        </p:txBody>
+      </p:sp>
+      <p:sp>
+        <p:nvSpPr>
+          <p:cNvPr id="4" name="3 Marcador de número de diapositiva"/>
+          <p:cNvSpPr>
+            <a:spLocks noGrp="1"/>
+          </p:cNvSpPr>
+          <p:nvPr>
+            <p:ph type="sldNum" sz="quarter" idx="10"/>
+          </p:nvPr>
+        </p:nvSpPr>
+        <p:spPr/>
+        <p:txBody>
+          <a:bodyPr/>
+          <a:lstStyle/>
+          <a:p>
+            <a:fld id="{67E5AF83-2530-43F8-9D73-7BB4D4E8DBDF}" type="slidenum">
+              <a:rPr lang="es-CL" smtClean="0"/>
+              <a:pPr/>
+              <a:t>16</a:t>
+            </a:fld>
+            <a:endParaRPr lang="es-CL"/>
+          </a:p>
+        </p:txBody>
+      </p:sp>
+    </p:spTree>
+    <p:extLst>
+      <p:ext uri="{BB962C8B-B14F-4D97-AF65-F5344CB8AC3E}">
+        <p14:creationId xmlns:p14="http://schemas.microsoft.com/office/powerpoint/2010/main" val="4041121498"/>
       </p:ext>
     </p:extLst>
   </p:cSld>
@@ -1372,7 +1652,7 @@
             <a:fld id="{4B85E5B6-756B-44E9-BE8E-33EB0C1B17A8}" type="datetimeFigureOut">
               <a:rPr lang="en-US" smtClean="0"/>
               <a:pPr/>
-              <a:t>26-10-14</a:t>
+              <a:t>27-10-14</a:t>
             </a:fld>
             <a:endParaRPr lang="en-US"/>
           </a:p>
@@ -1539,7 +1819,7 @@
             <a:fld id="{4B85E5B6-756B-44E9-BE8E-33EB0C1B17A8}" type="datetimeFigureOut">
               <a:rPr lang="en-US" smtClean="0"/>
               <a:pPr/>
-              <a:t>26-10-14</a:t>
+              <a:t>27-10-14</a:t>
             </a:fld>
             <a:endParaRPr lang="en-US"/>
           </a:p>
@@ -1716,7 +1996,7 @@
             <a:fld id="{4B85E5B6-756B-44E9-BE8E-33EB0C1B17A8}" type="datetimeFigureOut">
               <a:rPr lang="en-US" smtClean="0"/>
               <a:pPr/>
-              <a:t>26-10-14</a:t>
+              <a:t>27-10-14</a:t>
             </a:fld>
             <a:endParaRPr lang="en-US"/>
           </a:p>
@@ -1883,7 +2163,7 @@
             <a:fld id="{4B85E5B6-756B-44E9-BE8E-33EB0C1B17A8}" type="datetimeFigureOut">
               <a:rPr lang="en-US" smtClean="0"/>
               <a:pPr/>
-              <a:t>26-10-14</a:t>
+              <a:t>27-10-14</a:t>
             </a:fld>
             <a:endParaRPr lang="en-US"/>
           </a:p>
@@ -2126,7 +2406,7 @@
             <a:fld id="{4B85E5B6-756B-44E9-BE8E-33EB0C1B17A8}" type="datetimeFigureOut">
               <a:rPr lang="en-US" smtClean="0"/>
               <a:pPr/>
-              <a:t>26-10-14</a:t>
+              <a:t>27-10-14</a:t>
             </a:fld>
             <a:endParaRPr lang="en-US"/>
           </a:p>
@@ -2411,7 +2691,7 @@
             <a:fld id="{4B85E5B6-756B-44E9-BE8E-33EB0C1B17A8}" type="datetimeFigureOut">
               <a:rPr lang="en-US" smtClean="0"/>
               <a:pPr/>
-              <a:t>26-10-14</a:t>
+              <a:t>27-10-14</a:t>
             </a:fld>
             <a:endParaRPr lang="en-US"/>
           </a:p>
@@ -2830,7 +3110,7 @@
             <a:fld id="{4B85E5B6-756B-44E9-BE8E-33EB0C1B17A8}" type="datetimeFigureOut">
               <a:rPr lang="en-US" smtClean="0"/>
               <a:pPr/>
-              <a:t>26-10-14</a:t>
+              <a:t>27-10-14</a:t>
             </a:fld>
             <a:endParaRPr lang="en-US"/>
           </a:p>
@@ -2945,7 +3225,7 @@
             <a:fld id="{4B85E5B6-756B-44E9-BE8E-33EB0C1B17A8}" type="datetimeFigureOut">
               <a:rPr lang="en-US" smtClean="0"/>
               <a:pPr/>
-              <a:t>26-10-14</a:t>
+              <a:t>27-10-14</a:t>
             </a:fld>
             <a:endParaRPr lang="en-US"/>
           </a:p>
@@ -3037,7 +3317,7 @@
             <a:fld id="{4B85E5B6-756B-44E9-BE8E-33EB0C1B17A8}" type="datetimeFigureOut">
               <a:rPr lang="en-US" smtClean="0"/>
               <a:pPr/>
-              <a:t>26-10-14</a:t>
+              <a:t>27-10-14</a:t>
             </a:fld>
             <a:endParaRPr lang="en-US"/>
           </a:p>
@@ -3311,7 +3591,7 @@
             <a:fld id="{4B85E5B6-756B-44E9-BE8E-33EB0C1B17A8}" type="datetimeFigureOut">
               <a:rPr lang="en-US" smtClean="0"/>
               <a:pPr/>
-              <a:t>26-10-14</a:t>
+              <a:t>27-10-14</a:t>
             </a:fld>
             <a:endParaRPr lang="en-US"/>
           </a:p>
@@ -3561,7 +3841,7 @@
             <a:fld id="{4B85E5B6-756B-44E9-BE8E-33EB0C1B17A8}" type="datetimeFigureOut">
               <a:rPr lang="en-US" smtClean="0"/>
               <a:pPr/>
-              <a:t>26-10-14</a:t>
+              <a:t>27-10-14</a:t>
             </a:fld>
             <a:endParaRPr lang="en-US"/>
           </a:p>
@@ -3771,7 +4051,7 @@
             <a:fld id="{4B85E5B6-756B-44E9-BE8E-33EB0C1B17A8}" type="datetimeFigureOut">
               <a:rPr lang="en-US" smtClean="0"/>
               <a:pPr/>
-              <a:t>26-10-14</a:t>
+              <a:t>27-10-14</a:t>
             </a:fld>
             <a:endParaRPr lang="en-US"/>
           </a:p>
@@ -4170,7 +4450,7 @@
                   <a:schemeClr val="accent2"/>
                 </a:solidFill>
               </a:rPr>
-              <a:t>Ayudantía _</a:t>
+              <a:t>Ayudantía 11</a:t>
             </a:r>
             <a:endParaRPr lang="es-CL" sz="6600" dirty="0">
               <a:solidFill>
@@ -5330,17 +5610,392 @@
           <a:lstStyle/>
           <a:p>
             <a:r>
-              <a:rPr lang="en-US" dirty="0" smtClean="0">
+              <a:rPr lang="en-US" dirty="0" err="1" smtClean="0">
                 <a:solidFill>
                   <a:schemeClr val="accent2"/>
                 </a:solidFill>
               </a:rPr>
-              <a:t>Storyboards</a:t>
+              <a:t>DoubleAnimation</a:t>
             </a:r>
             <a:endParaRPr lang="es-CL" dirty="0">
               <a:solidFill>
                 <a:schemeClr val="accent2"/>
               </a:solidFill>
+            </a:endParaRPr>
+          </a:p>
+        </p:txBody>
+      </p:sp>
+      <p:sp>
+        <p:nvSpPr>
+          <p:cNvPr id="3" name="2 Marcador de contenido"/>
+          <p:cNvSpPr>
+            <a:spLocks noGrp="1"/>
+          </p:cNvSpPr>
+          <p:nvPr>
+            <p:ph idx="1"/>
+          </p:nvPr>
+        </p:nvSpPr>
+        <p:spPr>
+          <a:xfrm>
+            <a:off x="457200" y="1600201"/>
+            <a:ext cx="8239944" cy="748679"/>
+          </a:xfrm>
+        </p:spPr>
+        <p:txBody>
+          <a:bodyPr/>
+          <a:lstStyle/>
+          <a:p>
+            <a:r>
+              <a:rPr lang="es-CL" dirty="0" smtClean="0">
+                <a:solidFill>
+                  <a:schemeClr val="bg1">
+                    <a:lumMod val="50000"/>
+                  </a:schemeClr>
+                </a:solidFill>
+              </a:rPr>
+              <a:t>Animar propiedades de un elemento. </a:t>
+            </a:r>
+          </a:p>
+          <a:p>
+            <a:endParaRPr lang="es-CL" dirty="0">
+              <a:solidFill>
+                <a:schemeClr val="bg1">
+                  <a:lumMod val="50000"/>
+                </a:schemeClr>
+              </a:solidFill>
+            </a:endParaRPr>
+          </a:p>
+        </p:txBody>
+      </p:sp>
+      <p:sp>
+        <p:nvSpPr>
+          <p:cNvPr id="4" name="Rectángulo 3"/>
+          <p:cNvSpPr/>
+          <p:nvPr/>
+        </p:nvSpPr>
+        <p:spPr>
+          <a:xfrm>
+            <a:off x="863080" y="3140968"/>
+            <a:ext cx="8280920" cy="2031325"/>
+          </a:xfrm>
+          <a:prstGeom prst="rect">
+            <a:avLst/>
+          </a:prstGeom>
+        </p:spPr>
+        <p:txBody>
+          <a:bodyPr wrap="square">
+            <a:spAutoFit/>
+          </a:bodyPr>
+          <a:lstStyle/>
+          <a:p>
+            <a:r>
+              <a:rPr lang="fi-FI" dirty="0" smtClean="0">
+                <a:solidFill>
+                  <a:srgbClr val="0000FF"/>
+                </a:solidFill>
+                <a:highlight>
+                  <a:srgbClr val="FFFFFF"/>
+                </a:highlight>
+                <a:latin typeface="Consolas"/>
+              </a:rPr>
+              <a:t>Using </a:t>
+            </a:r>
+            <a:r>
+              <a:rPr lang="fi-FI" dirty="0" smtClean="0">
+                <a:highlight>
+                  <a:srgbClr val="FFFFFF"/>
+                </a:highlight>
+                <a:latin typeface="Consolas"/>
+              </a:rPr>
+              <a:t>System.Windows.Media.Animation;</a:t>
+            </a:r>
+          </a:p>
+          <a:p>
+            <a:r>
+              <a:rPr lang="fi-FI" dirty="0" smtClean="0">
+                <a:solidFill>
+                  <a:srgbClr val="0000FF"/>
+                </a:solidFill>
+                <a:highlight>
+                  <a:srgbClr val="FFFFFF"/>
+                </a:highlight>
+                <a:latin typeface="Consolas"/>
+              </a:rPr>
+              <a:t>...</a:t>
+            </a:r>
+            <a:endParaRPr lang="fi-FI" dirty="0">
+              <a:solidFill>
+                <a:srgbClr val="0000FF"/>
+              </a:solidFill>
+              <a:highlight>
+                <a:srgbClr val="FFFFFF"/>
+              </a:highlight>
+              <a:latin typeface="Consolas"/>
+            </a:endParaRPr>
+          </a:p>
+          <a:p>
+            <a:r>
+              <a:rPr lang="fi-FI" dirty="0" smtClean="0">
+                <a:solidFill>
+                  <a:srgbClr val="2B91AF"/>
+                </a:solidFill>
+                <a:highlight>
+                  <a:srgbClr val="FFFFFF"/>
+                </a:highlight>
+                <a:latin typeface="Consolas"/>
+              </a:rPr>
+              <a:t>DoubleAnimation </a:t>
+            </a:r>
+            <a:r>
+              <a:rPr lang="fi-FI" dirty="0" smtClean="0">
+                <a:highlight>
+                  <a:srgbClr val="FFFFFF"/>
+                </a:highlight>
+                <a:latin typeface="Consolas"/>
+              </a:rPr>
+              <a:t>animacion = </a:t>
+            </a:r>
+            <a:r>
+              <a:rPr lang="fi-FI" dirty="0" smtClean="0">
+                <a:solidFill>
+                  <a:srgbClr val="0000FF"/>
+                </a:solidFill>
+                <a:highlight>
+                  <a:srgbClr val="FFFFFF"/>
+                </a:highlight>
+                <a:latin typeface="Consolas"/>
+              </a:rPr>
+              <a:t>new</a:t>
+            </a:r>
+            <a:r>
+              <a:rPr lang="fi-FI" dirty="0">
+                <a:solidFill>
+                  <a:srgbClr val="2B91AF"/>
+                </a:solidFill>
+                <a:highlight>
+                  <a:srgbClr val="FFFFFF"/>
+                </a:highlight>
+                <a:latin typeface="Consolas"/>
+              </a:rPr>
+              <a:t> DoubleAnimation </a:t>
+            </a:r>
+            <a:r>
+              <a:rPr lang="fi-FI" dirty="0" smtClean="0">
+                <a:highlight>
+                  <a:srgbClr val="FFFFFF"/>
+                </a:highlight>
+                <a:latin typeface="Consolas"/>
+              </a:rPr>
+              <a:t>();</a:t>
+            </a:r>
+          </a:p>
+          <a:p>
+            <a:r>
+              <a:rPr lang="fi-FI" dirty="0">
+                <a:highlight>
+                  <a:srgbClr val="FFFFFF"/>
+                </a:highlight>
+                <a:latin typeface="Consolas"/>
+              </a:rPr>
+              <a:t>a</a:t>
+            </a:r>
+            <a:r>
+              <a:rPr lang="fi-FI" dirty="0" smtClean="0">
+                <a:highlight>
+                  <a:srgbClr val="FFFFFF"/>
+                </a:highlight>
+                <a:latin typeface="Consolas"/>
+              </a:rPr>
+              <a:t>nimacion.From = 0; </a:t>
+            </a:r>
+            <a:r>
+              <a:rPr lang="fi-FI" dirty="0" smtClean="0">
+                <a:solidFill>
+                  <a:schemeClr val="accent3">
+                    <a:lumMod val="75000"/>
+                  </a:schemeClr>
+                </a:solidFill>
+                <a:highlight>
+                  <a:srgbClr val="FFFFFF"/>
+                </a:highlight>
+                <a:latin typeface="Consolas"/>
+              </a:rPr>
+              <a:t>//Valor inicio de la propiedad</a:t>
+            </a:r>
+          </a:p>
+          <a:p>
+            <a:r>
+              <a:rPr lang="fi-FI" dirty="0">
+                <a:highlight>
+                  <a:srgbClr val="FFFFFF"/>
+                </a:highlight>
+                <a:latin typeface="Consolas"/>
+              </a:rPr>
+              <a:t>a</a:t>
+            </a:r>
+            <a:r>
+              <a:rPr lang="fi-FI" dirty="0" smtClean="0">
+                <a:highlight>
+                  <a:srgbClr val="FFFFFF"/>
+                </a:highlight>
+                <a:latin typeface="Consolas"/>
+              </a:rPr>
+              <a:t>nimacion.To = 100</a:t>
+            </a:r>
+            <a:r>
+              <a:rPr lang="fi-FI" dirty="0" smtClean="0">
+                <a:solidFill>
+                  <a:schemeClr val="accent3">
+                    <a:lumMod val="75000"/>
+                  </a:schemeClr>
+                </a:solidFill>
+                <a:highlight>
+                  <a:srgbClr val="FFFFFF"/>
+                </a:highlight>
+                <a:latin typeface="Consolas"/>
+              </a:rPr>
+              <a:t>; //Valor final </a:t>
+            </a:r>
+          </a:p>
+          <a:p>
+            <a:r>
+              <a:rPr lang="es-CL" dirty="0" err="1">
+                <a:latin typeface="Consolas" panose="020B0609020204030204" pitchFamily="49" charset="0"/>
+                <a:cs typeface="Consolas" panose="020B0609020204030204" pitchFamily="49" charset="0"/>
+              </a:rPr>
+              <a:t>animacion.Duration</a:t>
+            </a:r>
+            <a:r>
+              <a:rPr lang="es-CL" dirty="0">
+                <a:latin typeface="Consolas" panose="020B0609020204030204" pitchFamily="49" charset="0"/>
+                <a:cs typeface="Consolas" panose="020B0609020204030204" pitchFamily="49" charset="0"/>
+              </a:rPr>
+              <a:t> = </a:t>
+            </a:r>
+            <a:r>
+              <a:rPr lang="es-CL" dirty="0">
+                <a:solidFill>
+                  <a:srgbClr val="0000CC"/>
+                </a:solidFill>
+                <a:latin typeface="Consolas" panose="020B0609020204030204" pitchFamily="49" charset="0"/>
+                <a:cs typeface="Consolas" panose="020B0609020204030204" pitchFamily="49" charset="0"/>
+              </a:rPr>
+              <a:t>new</a:t>
+            </a:r>
+            <a:r>
+              <a:rPr lang="es-CL" dirty="0">
+                <a:latin typeface="Consolas" panose="020B0609020204030204" pitchFamily="49" charset="0"/>
+                <a:cs typeface="Consolas" panose="020B0609020204030204" pitchFamily="49" charset="0"/>
+              </a:rPr>
+              <a:t> </a:t>
+            </a:r>
+            <a:r>
+              <a:rPr lang="es-CL" dirty="0" err="1">
+                <a:solidFill>
+                  <a:schemeClr val="accent5">
+                    <a:lumMod val="75000"/>
+                  </a:schemeClr>
+                </a:solidFill>
+                <a:latin typeface="Consolas" panose="020B0609020204030204" pitchFamily="49" charset="0"/>
+                <a:cs typeface="Consolas" panose="020B0609020204030204" pitchFamily="49" charset="0"/>
+              </a:rPr>
+              <a:t>Duration</a:t>
+            </a:r>
+            <a:r>
+              <a:rPr lang="es-CL" dirty="0">
+                <a:latin typeface="Consolas" panose="020B0609020204030204" pitchFamily="49" charset="0"/>
+                <a:cs typeface="Consolas" panose="020B0609020204030204" pitchFamily="49" charset="0"/>
+              </a:rPr>
+              <a:t>(</a:t>
+            </a:r>
+            <a:r>
+              <a:rPr lang="es-CL" dirty="0" err="1">
+                <a:solidFill>
+                  <a:schemeClr val="accent5">
+                    <a:lumMod val="75000"/>
+                  </a:schemeClr>
+                </a:solidFill>
+                <a:latin typeface="Consolas" panose="020B0609020204030204" pitchFamily="49" charset="0"/>
+                <a:cs typeface="Consolas" panose="020B0609020204030204" pitchFamily="49" charset="0"/>
+              </a:rPr>
+              <a:t>TimeSpan</a:t>
+            </a:r>
+            <a:r>
+              <a:rPr lang="es-CL" dirty="0" err="1">
+                <a:latin typeface="Consolas" panose="020B0609020204030204" pitchFamily="49" charset="0"/>
+                <a:cs typeface="Consolas" panose="020B0609020204030204" pitchFamily="49" charset="0"/>
+              </a:rPr>
+              <a:t>.FromSeconds</a:t>
+            </a:r>
+            <a:r>
+              <a:rPr lang="es-CL" dirty="0">
+                <a:latin typeface="Consolas" panose="020B0609020204030204" pitchFamily="49" charset="0"/>
+                <a:cs typeface="Consolas" panose="020B0609020204030204" pitchFamily="49" charset="0"/>
+              </a:rPr>
+              <a:t>(4));</a:t>
+            </a:r>
+          </a:p>
+          <a:p>
+            <a:r>
+              <a:rPr lang="es-CL" dirty="0" err="1" smtClean="0">
+                <a:latin typeface="Consolas" panose="020B0609020204030204" pitchFamily="49" charset="0"/>
+                <a:cs typeface="Consolas" panose="020B0609020204030204" pitchFamily="49" charset="0"/>
+              </a:rPr>
+              <a:t>rectangulo.BeginAnimation</a:t>
+            </a:r>
+            <a:r>
+              <a:rPr lang="es-CL" dirty="0" smtClean="0">
+                <a:latin typeface="Consolas" panose="020B0609020204030204" pitchFamily="49" charset="0"/>
+                <a:cs typeface="Consolas" panose="020B0609020204030204" pitchFamily="49" charset="0"/>
+              </a:rPr>
+              <a:t>(</a:t>
+            </a:r>
+            <a:r>
+              <a:rPr lang="es-CL" dirty="0" err="1" smtClean="0">
+                <a:solidFill>
+                  <a:schemeClr val="accent5">
+                    <a:lumMod val="75000"/>
+                  </a:schemeClr>
+                </a:solidFill>
+                <a:latin typeface="Consolas" panose="020B0609020204030204" pitchFamily="49" charset="0"/>
+                <a:cs typeface="Consolas" panose="020B0609020204030204" pitchFamily="49" charset="0"/>
+              </a:rPr>
+              <a:t>Rectangle</a:t>
+            </a:r>
+            <a:r>
+              <a:rPr lang="es-CL" dirty="0" err="1" smtClean="0">
+                <a:latin typeface="Consolas" panose="020B0609020204030204" pitchFamily="49" charset="0"/>
+                <a:cs typeface="Consolas" panose="020B0609020204030204" pitchFamily="49" charset="0"/>
+              </a:rPr>
+              <a:t>.WidthProperty</a:t>
+            </a:r>
+            <a:r>
+              <a:rPr lang="es-CL" dirty="0">
+                <a:latin typeface="Consolas" panose="020B0609020204030204" pitchFamily="49" charset="0"/>
+                <a:cs typeface="Consolas" panose="020B0609020204030204" pitchFamily="49" charset="0"/>
+              </a:rPr>
+              <a:t>, </a:t>
+            </a:r>
+            <a:r>
+              <a:rPr lang="es-CL" dirty="0" err="1">
+                <a:latin typeface="Consolas" panose="020B0609020204030204" pitchFamily="49" charset="0"/>
+                <a:cs typeface="Consolas" panose="020B0609020204030204" pitchFamily="49" charset="0"/>
+              </a:rPr>
+              <a:t>animacion</a:t>
+            </a:r>
+            <a:r>
+              <a:rPr lang="es-CL" dirty="0">
+                <a:latin typeface="Consolas" panose="020B0609020204030204" pitchFamily="49" charset="0"/>
+                <a:cs typeface="Consolas" panose="020B0609020204030204" pitchFamily="49" charset="0"/>
+              </a:rPr>
+              <a:t>);</a:t>
+            </a:r>
+            <a:endParaRPr lang="fi-FI" dirty="0">
+              <a:highlight>
+                <a:srgbClr val="FFFFFF"/>
+              </a:highlight>
+              <a:latin typeface="Consolas" panose="020B0609020204030204" pitchFamily="49" charset="0"/>
+              <a:cs typeface="Consolas" panose="020B0609020204030204" pitchFamily="49" charset="0"/>
             </a:endParaRPr>
           </a:p>
         </p:txBody>
@@ -5384,7 +6039,7 @@
       </p:grpSpPr>
       <p:sp>
         <p:nvSpPr>
-          <p:cNvPr id="2" name="Title 1"/>
+          <p:cNvPr id="5" name="1 Título"/>
           <p:cNvSpPr>
             <a:spLocks noGrp="1"/>
           </p:cNvSpPr>
@@ -5392,57 +6047,734 @@
             <p:ph type="title"/>
           </p:nvPr>
         </p:nvSpPr>
-        <p:spPr/>
+        <p:spPr>
+          <a:xfrm>
+            <a:off x="467544" y="0"/>
+            <a:ext cx="8229600" cy="1143000"/>
+          </a:xfrm>
+        </p:spPr>
         <p:txBody>
           <a:bodyPr>
             <a:normAutofit/>
           </a:bodyPr>
           <a:lstStyle/>
           <a:p>
-            <a:pPr algn="l"/>
-            <a:r>
-              <a:rPr lang="es-CL" sz="6600" dirty="0" err="1" smtClean="0">
-                <a:solidFill>
-                  <a:schemeClr val="bg1">
-                    <a:lumMod val="50000"/>
-                  </a:schemeClr>
-                </a:solidFill>
-                <a:latin typeface="+mn-lt"/>
-                <a:ea typeface="+mn-ea"/>
-                <a:cs typeface="+mn-cs"/>
-              </a:rPr>
-              <a:t>Tip</a:t>
-            </a:r>
-            <a:r>
-              <a:rPr lang="es-CL" sz="6600" dirty="0" smtClean="0">
-                <a:solidFill>
-                  <a:schemeClr val="bg1">
-                    <a:lumMod val="50000"/>
-                  </a:schemeClr>
-                </a:solidFill>
-                <a:latin typeface="+mn-lt"/>
-                <a:ea typeface="+mn-ea"/>
-                <a:cs typeface="+mn-cs"/>
-              </a:rPr>
-              <a:t> de Programación:</a:t>
-            </a:r>
-          </a:p>
-        </p:txBody>
-      </p:sp>
-      <p:sp>
-        <p:nvSpPr>
-          <p:cNvPr id="3" name="Content Placeholder 2"/>
-          <p:cNvSpPr>
-            <a:spLocks noGrp="1"/>
-          </p:cNvSpPr>
-          <p:nvPr>
-            <p:ph idx="1"/>
-          </p:nvPr>
+            <a:r>
+              <a:rPr lang="en-US" dirty="0" smtClean="0">
+                <a:solidFill>
+                  <a:schemeClr val="accent2"/>
+                </a:solidFill>
+              </a:rPr>
+              <a:t>Storyboards</a:t>
+            </a:r>
+            <a:endParaRPr lang="es-CL" dirty="0">
+              <a:solidFill>
+                <a:schemeClr val="accent2"/>
+              </a:solidFill>
+            </a:endParaRPr>
+          </a:p>
+        </p:txBody>
+      </p:sp>
+      <p:sp>
+        <p:nvSpPr>
+          <p:cNvPr id="3" name="Rectángulo 2"/>
+          <p:cNvSpPr/>
+          <p:nvPr/>
         </p:nvSpPr>
         <p:spPr>
           <a:xfrm>
-            <a:off x="0" y="2132856"/>
-            <a:ext cx="8964488" cy="4525963"/>
+            <a:off x="1115616" y="3068960"/>
+            <a:ext cx="7344816" cy="3384376"/>
+          </a:xfrm>
+          <a:prstGeom prst="rect">
+            <a:avLst/>
+          </a:prstGeom>
+        </p:spPr>
+        <p:txBody>
+          <a:bodyPr wrap="square">
+            <a:spAutoFit/>
+          </a:bodyPr>
+          <a:lstStyle/>
+          <a:p>
+            <a:r>
+              <a:rPr lang="fi-FI" dirty="0" smtClean="0">
+                <a:solidFill>
+                  <a:srgbClr val="0000FF"/>
+                </a:solidFill>
+                <a:highlight>
+                  <a:srgbClr val="FFFFFF"/>
+                </a:highlight>
+                <a:latin typeface="Consolas"/>
+              </a:rPr>
+              <a:t>using </a:t>
+            </a:r>
+            <a:r>
+              <a:rPr lang="fi-FI" dirty="0" smtClean="0">
+                <a:highlight>
+                  <a:srgbClr val="FFFFFF"/>
+                </a:highlight>
+                <a:latin typeface="Consolas"/>
+              </a:rPr>
+              <a:t>System.Windows.Media.Animation;</a:t>
+            </a:r>
+          </a:p>
+          <a:p>
+            <a:r>
+              <a:rPr lang="fi-FI" dirty="0" smtClean="0">
+                <a:solidFill>
+                  <a:srgbClr val="0000FF"/>
+                </a:solidFill>
+                <a:highlight>
+                  <a:srgbClr val="FFFFFF"/>
+                </a:highlight>
+                <a:latin typeface="Consolas"/>
+              </a:rPr>
+              <a:t>...</a:t>
+            </a:r>
+          </a:p>
+          <a:p>
+            <a:r>
+              <a:rPr lang="es-CL" dirty="0" err="1">
+                <a:solidFill>
+                  <a:srgbClr val="2B91AF"/>
+                </a:solidFill>
+                <a:highlight>
+                  <a:srgbClr val="FFFFFF"/>
+                </a:highlight>
+                <a:latin typeface="Consolas" panose="020B0609020204030204" pitchFamily="49" charset="0"/>
+              </a:rPr>
+              <a:t>ColorAnimation</a:t>
+            </a:r>
+            <a:r>
+              <a:rPr lang="es-CL" dirty="0">
+                <a:solidFill>
+                  <a:srgbClr val="000000"/>
+                </a:solidFill>
+                <a:highlight>
+                  <a:srgbClr val="FFFFFF"/>
+                </a:highlight>
+                <a:latin typeface="Consolas" panose="020B0609020204030204" pitchFamily="49" charset="0"/>
+              </a:rPr>
+              <a:t> </a:t>
+            </a:r>
+            <a:r>
+              <a:rPr lang="es-CL" dirty="0" err="1">
+                <a:solidFill>
+                  <a:srgbClr val="000000"/>
+                </a:solidFill>
+                <a:highlight>
+                  <a:srgbClr val="FFFFFF"/>
+                </a:highlight>
+                <a:latin typeface="Consolas" panose="020B0609020204030204" pitchFamily="49" charset="0"/>
+              </a:rPr>
+              <a:t>animacion</a:t>
+            </a:r>
+            <a:r>
+              <a:rPr lang="es-CL" dirty="0">
+                <a:solidFill>
+                  <a:srgbClr val="000000"/>
+                </a:solidFill>
+                <a:highlight>
+                  <a:srgbClr val="FFFFFF"/>
+                </a:highlight>
+                <a:latin typeface="Consolas" panose="020B0609020204030204" pitchFamily="49" charset="0"/>
+              </a:rPr>
+              <a:t> = </a:t>
+            </a:r>
+            <a:r>
+              <a:rPr lang="es-CL" dirty="0">
+                <a:solidFill>
+                  <a:srgbClr val="0000FF"/>
+                </a:solidFill>
+                <a:highlight>
+                  <a:srgbClr val="FFFFFF"/>
+                </a:highlight>
+                <a:latin typeface="Consolas" panose="020B0609020204030204" pitchFamily="49" charset="0"/>
+              </a:rPr>
+              <a:t>new</a:t>
+            </a:r>
+            <a:r>
+              <a:rPr lang="es-CL" dirty="0">
+                <a:solidFill>
+                  <a:srgbClr val="000000"/>
+                </a:solidFill>
+                <a:highlight>
+                  <a:srgbClr val="FFFFFF"/>
+                </a:highlight>
+                <a:latin typeface="Consolas" panose="020B0609020204030204" pitchFamily="49" charset="0"/>
+              </a:rPr>
+              <a:t> </a:t>
+            </a:r>
+            <a:r>
+              <a:rPr lang="es-CL" dirty="0" err="1">
+                <a:solidFill>
+                  <a:srgbClr val="2B91AF"/>
+                </a:solidFill>
+                <a:highlight>
+                  <a:srgbClr val="FFFFFF"/>
+                </a:highlight>
+                <a:latin typeface="Consolas" panose="020B0609020204030204" pitchFamily="49" charset="0"/>
+              </a:rPr>
+              <a:t>ColorAnimation</a:t>
+            </a:r>
+            <a:r>
+              <a:rPr lang="es-CL" dirty="0">
+                <a:solidFill>
+                  <a:srgbClr val="000000"/>
+                </a:solidFill>
+                <a:highlight>
+                  <a:srgbClr val="FFFFFF"/>
+                </a:highlight>
+                <a:latin typeface="Consolas" panose="020B0609020204030204" pitchFamily="49" charset="0"/>
+              </a:rPr>
+              <a:t>();</a:t>
+            </a:r>
+          </a:p>
+          <a:p>
+            <a:r>
+              <a:rPr lang="es-CL" dirty="0" err="1" smtClean="0">
+                <a:solidFill>
+                  <a:srgbClr val="000000"/>
+                </a:solidFill>
+                <a:highlight>
+                  <a:srgbClr val="FFFFFF"/>
+                </a:highlight>
+                <a:latin typeface="Consolas" panose="020B0609020204030204" pitchFamily="49" charset="0"/>
+              </a:rPr>
+              <a:t>animacion.From</a:t>
+            </a:r>
+            <a:r>
+              <a:rPr lang="es-CL" dirty="0" smtClean="0">
+                <a:solidFill>
+                  <a:srgbClr val="000000"/>
+                </a:solidFill>
+                <a:highlight>
+                  <a:srgbClr val="FFFFFF"/>
+                </a:highlight>
+                <a:latin typeface="Consolas" panose="020B0609020204030204" pitchFamily="49" charset="0"/>
+              </a:rPr>
+              <a:t> </a:t>
+            </a:r>
+            <a:r>
+              <a:rPr lang="es-CL" dirty="0">
+                <a:solidFill>
+                  <a:srgbClr val="000000"/>
+                </a:solidFill>
+                <a:highlight>
+                  <a:srgbClr val="FFFFFF"/>
+                </a:highlight>
+                <a:latin typeface="Consolas" panose="020B0609020204030204" pitchFamily="49" charset="0"/>
+              </a:rPr>
+              <a:t>= </a:t>
+            </a:r>
+            <a:r>
+              <a:rPr lang="es-CL" dirty="0" err="1">
+                <a:solidFill>
+                  <a:srgbClr val="2B91AF"/>
+                </a:solidFill>
+                <a:highlight>
+                  <a:srgbClr val="FFFFFF"/>
+                </a:highlight>
+                <a:latin typeface="Consolas" panose="020B0609020204030204" pitchFamily="49" charset="0"/>
+              </a:rPr>
+              <a:t>Colors</a:t>
+            </a:r>
+            <a:r>
+              <a:rPr lang="es-CL" dirty="0" err="1">
+                <a:solidFill>
+                  <a:srgbClr val="000000"/>
+                </a:solidFill>
+                <a:highlight>
+                  <a:srgbClr val="FFFFFF"/>
+                </a:highlight>
+                <a:latin typeface="Consolas" panose="020B0609020204030204" pitchFamily="49" charset="0"/>
+              </a:rPr>
+              <a:t>.BlanchedAlmond</a:t>
+            </a:r>
+            <a:r>
+              <a:rPr lang="es-CL" dirty="0">
+                <a:solidFill>
+                  <a:srgbClr val="000000"/>
+                </a:solidFill>
+                <a:highlight>
+                  <a:srgbClr val="FFFFFF"/>
+                </a:highlight>
+                <a:latin typeface="Consolas" panose="020B0609020204030204" pitchFamily="49" charset="0"/>
+              </a:rPr>
+              <a:t>;</a:t>
+            </a:r>
+          </a:p>
+          <a:p>
+            <a:r>
+              <a:rPr lang="es-CL" dirty="0" err="1" smtClean="0">
+                <a:solidFill>
+                  <a:srgbClr val="000000"/>
+                </a:solidFill>
+                <a:highlight>
+                  <a:srgbClr val="FFFFFF"/>
+                </a:highlight>
+                <a:latin typeface="Consolas" panose="020B0609020204030204" pitchFamily="49" charset="0"/>
+              </a:rPr>
+              <a:t>animacion.To</a:t>
+            </a:r>
+            <a:r>
+              <a:rPr lang="es-CL" dirty="0" smtClean="0">
+                <a:solidFill>
+                  <a:srgbClr val="000000"/>
+                </a:solidFill>
+                <a:highlight>
+                  <a:srgbClr val="FFFFFF"/>
+                </a:highlight>
+                <a:latin typeface="Consolas" panose="020B0609020204030204" pitchFamily="49" charset="0"/>
+              </a:rPr>
+              <a:t> </a:t>
+            </a:r>
+            <a:r>
+              <a:rPr lang="es-CL" dirty="0">
+                <a:solidFill>
+                  <a:srgbClr val="000000"/>
+                </a:solidFill>
+                <a:highlight>
+                  <a:srgbClr val="FFFFFF"/>
+                </a:highlight>
+                <a:latin typeface="Consolas" panose="020B0609020204030204" pitchFamily="49" charset="0"/>
+              </a:rPr>
+              <a:t>= </a:t>
+            </a:r>
+            <a:r>
+              <a:rPr lang="es-CL" dirty="0" err="1">
+                <a:solidFill>
+                  <a:srgbClr val="2B91AF"/>
+                </a:solidFill>
+                <a:highlight>
+                  <a:srgbClr val="FFFFFF"/>
+                </a:highlight>
+                <a:latin typeface="Consolas" panose="020B0609020204030204" pitchFamily="49" charset="0"/>
+              </a:rPr>
+              <a:t>Colors</a:t>
+            </a:r>
+            <a:r>
+              <a:rPr lang="es-CL" dirty="0" err="1">
+                <a:solidFill>
+                  <a:srgbClr val="000000"/>
+                </a:solidFill>
+                <a:highlight>
+                  <a:srgbClr val="FFFFFF"/>
+                </a:highlight>
+                <a:latin typeface="Consolas" panose="020B0609020204030204" pitchFamily="49" charset="0"/>
+              </a:rPr>
+              <a:t>.BurlyWood</a:t>
+            </a:r>
+            <a:r>
+              <a:rPr lang="es-CL" dirty="0">
+                <a:solidFill>
+                  <a:srgbClr val="000000"/>
+                </a:solidFill>
+                <a:highlight>
+                  <a:srgbClr val="FFFFFF"/>
+                </a:highlight>
+                <a:latin typeface="Consolas" panose="020B0609020204030204" pitchFamily="49" charset="0"/>
+              </a:rPr>
+              <a:t>;</a:t>
+            </a:r>
+          </a:p>
+          <a:p>
+            <a:r>
+              <a:rPr lang="es-CL" dirty="0" err="1" smtClean="0">
+                <a:solidFill>
+                  <a:srgbClr val="000000"/>
+                </a:solidFill>
+                <a:highlight>
+                  <a:srgbClr val="FFFFFF"/>
+                </a:highlight>
+                <a:latin typeface="Consolas" panose="020B0609020204030204" pitchFamily="49" charset="0"/>
+              </a:rPr>
+              <a:t>animacion.Duration</a:t>
+            </a:r>
+            <a:r>
+              <a:rPr lang="es-CL" dirty="0" smtClean="0">
+                <a:solidFill>
+                  <a:srgbClr val="000000"/>
+                </a:solidFill>
+                <a:highlight>
+                  <a:srgbClr val="FFFFFF"/>
+                </a:highlight>
+                <a:latin typeface="Consolas" panose="020B0609020204030204" pitchFamily="49" charset="0"/>
+              </a:rPr>
+              <a:t> </a:t>
+            </a:r>
+            <a:r>
+              <a:rPr lang="es-CL" dirty="0">
+                <a:solidFill>
+                  <a:srgbClr val="000000"/>
+                </a:solidFill>
+                <a:highlight>
+                  <a:srgbClr val="FFFFFF"/>
+                </a:highlight>
+                <a:latin typeface="Consolas" panose="020B0609020204030204" pitchFamily="49" charset="0"/>
+              </a:rPr>
+              <a:t>= </a:t>
+            </a:r>
+            <a:r>
+              <a:rPr lang="es-CL" dirty="0">
+                <a:solidFill>
+                  <a:srgbClr val="0000FF"/>
+                </a:solidFill>
+                <a:highlight>
+                  <a:srgbClr val="FFFFFF"/>
+                </a:highlight>
+                <a:latin typeface="Consolas" panose="020B0609020204030204" pitchFamily="49" charset="0"/>
+              </a:rPr>
+              <a:t>new</a:t>
+            </a:r>
+            <a:r>
+              <a:rPr lang="es-CL" dirty="0">
+                <a:solidFill>
+                  <a:srgbClr val="000000"/>
+                </a:solidFill>
+                <a:highlight>
+                  <a:srgbClr val="FFFFFF"/>
+                </a:highlight>
+                <a:latin typeface="Consolas" panose="020B0609020204030204" pitchFamily="49" charset="0"/>
+              </a:rPr>
+              <a:t> </a:t>
+            </a:r>
+            <a:r>
+              <a:rPr lang="es-CL" dirty="0" err="1">
+                <a:solidFill>
+                  <a:srgbClr val="2B91AF"/>
+                </a:solidFill>
+                <a:highlight>
+                  <a:srgbClr val="FFFFFF"/>
+                </a:highlight>
+                <a:latin typeface="Consolas" panose="020B0609020204030204" pitchFamily="49" charset="0"/>
+              </a:rPr>
+              <a:t>Duration</a:t>
+            </a:r>
+            <a:r>
+              <a:rPr lang="es-CL" dirty="0">
+                <a:solidFill>
+                  <a:srgbClr val="000000"/>
+                </a:solidFill>
+                <a:highlight>
+                  <a:srgbClr val="FFFFFF"/>
+                </a:highlight>
+                <a:latin typeface="Consolas" panose="020B0609020204030204" pitchFamily="49" charset="0"/>
+              </a:rPr>
+              <a:t>(</a:t>
+            </a:r>
+            <a:r>
+              <a:rPr lang="es-CL" dirty="0" err="1">
+                <a:solidFill>
+                  <a:srgbClr val="2B91AF"/>
+                </a:solidFill>
+                <a:highlight>
+                  <a:srgbClr val="FFFFFF"/>
+                </a:highlight>
+                <a:latin typeface="Consolas" panose="020B0609020204030204" pitchFamily="49" charset="0"/>
+              </a:rPr>
+              <a:t>TimeSpan</a:t>
+            </a:r>
+            <a:r>
+              <a:rPr lang="es-CL" dirty="0" err="1">
+                <a:solidFill>
+                  <a:srgbClr val="000000"/>
+                </a:solidFill>
+                <a:highlight>
+                  <a:srgbClr val="FFFFFF"/>
+                </a:highlight>
+                <a:latin typeface="Consolas" panose="020B0609020204030204" pitchFamily="49" charset="0"/>
+              </a:rPr>
+              <a:t>.FromSeconds</a:t>
+            </a:r>
+            <a:r>
+              <a:rPr lang="es-CL" dirty="0">
+                <a:solidFill>
+                  <a:srgbClr val="000000"/>
+                </a:solidFill>
+                <a:highlight>
+                  <a:srgbClr val="FFFFFF"/>
+                </a:highlight>
+                <a:latin typeface="Consolas" panose="020B0609020204030204" pitchFamily="49" charset="0"/>
+              </a:rPr>
+              <a:t>(4));</a:t>
+            </a:r>
+          </a:p>
+          <a:p>
+            <a:r>
+              <a:rPr lang="es-CL" dirty="0">
+                <a:solidFill>
+                  <a:srgbClr val="000000"/>
+                </a:solidFill>
+                <a:highlight>
+                  <a:srgbClr val="FFFFFF"/>
+                </a:highlight>
+                <a:latin typeface="Consolas" panose="020B0609020204030204" pitchFamily="49" charset="0"/>
+              </a:rPr>
+              <a:t>            </a:t>
+            </a:r>
+          </a:p>
+          <a:p>
+            <a:r>
+              <a:rPr lang="es-CL" dirty="0" err="1" smtClean="0">
+                <a:solidFill>
+                  <a:srgbClr val="2B91AF"/>
+                </a:solidFill>
+                <a:highlight>
+                  <a:srgbClr val="FFFFFF"/>
+                </a:highlight>
+                <a:latin typeface="Consolas" panose="020B0609020204030204" pitchFamily="49" charset="0"/>
+              </a:rPr>
+              <a:t>SolidColorBrush</a:t>
+            </a:r>
+            <a:r>
+              <a:rPr lang="es-CL" dirty="0" smtClean="0">
+                <a:solidFill>
+                  <a:srgbClr val="000000"/>
+                </a:solidFill>
+                <a:highlight>
+                  <a:srgbClr val="FFFFFF"/>
+                </a:highlight>
+                <a:latin typeface="Consolas" panose="020B0609020204030204" pitchFamily="49" charset="0"/>
+              </a:rPr>
+              <a:t> </a:t>
+            </a:r>
+            <a:r>
+              <a:rPr lang="es-CL" dirty="0" err="1">
+                <a:solidFill>
+                  <a:srgbClr val="000000"/>
+                </a:solidFill>
+                <a:highlight>
+                  <a:srgbClr val="FFFFFF"/>
+                </a:highlight>
+                <a:latin typeface="Consolas" panose="020B0609020204030204" pitchFamily="49" charset="0"/>
+              </a:rPr>
+              <a:t>brush_animado</a:t>
+            </a:r>
+            <a:r>
+              <a:rPr lang="es-CL" dirty="0">
+                <a:solidFill>
+                  <a:srgbClr val="000000"/>
+                </a:solidFill>
+                <a:highlight>
+                  <a:srgbClr val="FFFFFF"/>
+                </a:highlight>
+                <a:latin typeface="Consolas" panose="020B0609020204030204" pitchFamily="49" charset="0"/>
+              </a:rPr>
+              <a:t> = </a:t>
+            </a:r>
+            <a:r>
+              <a:rPr lang="es-CL" dirty="0">
+                <a:solidFill>
+                  <a:srgbClr val="0000FF"/>
+                </a:solidFill>
+                <a:highlight>
+                  <a:srgbClr val="FFFFFF"/>
+                </a:highlight>
+                <a:latin typeface="Consolas" panose="020B0609020204030204" pitchFamily="49" charset="0"/>
+              </a:rPr>
+              <a:t>new</a:t>
+            </a:r>
+            <a:r>
+              <a:rPr lang="es-CL" dirty="0">
+                <a:solidFill>
+                  <a:srgbClr val="000000"/>
+                </a:solidFill>
+                <a:highlight>
+                  <a:srgbClr val="FFFFFF"/>
+                </a:highlight>
+                <a:latin typeface="Consolas" panose="020B0609020204030204" pitchFamily="49" charset="0"/>
+              </a:rPr>
+              <a:t> </a:t>
+            </a:r>
+            <a:r>
+              <a:rPr lang="es-CL" dirty="0" err="1">
+                <a:solidFill>
+                  <a:srgbClr val="2B91AF"/>
+                </a:solidFill>
+                <a:highlight>
+                  <a:srgbClr val="FFFFFF"/>
+                </a:highlight>
+                <a:latin typeface="Consolas" panose="020B0609020204030204" pitchFamily="49" charset="0"/>
+              </a:rPr>
+              <a:t>SolidColorBrush</a:t>
+            </a:r>
+            <a:r>
+              <a:rPr lang="es-CL" dirty="0">
+                <a:solidFill>
+                  <a:srgbClr val="000000"/>
+                </a:solidFill>
+                <a:highlight>
+                  <a:srgbClr val="FFFFFF"/>
+                </a:highlight>
+                <a:latin typeface="Consolas" panose="020B0609020204030204" pitchFamily="49" charset="0"/>
+              </a:rPr>
+              <a:t>();</a:t>
+            </a:r>
+          </a:p>
+          <a:p>
+            <a:r>
+              <a:rPr lang="es-CL" dirty="0" err="1" smtClean="0">
+                <a:solidFill>
+                  <a:srgbClr val="000000"/>
+                </a:solidFill>
+                <a:highlight>
+                  <a:srgbClr val="FFFFFF"/>
+                </a:highlight>
+                <a:latin typeface="Consolas" panose="020B0609020204030204" pitchFamily="49" charset="0"/>
+              </a:rPr>
+              <a:t>brush_animado.Color</a:t>
+            </a:r>
+            <a:r>
+              <a:rPr lang="es-CL" dirty="0" smtClean="0">
+                <a:solidFill>
+                  <a:srgbClr val="000000"/>
+                </a:solidFill>
+                <a:highlight>
+                  <a:srgbClr val="FFFFFF"/>
+                </a:highlight>
+                <a:latin typeface="Consolas" panose="020B0609020204030204" pitchFamily="49" charset="0"/>
+              </a:rPr>
+              <a:t> </a:t>
+            </a:r>
+            <a:r>
+              <a:rPr lang="es-CL" dirty="0">
+                <a:solidFill>
+                  <a:srgbClr val="000000"/>
+                </a:solidFill>
+                <a:highlight>
+                  <a:srgbClr val="FFFFFF"/>
+                </a:highlight>
+                <a:latin typeface="Consolas" panose="020B0609020204030204" pitchFamily="49" charset="0"/>
+              </a:rPr>
+              <a:t>= </a:t>
+            </a:r>
+            <a:r>
+              <a:rPr lang="es-CL" dirty="0" err="1">
+                <a:solidFill>
+                  <a:srgbClr val="2B91AF"/>
+                </a:solidFill>
+                <a:highlight>
+                  <a:srgbClr val="FFFFFF"/>
+                </a:highlight>
+                <a:latin typeface="Consolas" panose="020B0609020204030204" pitchFamily="49" charset="0"/>
+              </a:rPr>
+              <a:t>Colors</a:t>
+            </a:r>
+            <a:r>
+              <a:rPr lang="es-CL" dirty="0" err="1">
+                <a:solidFill>
+                  <a:srgbClr val="000000"/>
+                </a:solidFill>
+                <a:highlight>
+                  <a:srgbClr val="FFFFFF"/>
+                </a:highlight>
+                <a:latin typeface="Consolas" panose="020B0609020204030204" pitchFamily="49" charset="0"/>
+              </a:rPr>
+              <a:t>.CadetBlue</a:t>
+            </a:r>
+            <a:r>
+              <a:rPr lang="es-CL" dirty="0">
+                <a:solidFill>
+                  <a:srgbClr val="000000"/>
+                </a:solidFill>
+                <a:highlight>
+                  <a:srgbClr val="FFFFFF"/>
+                </a:highlight>
+                <a:latin typeface="Consolas" panose="020B0609020204030204" pitchFamily="49" charset="0"/>
+              </a:rPr>
+              <a:t>;</a:t>
+            </a:r>
+          </a:p>
+          <a:p>
+            <a:r>
+              <a:rPr lang="es-CL" dirty="0" err="1" smtClean="0">
+                <a:solidFill>
+                  <a:srgbClr val="000000"/>
+                </a:solidFill>
+                <a:highlight>
+                  <a:srgbClr val="FFFFFF"/>
+                </a:highlight>
+                <a:latin typeface="Consolas" panose="020B0609020204030204" pitchFamily="49" charset="0"/>
+              </a:rPr>
+              <a:t>rectangulo.Fill</a:t>
+            </a:r>
+            <a:r>
+              <a:rPr lang="es-CL" dirty="0" smtClean="0">
+                <a:solidFill>
+                  <a:srgbClr val="000000"/>
+                </a:solidFill>
+                <a:highlight>
+                  <a:srgbClr val="FFFFFF"/>
+                </a:highlight>
+                <a:latin typeface="Consolas" panose="020B0609020204030204" pitchFamily="49" charset="0"/>
+              </a:rPr>
+              <a:t> </a:t>
+            </a:r>
+            <a:r>
+              <a:rPr lang="es-CL" dirty="0">
+                <a:solidFill>
+                  <a:srgbClr val="000000"/>
+                </a:solidFill>
+                <a:highlight>
+                  <a:srgbClr val="FFFFFF"/>
+                </a:highlight>
+                <a:latin typeface="Consolas" panose="020B0609020204030204" pitchFamily="49" charset="0"/>
+              </a:rPr>
+              <a:t>= </a:t>
+            </a:r>
+            <a:r>
+              <a:rPr lang="es-CL" dirty="0" err="1">
+                <a:solidFill>
+                  <a:srgbClr val="000000"/>
+                </a:solidFill>
+                <a:highlight>
+                  <a:srgbClr val="FFFFFF"/>
+                </a:highlight>
+                <a:latin typeface="Consolas" panose="020B0609020204030204" pitchFamily="49" charset="0"/>
+              </a:rPr>
+              <a:t>brush_animado</a:t>
+            </a:r>
+            <a:r>
+              <a:rPr lang="es-CL" dirty="0">
+                <a:solidFill>
+                  <a:srgbClr val="000000"/>
+                </a:solidFill>
+                <a:highlight>
+                  <a:srgbClr val="FFFFFF"/>
+                </a:highlight>
+                <a:latin typeface="Consolas" panose="020B0609020204030204" pitchFamily="49" charset="0"/>
+              </a:rPr>
+              <a:t>;</a:t>
+            </a:r>
+          </a:p>
+          <a:p>
+            <a:endParaRPr lang="es-CL" dirty="0">
+              <a:solidFill>
+                <a:srgbClr val="000000"/>
+              </a:solidFill>
+              <a:highlight>
+                <a:srgbClr val="FFFFFF"/>
+              </a:highlight>
+              <a:latin typeface="Consolas" panose="020B0609020204030204" pitchFamily="49" charset="0"/>
+            </a:endParaRPr>
+          </a:p>
+        </p:txBody>
+      </p:sp>
+      <p:sp>
+        <p:nvSpPr>
+          <p:cNvPr id="6" name="2 Marcador de contenido"/>
+          <p:cNvSpPr>
+            <a:spLocks noGrp="1"/>
+          </p:cNvSpPr>
+          <p:nvPr>
+            <p:ph idx="1"/>
+          </p:nvPr>
+        </p:nvSpPr>
+        <p:spPr>
+          <a:xfrm>
+            <a:off x="457200" y="1600201"/>
+            <a:ext cx="8239944" cy="1180727"/>
           </a:xfrm>
         </p:spPr>
         <p:txBody>
@@ -5451,144 +6783,22 @@
           </a:bodyPr>
           <a:lstStyle/>
           <a:p>
-            <a:pPr lvl="1" algn="r">
-              <a:buNone/>
-            </a:pPr>
-            <a:r>
-              <a:rPr lang="es-CL" sz="3600" dirty="0" smtClean="0">
-                <a:solidFill>
-                  <a:schemeClr val="tx1">
-                    <a:lumMod val="65000"/>
-                    <a:lumOff val="35000"/>
+            <a:r>
+              <a:rPr lang="es-CL" dirty="0" smtClean="0">
+                <a:solidFill>
+                  <a:schemeClr val="bg1">
+                    <a:lumMod val="50000"/>
                   </a:schemeClr>
                 </a:solidFill>
               </a:rPr>
-              <a:t>	</a:t>
-            </a:r>
-            <a:r>
-              <a:rPr lang="es-CL" sz="6600" dirty="0" smtClean="0">
-                <a:solidFill>
-                  <a:schemeClr val="accent2"/>
-                </a:solidFill>
-              </a:rPr>
-              <a:t>#666:</a:t>
-            </a:r>
-          </a:p>
-          <a:p>
-            <a:pPr lvl="1" algn="r">
-              <a:buNone/>
-            </a:pPr>
-            <a:r>
-              <a:rPr lang="es-CL" sz="6600" dirty="0" smtClean="0">
-                <a:solidFill>
-                  <a:schemeClr val="accent2"/>
-                </a:solidFill>
-              </a:rPr>
-              <a:t>Mostrar Consola en WPF </a:t>
-            </a:r>
-            <a:r>
-              <a:rPr lang="es-CL" sz="6600" dirty="0" smtClean="0">
-                <a:solidFill>
-                  <a:schemeClr val="accent2"/>
-                </a:solidFill>
-              </a:rPr>
-              <a:t/>
-            </a:r>
-            <a:br>
-              <a:rPr lang="es-CL" sz="6600" dirty="0" smtClean="0">
-                <a:solidFill>
-                  <a:schemeClr val="accent2"/>
-                </a:solidFill>
-              </a:rPr>
-            </a:br>
-            <a:r>
-              <a:rPr lang="da-DK" sz="3600" dirty="0">
-                <a:solidFill>
-                  <a:schemeClr val="accent2"/>
-                </a:solidFill>
-                <a:hlinkClick r:id="rId3"/>
-              </a:rPr>
-              <a:t>http://stackoverflow.com/a/</a:t>
-            </a:r>
-            <a:r>
-              <a:rPr lang="da-DK" sz="3600" dirty="0" smtClean="0">
-                <a:solidFill>
-                  <a:schemeClr val="accent2"/>
-                </a:solidFill>
-                <a:hlinkClick r:id="rId3"/>
-              </a:rPr>
-              <a:t>160597</a:t>
-            </a:r>
-            <a:endParaRPr lang="da-DK" sz="3600" dirty="0" smtClean="0">
+              <a:t>Aplicar animación a las propiedades de un elemento.</a:t>
+            </a:r>
+          </a:p>
+          <a:p>
+            <a:endParaRPr lang="es-CL" dirty="0">
               <a:solidFill>
-                <a:schemeClr val="accent2"/>
-              </a:solidFill>
-            </a:endParaRPr>
-          </a:p>
-          <a:p>
-            <a:pPr lvl="1" algn="r">
-              <a:buNone/>
-            </a:pPr>
-            <a:r>
-              <a:rPr lang="da-DK" dirty="0" smtClean="0">
-                <a:solidFill>
-                  <a:schemeClr val="accent2"/>
-                </a:solidFill>
-              </a:rPr>
-              <a:t>”Output Type” en </a:t>
-            </a:r>
-            <a:r>
-              <a:rPr lang="da-DK" dirty="0" err="1" smtClean="0">
-                <a:solidFill>
-                  <a:schemeClr val="accent2"/>
-                </a:solidFill>
-              </a:rPr>
-              <a:t>español</a:t>
-            </a:r>
-            <a:r>
-              <a:rPr lang="da-DK" dirty="0" smtClean="0">
-                <a:solidFill>
-                  <a:schemeClr val="accent2"/>
-                </a:solidFill>
-              </a:rPr>
-              <a:t> es ”</a:t>
-            </a:r>
-            <a:r>
-              <a:rPr lang="da-DK" dirty="0" err="1" smtClean="0">
-                <a:solidFill>
-                  <a:schemeClr val="accent2"/>
-                </a:solidFill>
-              </a:rPr>
-              <a:t>Tipo</a:t>
-            </a:r>
-            <a:r>
-              <a:rPr lang="da-DK" dirty="0" smtClean="0">
-                <a:solidFill>
-                  <a:schemeClr val="accent2"/>
-                </a:solidFill>
-              </a:rPr>
-              <a:t> de </a:t>
-            </a:r>
-            <a:r>
-              <a:rPr lang="da-DK" dirty="0" err="1" smtClean="0">
-                <a:solidFill>
-                  <a:schemeClr val="accent2"/>
-                </a:solidFill>
-              </a:rPr>
-              <a:t>resultado</a:t>
-            </a:r>
-            <a:r>
-              <a:rPr lang="da-DK" dirty="0" smtClean="0">
-                <a:solidFill>
-                  <a:schemeClr val="accent2"/>
-                </a:solidFill>
-              </a:rPr>
-              <a:t>”.</a:t>
-            </a:r>
-            <a:endParaRPr lang="es-CL" dirty="0" smtClean="0">
-              <a:solidFill>
-                <a:schemeClr val="accent5">
-                  <a:lumMod val="75000"/>
+                <a:schemeClr val="bg1">
+                  <a:lumMod val="50000"/>
                 </a:schemeClr>
               </a:solidFill>
             </a:endParaRPr>
@@ -5596,6 +6806,11 @@
         </p:txBody>
       </p:sp>
     </p:spTree>
+    <p:extLst>
+      <p:ext uri="{BB962C8B-B14F-4D97-AF65-F5344CB8AC3E}">
+        <p14:creationId xmlns:p14="http://schemas.microsoft.com/office/powerpoint/2010/main" val="3527784866"/>
+      </p:ext>
+    </p:extLst>
   </p:cSld>
   <p:clrMapOvr>
     <a:masterClrMapping/>
@@ -5629,7 +6844,7 @@
       </p:grpSpPr>
       <p:sp>
         <p:nvSpPr>
-          <p:cNvPr id="2" name="Title 1"/>
+          <p:cNvPr id="5" name="1 Título"/>
           <p:cNvSpPr>
             <a:spLocks noGrp="1"/>
           </p:cNvSpPr>
@@ -5639,7 +6854,7 @@
         </p:nvSpPr>
         <p:spPr>
           <a:xfrm>
-            <a:off x="251520" y="116632"/>
+            <a:off x="467544" y="0"/>
             <a:ext cx="8229600" cy="1143000"/>
           </a:xfrm>
         </p:spPr>
@@ -5649,153 +6864,32 @@
           </a:bodyPr>
           <a:lstStyle/>
           <a:p>
-            <a:pPr algn="l"/>
-            <a:r>
-              <a:rPr lang="es-CL" sz="6600" dirty="0" err="1" smtClean="0">
-                <a:solidFill>
-                  <a:schemeClr val="bg1">
-                    <a:lumMod val="50000"/>
-                  </a:schemeClr>
-                </a:solidFill>
-                <a:latin typeface="+mn-lt"/>
-                <a:ea typeface="+mn-ea"/>
-                <a:cs typeface="+mn-cs"/>
-              </a:rPr>
-              <a:t>Tip</a:t>
-            </a:r>
-            <a:r>
-              <a:rPr lang="es-CL" sz="6600" dirty="0" smtClean="0">
-                <a:solidFill>
-                  <a:schemeClr val="bg1">
-                    <a:lumMod val="50000"/>
-                  </a:schemeClr>
-                </a:solidFill>
-                <a:latin typeface="+mn-lt"/>
-                <a:ea typeface="+mn-ea"/>
-                <a:cs typeface="+mn-cs"/>
-              </a:rPr>
-              <a:t> de Programación:</a:t>
-            </a:r>
-          </a:p>
-        </p:txBody>
-      </p:sp>
-      <p:sp>
-        <p:nvSpPr>
-          <p:cNvPr id="3" name="Content Placeholder 2"/>
-          <p:cNvSpPr>
-            <a:spLocks noGrp="1"/>
-          </p:cNvSpPr>
-          <p:nvPr>
-            <p:ph idx="1"/>
-          </p:nvPr>
-        </p:nvSpPr>
-        <p:spPr>
-          <a:xfrm>
-            <a:off x="827584" y="1196752"/>
-            <a:ext cx="7935144" cy="4525963"/>
-          </a:xfrm>
-        </p:spPr>
-        <p:txBody>
-          <a:bodyPr>
-            <a:normAutofit/>
-          </a:bodyPr>
-          <a:lstStyle/>
-          <a:p>
-            <a:pPr lvl="1" algn="r">
-              <a:buNone/>
-            </a:pPr>
-            <a:r>
-              <a:rPr lang="es-CL" sz="3600" dirty="0" smtClean="0">
-                <a:solidFill>
-                  <a:schemeClr val="tx1">
-                    <a:lumMod val="65000"/>
-                    <a:lumOff val="35000"/>
-                  </a:schemeClr>
-                </a:solidFill>
-              </a:rPr>
-              <a:t>	</a:t>
-            </a:r>
-            <a:r>
-              <a:rPr lang="es-CL" sz="5400" dirty="0" smtClean="0">
+            <a:r>
+              <a:rPr lang="en-US" dirty="0" smtClean="0">
                 <a:solidFill>
                   <a:schemeClr val="accent2"/>
                 </a:solidFill>
               </a:rPr>
-              <a:t>#</a:t>
-            </a:r>
-            <a:r>
-              <a:rPr lang="es-CL" sz="5400" dirty="0" smtClean="0">
-                <a:solidFill>
-                  <a:schemeClr val="accent2"/>
-                </a:solidFill>
-              </a:rPr>
-              <a:t>10</a:t>
-            </a:r>
-            <a:r>
-              <a:rPr lang="es-CL" sz="5400" dirty="0" smtClean="0">
-                <a:solidFill>
-                  <a:schemeClr val="accent2"/>
-                </a:solidFill>
-              </a:rPr>
-              <a:t>:</a:t>
-            </a:r>
-            <a:endParaRPr lang="es-CL" sz="6600" dirty="0" smtClean="0">
+              <a:t>Storyboards</a:t>
+            </a:r>
+            <a:endParaRPr lang="es-CL" dirty="0">
               <a:solidFill>
                 <a:schemeClr val="accent2"/>
               </a:solidFill>
             </a:endParaRPr>
           </a:p>
-          <a:p>
-            <a:pPr lvl="1" algn="r">
-              <a:buNone/>
-            </a:pPr>
-            <a:r>
-              <a:rPr lang="es-CL" sz="4400" dirty="0" smtClean="0">
-                <a:solidFill>
-                  <a:schemeClr val="accent2"/>
-                </a:solidFill>
-              </a:rPr>
-              <a:t>C</a:t>
-            </a:r>
-            <a:r>
-              <a:rPr lang="es-CL" sz="4400" dirty="0" smtClean="0">
-                <a:solidFill>
-                  <a:schemeClr val="accent2"/>
-                </a:solidFill>
-              </a:rPr>
-              <a:t>ómo generar documentación.</a:t>
-            </a:r>
-          </a:p>
-          <a:p>
-            <a:pPr lvl="1" algn="r">
-              <a:buNone/>
-            </a:pPr>
-            <a:r>
-              <a:rPr lang="es-CL" sz="4000" dirty="0" smtClean="0">
-                <a:solidFill>
-                  <a:schemeClr val="accent2"/>
-                </a:solidFill>
-              </a:rPr>
-              <a:t>Escribir “///” arriba de un método, campo, constructor, etc.</a:t>
-            </a:r>
-            <a:endParaRPr lang="es-CL" sz="4000" dirty="0" smtClean="0">
-              <a:solidFill>
-                <a:schemeClr val="accent2"/>
-              </a:solidFill>
-            </a:endParaRPr>
-          </a:p>
-        </p:txBody>
-      </p:sp>
-      <p:sp>
-        <p:nvSpPr>
-          <p:cNvPr id="4" name="Rectángulo 3"/>
+        </p:txBody>
+      </p:sp>
+      <p:sp>
+        <p:nvSpPr>
+          <p:cNvPr id="2" name="Rectángulo 1"/>
           <p:cNvSpPr/>
           <p:nvPr/>
         </p:nvSpPr>
         <p:spPr>
           <a:xfrm>
-            <a:off x="323528" y="3861048"/>
-            <a:ext cx="8280920" cy="2862323"/>
+            <a:off x="1043608" y="2060848"/>
+            <a:ext cx="7653536" cy="3970318"/>
           </a:xfrm>
           <a:prstGeom prst="rect">
             <a:avLst/>
@@ -5808,751 +6902,790 @@
           <a:lstStyle/>
           <a:p>
             <a:r>
-              <a:rPr lang="sv-SE" dirty="0">
-                <a:solidFill>
-                  <a:srgbClr val="808080"/>
-                </a:solidFill>
-                <a:highlight>
-                  <a:srgbClr val="FFFFFF"/>
-                </a:highlight>
-                <a:latin typeface="Consolas"/>
-              </a:rPr>
-              <a:t>///</a:t>
-            </a:r>
-            <a:r>
-              <a:rPr lang="sv-SE" dirty="0">
-                <a:solidFill>
-                  <a:srgbClr val="008000"/>
-                </a:solidFill>
-                <a:highlight>
-                  <a:srgbClr val="FFFFFF"/>
-                </a:highlight>
-                <a:latin typeface="Consolas"/>
+              <a:rPr lang="es-CL" dirty="0" err="1">
+                <a:solidFill>
+                  <a:srgbClr val="0000FF"/>
+                </a:solidFill>
+                <a:highlight>
+                  <a:srgbClr val="FFFFFF"/>
+                </a:highlight>
+                <a:latin typeface="Consolas" panose="020B0609020204030204" pitchFamily="49" charset="0"/>
+              </a:rPr>
+              <a:t>this</a:t>
+            </a:r>
+            <a:r>
+              <a:rPr lang="es-CL" dirty="0" err="1">
+                <a:solidFill>
+                  <a:srgbClr val="000000"/>
+                </a:solidFill>
+                <a:highlight>
+                  <a:srgbClr val="FFFFFF"/>
+                </a:highlight>
+                <a:latin typeface="Consolas" panose="020B0609020204030204" pitchFamily="49" charset="0"/>
+              </a:rPr>
+              <a:t>.RegisterName</a:t>
+            </a:r>
+            <a:r>
+              <a:rPr lang="es-CL" dirty="0">
+                <a:solidFill>
+                  <a:srgbClr val="000000"/>
+                </a:solidFill>
+                <a:highlight>
+                  <a:srgbClr val="FFFFFF"/>
+                </a:highlight>
+                <a:latin typeface="Consolas" panose="020B0609020204030204" pitchFamily="49" charset="0"/>
+              </a:rPr>
+              <a:t>(</a:t>
+            </a:r>
+            <a:r>
+              <a:rPr lang="es-CL" dirty="0">
+                <a:solidFill>
+                  <a:srgbClr val="A31515"/>
+                </a:solidFill>
+                <a:highlight>
+                  <a:srgbClr val="FFFFFF"/>
+                </a:highlight>
+                <a:latin typeface="Consolas" panose="020B0609020204030204" pitchFamily="49" charset="0"/>
+              </a:rPr>
+              <a:t>"</a:t>
+            </a:r>
+            <a:r>
+              <a:rPr lang="es-CL" dirty="0" err="1">
+                <a:solidFill>
+                  <a:srgbClr val="A31515"/>
+                </a:solidFill>
+                <a:highlight>
+                  <a:srgbClr val="FFFFFF"/>
+                </a:highlight>
+                <a:latin typeface="Consolas" panose="020B0609020204030204" pitchFamily="49" charset="0"/>
+              </a:rPr>
+              <a:t>Animacion</a:t>
+            </a:r>
+            <a:r>
+              <a:rPr lang="es-CL" dirty="0">
+                <a:solidFill>
+                  <a:srgbClr val="A31515"/>
+                </a:solidFill>
+                <a:highlight>
+                  <a:srgbClr val="FFFFFF"/>
+                </a:highlight>
+                <a:latin typeface="Consolas" panose="020B0609020204030204" pitchFamily="49" charset="0"/>
+              </a:rPr>
+              <a:t>"</a:t>
+            </a:r>
+            <a:r>
+              <a:rPr lang="es-CL" dirty="0">
+                <a:solidFill>
+                  <a:srgbClr val="000000"/>
+                </a:solidFill>
+                <a:highlight>
+                  <a:srgbClr val="FFFFFF"/>
+                </a:highlight>
+                <a:latin typeface="Consolas" panose="020B0609020204030204" pitchFamily="49" charset="0"/>
+              </a:rPr>
+              <a:t>, </a:t>
+            </a:r>
+            <a:r>
+              <a:rPr lang="es-CL" dirty="0" err="1">
+                <a:solidFill>
+                  <a:srgbClr val="000000"/>
+                </a:solidFill>
+                <a:highlight>
+                  <a:srgbClr val="FFFFFF"/>
+                </a:highlight>
+                <a:latin typeface="Consolas" panose="020B0609020204030204" pitchFamily="49" charset="0"/>
+              </a:rPr>
+              <a:t>brush_animado</a:t>
+            </a:r>
+            <a:r>
+              <a:rPr lang="es-CL" dirty="0">
+                <a:solidFill>
+                  <a:srgbClr val="000000"/>
+                </a:solidFill>
+                <a:highlight>
+                  <a:srgbClr val="FFFFFF"/>
+                </a:highlight>
+                <a:latin typeface="Consolas" panose="020B0609020204030204" pitchFamily="49" charset="0"/>
+              </a:rPr>
+              <a:t>);</a:t>
+            </a:r>
+          </a:p>
+          <a:p>
+            <a:endParaRPr lang="es-CL" dirty="0">
+              <a:solidFill>
+                <a:srgbClr val="000000"/>
+              </a:solidFill>
+              <a:highlight>
+                <a:srgbClr val="FFFFFF"/>
+              </a:highlight>
+              <a:latin typeface="Consolas" panose="020B0609020204030204" pitchFamily="49" charset="0"/>
+            </a:endParaRPr>
+          </a:p>
+          <a:p>
+            <a:r>
+              <a:rPr lang="es-CL" dirty="0" err="1">
+                <a:solidFill>
+                  <a:srgbClr val="2B91AF"/>
+                </a:solidFill>
+                <a:highlight>
+                  <a:srgbClr val="FFFFFF"/>
+                </a:highlight>
+                <a:latin typeface="Consolas" panose="020B0609020204030204" pitchFamily="49" charset="0"/>
+              </a:rPr>
+              <a:t>Storyboard</a:t>
+            </a:r>
+            <a:r>
+              <a:rPr lang="es-CL" dirty="0" err="1">
+                <a:solidFill>
+                  <a:srgbClr val="000000"/>
+                </a:solidFill>
+                <a:highlight>
+                  <a:srgbClr val="FFFFFF"/>
+                </a:highlight>
+                <a:latin typeface="Consolas" panose="020B0609020204030204" pitchFamily="49" charset="0"/>
+              </a:rPr>
+              <a:t>.SetTargetName</a:t>
+            </a:r>
+            <a:r>
+              <a:rPr lang="es-CL" dirty="0">
+                <a:solidFill>
+                  <a:srgbClr val="000000"/>
+                </a:solidFill>
+                <a:highlight>
+                  <a:srgbClr val="FFFFFF"/>
+                </a:highlight>
+                <a:latin typeface="Consolas" panose="020B0609020204030204" pitchFamily="49" charset="0"/>
+              </a:rPr>
+              <a:t>(</a:t>
+            </a:r>
+            <a:r>
+              <a:rPr lang="es-CL" dirty="0" err="1">
+                <a:solidFill>
+                  <a:srgbClr val="000000"/>
+                </a:solidFill>
+                <a:highlight>
+                  <a:srgbClr val="FFFFFF"/>
+                </a:highlight>
+                <a:latin typeface="Consolas" panose="020B0609020204030204" pitchFamily="49" charset="0"/>
+              </a:rPr>
+              <a:t>animacion</a:t>
+            </a:r>
+            <a:r>
+              <a:rPr lang="es-CL" dirty="0">
+                <a:solidFill>
+                  <a:srgbClr val="000000"/>
+                </a:solidFill>
+                <a:highlight>
+                  <a:srgbClr val="FFFFFF"/>
+                </a:highlight>
+                <a:latin typeface="Consolas" panose="020B0609020204030204" pitchFamily="49" charset="0"/>
+              </a:rPr>
+              <a:t>, </a:t>
+            </a:r>
+            <a:r>
+              <a:rPr lang="es-CL" dirty="0">
+                <a:solidFill>
+                  <a:srgbClr val="A31515"/>
+                </a:solidFill>
+                <a:highlight>
+                  <a:srgbClr val="FFFFFF"/>
+                </a:highlight>
+                <a:latin typeface="Consolas" panose="020B0609020204030204" pitchFamily="49" charset="0"/>
+              </a:rPr>
+              <a:t>"</a:t>
+            </a:r>
+            <a:r>
+              <a:rPr lang="es-CL" dirty="0" err="1">
+                <a:solidFill>
+                  <a:srgbClr val="A31515"/>
+                </a:solidFill>
+                <a:highlight>
+                  <a:srgbClr val="FFFFFF"/>
+                </a:highlight>
+                <a:latin typeface="Consolas" panose="020B0609020204030204" pitchFamily="49" charset="0"/>
+              </a:rPr>
+              <a:t>Animacion</a:t>
+            </a:r>
+            <a:r>
+              <a:rPr lang="es-CL" dirty="0">
+                <a:solidFill>
+                  <a:srgbClr val="A31515"/>
+                </a:solidFill>
+                <a:highlight>
+                  <a:srgbClr val="FFFFFF"/>
+                </a:highlight>
+                <a:latin typeface="Consolas" panose="020B0609020204030204" pitchFamily="49" charset="0"/>
+              </a:rPr>
+              <a:t>"</a:t>
+            </a:r>
+            <a:r>
+              <a:rPr lang="es-CL" dirty="0">
+                <a:solidFill>
+                  <a:srgbClr val="000000"/>
+                </a:solidFill>
+                <a:highlight>
+                  <a:srgbClr val="FFFFFF"/>
+                </a:highlight>
+                <a:latin typeface="Consolas" panose="020B0609020204030204" pitchFamily="49" charset="0"/>
+              </a:rPr>
+              <a:t>);</a:t>
+            </a:r>
+          </a:p>
+          <a:p>
+            <a:r>
+              <a:rPr lang="es-CL" dirty="0" err="1">
+                <a:solidFill>
+                  <a:srgbClr val="2B91AF"/>
+                </a:solidFill>
+                <a:highlight>
+                  <a:srgbClr val="FFFFFF"/>
+                </a:highlight>
+                <a:latin typeface="Consolas" panose="020B0609020204030204" pitchFamily="49" charset="0"/>
+              </a:rPr>
+              <a:t>Storyboard</a:t>
+            </a:r>
+            <a:r>
+              <a:rPr lang="es-CL" dirty="0" err="1">
+                <a:solidFill>
+                  <a:srgbClr val="000000"/>
+                </a:solidFill>
+                <a:highlight>
+                  <a:srgbClr val="FFFFFF"/>
+                </a:highlight>
+                <a:latin typeface="Consolas" panose="020B0609020204030204" pitchFamily="49" charset="0"/>
+              </a:rPr>
+              <a:t>.SetTargetProperty</a:t>
+            </a:r>
+            <a:r>
+              <a:rPr lang="es-CL" dirty="0">
+                <a:solidFill>
+                  <a:srgbClr val="000000"/>
+                </a:solidFill>
+                <a:highlight>
+                  <a:srgbClr val="FFFFFF"/>
+                </a:highlight>
+                <a:latin typeface="Consolas" panose="020B0609020204030204" pitchFamily="49" charset="0"/>
+              </a:rPr>
+              <a:t>(</a:t>
+            </a:r>
+            <a:r>
+              <a:rPr lang="es-CL" dirty="0" err="1">
+                <a:solidFill>
+                  <a:srgbClr val="000000"/>
+                </a:solidFill>
+                <a:highlight>
+                  <a:srgbClr val="FFFFFF"/>
+                </a:highlight>
+                <a:latin typeface="Consolas" panose="020B0609020204030204" pitchFamily="49" charset="0"/>
+              </a:rPr>
+              <a:t>animacion</a:t>
+            </a:r>
+            <a:r>
+              <a:rPr lang="es-CL" dirty="0">
+                <a:solidFill>
+                  <a:srgbClr val="000000"/>
+                </a:solidFill>
+                <a:highlight>
+                  <a:srgbClr val="FFFFFF"/>
+                </a:highlight>
+                <a:latin typeface="Consolas" panose="020B0609020204030204" pitchFamily="49" charset="0"/>
+              </a:rPr>
+              <a:t>, </a:t>
+            </a:r>
+            <a:r>
+              <a:rPr lang="es-CL" dirty="0" smtClean="0">
+                <a:solidFill>
+                  <a:srgbClr val="0000FF"/>
+                </a:solidFill>
+                <a:highlight>
+                  <a:srgbClr val="FFFFFF"/>
+                </a:highlight>
+                <a:latin typeface="Consolas" panose="020B0609020204030204" pitchFamily="49" charset="0"/>
+              </a:rPr>
+              <a:t>new </a:t>
+            </a:r>
+            <a:r>
+              <a:rPr lang="es-CL" dirty="0" err="1" smtClean="0">
+                <a:solidFill>
+                  <a:srgbClr val="2B91AF"/>
+                </a:solidFill>
+                <a:highlight>
+                  <a:srgbClr val="FFFFFF"/>
+                </a:highlight>
+                <a:latin typeface="Consolas" panose="020B0609020204030204" pitchFamily="49" charset="0"/>
+              </a:rPr>
+              <a:t>PropertyPath</a:t>
+            </a:r>
+            <a:r>
+              <a:rPr lang="es-CL" dirty="0" smtClean="0">
+                <a:solidFill>
+                  <a:srgbClr val="000000"/>
+                </a:solidFill>
+                <a:highlight>
+                  <a:srgbClr val="FFFFFF"/>
+                </a:highlight>
+                <a:latin typeface="Consolas" panose="020B0609020204030204" pitchFamily="49" charset="0"/>
+              </a:rPr>
+              <a:t>(</a:t>
+            </a:r>
+            <a:r>
+              <a:rPr lang="es-CL" dirty="0" err="1" smtClean="0">
+                <a:solidFill>
+                  <a:srgbClr val="2B91AF"/>
+                </a:solidFill>
+                <a:highlight>
+                  <a:srgbClr val="FFFFFF"/>
+                </a:highlight>
+                <a:latin typeface="Consolas" panose="020B0609020204030204" pitchFamily="49" charset="0"/>
+              </a:rPr>
+              <a:t>SolidColorBrush</a:t>
+            </a:r>
+            <a:r>
+              <a:rPr lang="es-CL" dirty="0" err="1" smtClean="0">
+                <a:solidFill>
+                  <a:srgbClr val="000000"/>
+                </a:solidFill>
+                <a:highlight>
+                  <a:srgbClr val="FFFFFF"/>
+                </a:highlight>
+                <a:latin typeface="Consolas" panose="020B0609020204030204" pitchFamily="49" charset="0"/>
+              </a:rPr>
+              <a:t>.ColorProperty</a:t>
+            </a:r>
+            <a:r>
+              <a:rPr lang="es-CL" dirty="0">
+                <a:solidFill>
+                  <a:srgbClr val="000000"/>
+                </a:solidFill>
+                <a:highlight>
+                  <a:srgbClr val="FFFFFF"/>
+                </a:highlight>
+                <a:latin typeface="Consolas" panose="020B0609020204030204" pitchFamily="49" charset="0"/>
+              </a:rPr>
+              <a:t>));</a:t>
+            </a:r>
+          </a:p>
+          <a:p>
+            <a:endParaRPr lang="es-CL" dirty="0">
+              <a:solidFill>
+                <a:srgbClr val="000000"/>
+              </a:solidFill>
+              <a:highlight>
+                <a:srgbClr val="FFFFFF"/>
+              </a:highlight>
+              <a:latin typeface="Consolas" panose="020B0609020204030204" pitchFamily="49" charset="0"/>
+            </a:endParaRPr>
+          </a:p>
+          <a:p>
+            <a:r>
+              <a:rPr lang="es-CL" dirty="0" err="1">
+                <a:solidFill>
+                  <a:srgbClr val="2B91AF"/>
+                </a:solidFill>
+                <a:highlight>
+                  <a:srgbClr val="FFFFFF"/>
+                </a:highlight>
+                <a:latin typeface="Consolas" panose="020B0609020204030204" pitchFamily="49" charset="0"/>
+              </a:rPr>
+              <a:t>Storyboard</a:t>
+            </a:r>
+            <a:r>
+              <a:rPr lang="es-CL" dirty="0">
+                <a:solidFill>
+                  <a:srgbClr val="000000"/>
+                </a:solidFill>
+                <a:highlight>
+                  <a:srgbClr val="FFFFFF"/>
+                </a:highlight>
+                <a:latin typeface="Consolas" panose="020B0609020204030204" pitchFamily="49" charset="0"/>
               </a:rPr>
               <a:t> </a:t>
             </a:r>
             <a:r>
-              <a:rPr lang="sv-SE" dirty="0">
-                <a:solidFill>
-                  <a:srgbClr val="808080"/>
-                </a:solidFill>
-                <a:highlight>
-                  <a:srgbClr val="FFFFFF"/>
-                </a:highlight>
-                <a:latin typeface="Consolas"/>
-              </a:rPr>
-              <a:t>&lt;</a:t>
-            </a:r>
-            <a:r>
-              <a:rPr lang="sv-SE" dirty="0" err="1">
-                <a:solidFill>
-                  <a:srgbClr val="808080"/>
-                </a:solidFill>
-                <a:highlight>
-                  <a:srgbClr val="FFFFFF"/>
-                </a:highlight>
-                <a:latin typeface="Consolas"/>
-              </a:rPr>
-              <a:t>summary</a:t>
-            </a:r>
-            <a:r>
-              <a:rPr lang="sv-SE" dirty="0">
-                <a:solidFill>
-                  <a:srgbClr val="808080"/>
-                </a:solidFill>
-                <a:highlight>
-                  <a:srgbClr val="FFFFFF"/>
-                </a:highlight>
-                <a:latin typeface="Consolas"/>
-              </a:rPr>
-              <a:t>&gt;</a:t>
-            </a:r>
-          </a:p>
-          <a:p>
-            <a:r>
-              <a:rPr lang="es-ES_tradnl" dirty="0">
-                <a:solidFill>
-                  <a:srgbClr val="808080"/>
-                </a:solidFill>
-                <a:highlight>
-                  <a:srgbClr val="FFFFFF"/>
-                </a:highlight>
-                <a:latin typeface="Consolas"/>
-              </a:rPr>
-              <a:t>///</a:t>
-            </a:r>
-            <a:r>
-              <a:rPr lang="es-ES_tradnl" dirty="0">
-                <a:solidFill>
-                  <a:srgbClr val="008000"/>
-                </a:solidFill>
-                <a:highlight>
-                  <a:srgbClr val="FFFFFF"/>
-                </a:highlight>
-                <a:latin typeface="Consolas"/>
-              </a:rPr>
-              <a:t> Descripción.</a:t>
-            </a:r>
-          </a:p>
-          <a:p>
-            <a:r>
-              <a:rPr lang="sv-SE" dirty="0">
-                <a:solidFill>
-                  <a:srgbClr val="808080"/>
-                </a:solidFill>
-                <a:highlight>
-                  <a:srgbClr val="FFFFFF"/>
-                </a:highlight>
-                <a:latin typeface="Consolas"/>
-              </a:rPr>
-              <a:t>///</a:t>
-            </a:r>
-            <a:r>
-              <a:rPr lang="sv-SE" dirty="0">
-                <a:solidFill>
-                  <a:srgbClr val="008000"/>
-                </a:solidFill>
-                <a:highlight>
-                  <a:srgbClr val="FFFFFF"/>
-                </a:highlight>
-                <a:latin typeface="Consolas"/>
+              <a:rPr lang="es-CL" dirty="0" err="1">
+                <a:solidFill>
+                  <a:srgbClr val="000000"/>
+                </a:solidFill>
+                <a:highlight>
+                  <a:srgbClr val="FFFFFF"/>
+                </a:highlight>
+                <a:latin typeface="Consolas" panose="020B0609020204030204" pitchFamily="49" charset="0"/>
+              </a:rPr>
+              <a:t>storyboard</a:t>
+            </a:r>
+            <a:r>
+              <a:rPr lang="es-CL" dirty="0">
+                <a:solidFill>
+                  <a:srgbClr val="000000"/>
+                </a:solidFill>
+                <a:highlight>
+                  <a:srgbClr val="FFFFFF"/>
+                </a:highlight>
+                <a:latin typeface="Consolas" panose="020B0609020204030204" pitchFamily="49" charset="0"/>
+              </a:rPr>
+              <a:t> = </a:t>
+            </a:r>
+            <a:r>
+              <a:rPr lang="es-CL" dirty="0">
+                <a:solidFill>
+                  <a:srgbClr val="0000FF"/>
+                </a:solidFill>
+                <a:highlight>
+                  <a:srgbClr val="FFFFFF"/>
+                </a:highlight>
+                <a:latin typeface="Consolas" panose="020B0609020204030204" pitchFamily="49" charset="0"/>
+              </a:rPr>
+              <a:t>new</a:t>
+            </a:r>
+            <a:r>
+              <a:rPr lang="es-CL" dirty="0">
+                <a:solidFill>
+                  <a:srgbClr val="000000"/>
+                </a:solidFill>
+                <a:highlight>
+                  <a:srgbClr val="FFFFFF"/>
+                </a:highlight>
+                <a:latin typeface="Consolas" panose="020B0609020204030204" pitchFamily="49" charset="0"/>
               </a:rPr>
               <a:t> </a:t>
             </a:r>
             <a:r>
-              <a:rPr lang="sv-SE" dirty="0">
-                <a:solidFill>
-                  <a:srgbClr val="808080"/>
-                </a:solidFill>
-                <a:highlight>
-                  <a:srgbClr val="FFFFFF"/>
-                </a:highlight>
-                <a:latin typeface="Consolas"/>
-              </a:rPr>
-              <a:t>&lt;/</a:t>
-            </a:r>
-            <a:r>
-              <a:rPr lang="sv-SE" dirty="0" err="1">
-                <a:solidFill>
-                  <a:srgbClr val="808080"/>
-                </a:solidFill>
-                <a:highlight>
-                  <a:srgbClr val="FFFFFF"/>
-                </a:highlight>
-                <a:latin typeface="Consolas"/>
-              </a:rPr>
-              <a:t>summary</a:t>
-            </a:r>
-            <a:r>
-              <a:rPr lang="sv-SE" dirty="0">
-                <a:solidFill>
-                  <a:srgbClr val="808080"/>
-                </a:solidFill>
-                <a:highlight>
-                  <a:srgbClr val="FFFFFF"/>
-                </a:highlight>
-                <a:latin typeface="Consolas"/>
-              </a:rPr>
-              <a:t>&gt;</a:t>
-            </a:r>
-          </a:p>
-          <a:p>
-            <a:r>
-              <a:rPr lang="es-ES_tradnl" dirty="0">
-                <a:solidFill>
-                  <a:srgbClr val="808080"/>
-                </a:solidFill>
-                <a:highlight>
-                  <a:srgbClr val="FFFFFF"/>
-                </a:highlight>
-                <a:latin typeface="Consolas"/>
-              </a:rPr>
-              <a:t>///</a:t>
-            </a:r>
-            <a:r>
-              <a:rPr lang="es-ES_tradnl" dirty="0">
-                <a:solidFill>
-                  <a:srgbClr val="008000"/>
-                </a:solidFill>
-                <a:highlight>
-                  <a:srgbClr val="FFFFFF"/>
-                </a:highlight>
-                <a:latin typeface="Consolas"/>
+              <a:rPr lang="es-CL" dirty="0" err="1">
+                <a:solidFill>
+                  <a:srgbClr val="2B91AF"/>
+                </a:solidFill>
+                <a:highlight>
+                  <a:srgbClr val="FFFFFF"/>
+                </a:highlight>
+                <a:latin typeface="Consolas" panose="020B0609020204030204" pitchFamily="49" charset="0"/>
+              </a:rPr>
+              <a:t>Storyboard</a:t>
+            </a:r>
+            <a:r>
+              <a:rPr lang="es-CL" dirty="0">
+                <a:solidFill>
+                  <a:srgbClr val="000000"/>
+                </a:solidFill>
+                <a:highlight>
+                  <a:srgbClr val="FFFFFF"/>
+                </a:highlight>
+                <a:latin typeface="Consolas" panose="020B0609020204030204" pitchFamily="49" charset="0"/>
+              </a:rPr>
+              <a:t>();</a:t>
+            </a:r>
+          </a:p>
+          <a:p>
+            <a:r>
+              <a:rPr lang="es-CL" dirty="0" err="1">
+                <a:solidFill>
+                  <a:srgbClr val="000000"/>
+                </a:solidFill>
+                <a:highlight>
+                  <a:srgbClr val="FFFFFF"/>
+                </a:highlight>
+                <a:latin typeface="Consolas" panose="020B0609020204030204" pitchFamily="49" charset="0"/>
+              </a:rPr>
+              <a:t>storyboard.Children.Add</a:t>
+            </a:r>
+            <a:r>
+              <a:rPr lang="es-CL" dirty="0">
+                <a:solidFill>
+                  <a:srgbClr val="000000"/>
+                </a:solidFill>
+                <a:highlight>
+                  <a:srgbClr val="FFFFFF"/>
+                </a:highlight>
+                <a:latin typeface="Consolas" panose="020B0609020204030204" pitchFamily="49" charset="0"/>
+              </a:rPr>
+              <a:t>(</a:t>
+            </a:r>
+            <a:r>
+              <a:rPr lang="es-CL" dirty="0" err="1">
+                <a:solidFill>
+                  <a:srgbClr val="000000"/>
+                </a:solidFill>
+                <a:highlight>
+                  <a:srgbClr val="FFFFFF"/>
+                </a:highlight>
+                <a:latin typeface="Consolas" panose="020B0609020204030204" pitchFamily="49" charset="0"/>
+              </a:rPr>
+              <a:t>animacion</a:t>
+            </a:r>
+            <a:r>
+              <a:rPr lang="es-CL" dirty="0">
+                <a:solidFill>
+                  <a:srgbClr val="000000"/>
+                </a:solidFill>
+                <a:highlight>
+                  <a:srgbClr val="FFFFFF"/>
+                </a:highlight>
+                <a:latin typeface="Consolas" panose="020B0609020204030204" pitchFamily="49" charset="0"/>
+              </a:rPr>
+              <a:t>);</a:t>
+            </a:r>
+          </a:p>
+          <a:p>
+            <a:endParaRPr lang="es-CL" dirty="0">
+              <a:solidFill>
+                <a:srgbClr val="000000"/>
+              </a:solidFill>
+              <a:highlight>
+                <a:srgbClr val="FFFFFF"/>
+              </a:highlight>
+              <a:latin typeface="Consolas" panose="020B0609020204030204" pitchFamily="49" charset="0"/>
+            </a:endParaRPr>
+          </a:p>
+          <a:p>
+            <a:r>
+              <a:rPr lang="es-CL" dirty="0" err="1">
+                <a:solidFill>
+                  <a:srgbClr val="000000"/>
+                </a:solidFill>
+                <a:highlight>
+                  <a:srgbClr val="FFFFFF"/>
+                </a:highlight>
+                <a:latin typeface="Consolas" panose="020B0609020204030204" pitchFamily="49" charset="0"/>
+              </a:rPr>
+              <a:t>rectangulo.MouseLeftButtonDown</a:t>
+            </a:r>
+            <a:r>
+              <a:rPr lang="es-CL" dirty="0">
+                <a:solidFill>
+                  <a:srgbClr val="000000"/>
+                </a:solidFill>
+                <a:highlight>
+                  <a:srgbClr val="FFFFFF"/>
+                </a:highlight>
+                <a:latin typeface="Consolas" panose="020B0609020204030204" pitchFamily="49" charset="0"/>
+              </a:rPr>
+              <a:t> += </a:t>
+            </a:r>
+            <a:r>
+              <a:rPr lang="es-CL" dirty="0" err="1">
+                <a:solidFill>
+                  <a:srgbClr val="0000FF"/>
+                </a:solidFill>
+                <a:highlight>
+                  <a:srgbClr val="FFFFFF"/>
+                </a:highlight>
+                <a:latin typeface="Consolas" panose="020B0609020204030204" pitchFamily="49" charset="0"/>
+              </a:rPr>
+              <a:t>delegate</a:t>
+            </a:r>
+            <a:r>
+              <a:rPr lang="es-CL" dirty="0">
+                <a:solidFill>
+                  <a:srgbClr val="000000"/>
+                </a:solidFill>
+                <a:highlight>
+                  <a:srgbClr val="FFFFFF"/>
+                </a:highlight>
+                <a:latin typeface="Consolas" panose="020B0609020204030204" pitchFamily="49" charset="0"/>
+              </a:rPr>
+              <a:t>(</a:t>
+            </a:r>
+            <a:r>
+              <a:rPr lang="es-CL" dirty="0" err="1">
+                <a:solidFill>
+                  <a:srgbClr val="0000FF"/>
+                </a:solidFill>
+                <a:highlight>
+                  <a:srgbClr val="FFFFFF"/>
+                </a:highlight>
+                <a:latin typeface="Consolas" panose="020B0609020204030204" pitchFamily="49" charset="0"/>
+              </a:rPr>
+              <a:t>object</a:t>
+            </a:r>
+            <a:r>
+              <a:rPr lang="es-CL" dirty="0">
+                <a:solidFill>
+                  <a:srgbClr val="000000"/>
+                </a:solidFill>
+                <a:highlight>
+                  <a:srgbClr val="FFFFFF"/>
+                </a:highlight>
+                <a:latin typeface="Consolas" panose="020B0609020204030204" pitchFamily="49" charset="0"/>
               </a:rPr>
               <a:t> </a:t>
             </a:r>
             <a:r>
-              <a:rPr lang="es-ES_tradnl" dirty="0">
-                <a:solidFill>
-                  <a:srgbClr val="808080"/>
-                </a:solidFill>
-                <a:highlight>
-                  <a:srgbClr val="FFFFFF"/>
-                </a:highlight>
-                <a:latin typeface="Consolas"/>
-              </a:rPr>
-              <a:t>&lt;</a:t>
-            </a:r>
-            <a:r>
-              <a:rPr lang="es-ES_tradnl" dirty="0" err="1">
-                <a:solidFill>
-                  <a:srgbClr val="808080"/>
-                </a:solidFill>
-                <a:highlight>
-                  <a:srgbClr val="FFFFFF"/>
-                </a:highlight>
-                <a:latin typeface="Consolas"/>
-              </a:rPr>
-              <a:t>param</a:t>
-            </a:r>
-            <a:r>
-              <a:rPr lang="es-ES_tradnl" dirty="0">
-                <a:solidFill>
-                  <a:srgbClr val="808080"/>
-                </a:solidFill>
-                <a:highlight>
-                  <a:srgbClr val="FFFFFF"/>
-                </a:highlight>
-                <a:latin typeface="Consolas"/>
+              <a:rPr lang="es-CL" dirty="0" err="1">
+                <a:solidFill>
+                  <a:srgbClr val="000000"/>
+                </a:solidFill>
+                <a:highlight>
+                  <a:srgbClr val="FFFFFF"/>
+                </a:highlight>
+                <a:latin typeface="Consolas" panose="020B0609020204030204" pitchFamily="49" charset="0"/>
+              </a:rPr>
+              <a:t>sender</a:t>
+            </a:r>
+            <a:r>
+              <a:rPr lang="es-CL" dirty="0">
+                <a:solidFill>
+                  <a:srgbClr val="000000"/>
+                </a:solidFill>
+                <a:highlight>
+                  <a:srgbClr val="FFFFFF"/>
+                </a:highlight>
+                <a:latin typeface="Consolas" panose="020B0609020204030204" pitchFamily="49" charset="0"/>
+              </a:rPr>
+              <a:t>, </a:t>
+            </a:r>
+            <a:r>
+              <a:rPr lang="es-CL" dirty="0" err="1">
+                <a:solidFill>
+                  <a:srgbClr val="2B91AF"/>
+                </a:solidFill>
+                <a:highlight>
+                  <a:srgbClr val="FFFFFF"/>
+                </a:highlight>
+                <a:latin typeface="Consolas" panose="020B0609020204030204" pitchFamily="49" charset="0"/>
+              </a:rPr>
+              <a:t>MouseButtonEventArgs</a:t>
+            </a:r>
+            <a:r>
+              <a:rPr lang="es-CL" dirty="0">
+                <a:solidFill>
+                  <a:srgbClr val="000000"/>
+                </a:solidFill>
+                <a:highlight>
+                  <a:srgbClr val="FFFFFF"/>
+                </a:highlight>
+                <a:latin typeface="Consolas" panose="020B0609020204030204" pitchFamily="49" charset="0"/>
               </a:rPr>
               <a:t> </a:t>
             </a:r>
             <a:r>
-              <a:rPr lang="es-ES_tradnl" dirty="0" err="1">
-                <a:solidFill>
-                  <a:srgbClr val="808080"/>
-                </a:solidFill>
-                <a:highlight>
-                  <a:srgbClr val="FFFFFF"/>
-                </a:highlight>
-                <a:latin typeface="Consolas"/>
-              </a:rPr>
-              <a:t>name</a:t>
-            </a:r>
-            <a:r>
-              <a:rPr lang="es-ES_tradnl" dirty="0">
-                <a:solidFill>
-                  <a:srgbClr val="808080"/>
-                </a:solidFill>
-                <a:highlight>
-                  <a:srgbClr val="FFFFFF"/>
-                </a:highlight>
-                <a:latin typeface="Consolas"/>
-              </a:rPr>
-              <a:t>="input1"&gt;</a:t>
-            </a:r>
-            <a:r>
-              <a:rPr lang="es-ES_tradnl" dirty="0">
-                <a:solidFill>
-                  <a:srgbClr val="008000"/>
-                </a:solidFill>
-                <a:highlight>
-                  <a:srgbClr val="FFFFFF"/>
-                </a:highlight>
-                <a:latin typeface="Consolas"/>
-              </a:rPr>
-              <a:t>Qué es el parámetro 1.</a:t>
-            </a:r>
-            <a:r>
-              <a:rPr lang="es-ES_tradnl" dirty="0">
-                <a:solidFill>
-                  <a:srgbClr val="808080"/>
-                </a:solidFill>
-                <a:highlight>
-                  <a:srgbClr val="FFFFFF"/>
-                </a:highlight>
-                <a:latin typeface="Consolas"/>
-              </a:rPr>
-              <a:t>&lt;/</a:t>
-            </a:r>
-            <a:r>
-              <a:rPr lang="es-ES_tradnl" dirty="0" err="1">
-                <a:solidFill>
-                  <a:srgbClr val="808080"/>
-                </a:solidFill>
-                <a:highlight>
-                  <a:srgbClr val="FFFFFF"/>
-                </a:highlight>
-                <a:latin typeface="Consolas"/>
-              </a:rPr>
-              <a:t>param</a:t>
-            </a:r>
-            <a:r>
-              <a:rPr lang="es-ES_tradnl" dirty="0">
-                <a:solidFill>
-                  <a:srgbClr val="808080"/>
-                </a:solidFill>
-                <a:highlight>
-                  <a:srgbClr val="FFFFFF"/>
-                </a:highlight>
-                <a:latin typeface="Consolas"/>
-              </a:rPr>
-              <a:t>&gt;</a:t>
-            </a:r>
-          </a:p>
-          <a:p>
-            <a:r>
-              <a:rPr lang="es-ES_tradnl" dirty="0">
-                <a:solidFill>
-                  <a:srgbClr val="808080"/>
-                </a:solidFill>
-                <a:highlight>
-                  <a:srgbClr val="FFFFFF"/>
-                </a:highlight>
-                <a:latin typeface="Consolas"/>
-              </a:rPr>
-              <a:t>///</a:t>
-            </a:r>
-            <a:r>
-              <a:rPr lang="es-ES_tradnl" dirty="0">
-                <a:solidFill>
-                  <a:srgbClr val="008000"/>
-                </a:solidFill>
-                <a:highlight>
-                  <a:srgbClr val="FFFFFF"/>
-                </a:highlight>
-                <a:latin typeface="Consolas"/>
-              </a:rPr>
-              <a:t> </a:t>
-            </a:r>
-            <a:r>
-              <a:rPr lang="es-ES_tradnl" dirty="0">
-                <a:solidFill>
-                  <a:srgbClr val="808080"/>
-                </a:solidFill>
-                <a:highlight>
-                  <a:srgbClr val="FFFFFF"/>
-                </a:highlight>
-                <a:latin typeface="Consolas"/>
-              </a:rPr>
-              <a:t>&lt;</a:t>
-            </a:r>
-            <a:r>
-              <a:rPr lang="es-ES_tradnl" dirty="0" err="1">
-                <a:solidFill>
-                  <a:srgbClr val="808080"/>
-                </a:solidFill>
-                <a:highlight>
-                  <a:srgbClr val="FFFFFF"/>
-                </a:highlight>
-                <a:latin typeface="Consolas"/>
-              </a:rPr>
-              <a:t>param</a:t>
-            </a:r>
-            <a:r>
-              <a:rPr lang="es-ES_tradnl" dirty="0">
-                <a:solidFill>
-                  <a:srgbClr val="808080"/>
-                </a:solidFill>
-                <a:highlight>
-                  <a:srgbClr val="FFFFFF"/>
-                </a:highlight>
-                <a:latin typeface="Consolas"/>
-              </a:rPr>
-              <a:t> </a:t>
-            </a:r>
-            <a:r>
-              <a:rPr lang="es-ES_tradnl" dirty="0" err="1">
-                <a:solidFill>
-                  <a:srgbClr val="808080"/>
-                </a:solidFill>
-                <a:highlight>
-                  <a:srgbClr val="FFFFFF"/>
-                </a:highlight>
-                <a:latin typeface="Consolas"/>
-              </a:rPr>
-              <a:t>name</a:t>
-            </a:r>
-            <a:r>
-              <a:rPr lang="es-ES_tradnl" dirty="0">
-                <a:solidFill>
-                  <a:srgbClr val="808080"/>
-                </a:solidFill>
-                <a:highlight>
-                  <a:srgbClr val="FFFFFF"/>
-                </a:highlight>
-                <a:latin typeface="Consolas"/>
-              </a:rPr>
-              <a:t>="input2"&gt;</a:t>
-            </a:r>
-            <a:r>
-              <a:rPr lang="es-ES_tradnl" dirty="0">
-                <a:solidFill>
-                  <a:srgbClr val="008000"/>
-                </a:solidFill>
-                <a:highlight>
-                  <a:srgbClr val="FFFFFF"/>
-                </a:highlight>
-                <a:latin typeface="Consolas"/>
-              </a:rPr>
-              <a:t>Qué es el parámetro 2.</a:t>
-            </a:r>
-            <a:r>
-              <a:rPr lang="es-ES_tradnl" dirty="0">
-                <a:solidFill>
-                  <a:srgbClr val="808080"/>
-                </a:solidFill>
-                <a:highlight>
-                  <a:srgbClr val="FFFFFF"/>
-                </a:highlight>
-                <a:latin typeface="Consolas"/>
-              </a:rPr>
-              <a:t>&lt;/</a:t>
-            </a:r>
-            <a:r>
-              <a:rPr lang="es-ES_tradnl" dirty="0" err="1">
-                <a:solidFill>
-                  <a:srgbClr val="808080"/>
-                </a:solidFill>
-                <a:highlight>
-                  <a:srgbClr val="FFFFFF"/>
-                </a:highlight>
-                <a:latin typeface="Consolas"/>
-              </a:rPr>
-              <a:t>param</a:t>
-            </a:r>
-            <a:r>
-              <a:rPr lang="es-ES_tradnl" dirty="0">
-                <a:solidFill>
-                  <a:srgbClr val="808080"/>
-                </a:solidFill>
-                <a:highlight>
-                  <a:srgbClr val="FFFFFF"/>
-                </a:highlight>
-                <a:latin typeface="Consolas"/>
-              </a:rPr>
-              <a:t>&gt;</a:t>
-            </a:r>
-          </a:p>
-          <a:p>
-            <a:r>
-              <a:rPr lang="es-ES_tradnl" dirty="0">
-                <a:solidFill>
-                  <a:srgbClr val="808080"/>
-                </a:solidFill>
-                <a:highlight>
-                  <a:srgbClr val="FFFFFF"/>
-                </a:highlight>
-                <a:latin typeface="Consolas"/>
-              </a:rPr>
-              <a:t>///</a:t>
-            </a:r>
-            <a:r>
-              <a:rPr lang="es-ES_tradnl" dirty="0">
-                <a:solidFill>
-                  <a:srgbClr val="008000"/>
-                </a:solidFill>
-                <a:highlight>
-                  <a:srgbClr val="FFFFFF"/>
-                </a:highlight>
-                <a:latin typeface="Consolas"/>
-              </a:rPr>
-              <a:t> </a:t>
-            </a:r>
-            <a:r>
-              <a:rPr lang="es-ES_tradnl" dirty="0">
-                <a:solidFill>
-                  <a:srgbClr val="808080"/>
-                </a:solidFill>
-                <a:highlight>
-                  <a:srgbClr val="FFFFFF"/>
-                </a:highlight>
-                <a:latin typeface="Consolas"/>
-              </a:rPr>
-              <a:t>&lt;</a:t>
-            </a:r>
-            <a:r>
-              <a:rPr lang="es-ES_tradnl" dirty="0" err="1">
-                <a:solidFill>
-                  <a:srgbClr val="808080"/>
-                </a:solidFill>
-                <a:highlight>
-                  <a:srgbClr val="FFFFFF"/>
-                </a:highlight>
-                <a:latin typeface="Consolas"/>
-              </a:rPr>
-              <a:t>returns</a:t>
-            </a:r>
-            <a:r>
-              <a:rPr lang="es-ES_tradnl" dirty="0">
-                <a:solidFill>
-                  <a:srgbClr val="808080"/>
-                </a:solidFill>
-                <a:highlight>
-                  <a:srgbClr val="FFFFFF"/>
-                </a:highlight>
-                <a:latin typeface="Consolas"/>
-              </a:rPr>
-              <a:t>&gt;</a:t>
-            </a:r>
-            <a:r>
-              <a:rPr lang="es-ES_tradnl" dirty="0">
-                <a:solidFill>
-                  <a:srgbClr val="008000"/>
-                </a:solidFill>
-                <a:highlight>
-                  <a:srgbClr val="FFFFFF"/>
-                </a:highlight>
-                <a:latin typeface="Consolas"/>
-              </a:rPr>
-              <a:t>Qué significa el retorno.</a:t>
-            </a:r>
-            <a:r>
-              <a:rPr lang="es-ES_tradnl" dirty="0">
-                <a:solidFill>
-                  <a:srgbClr val="808080"/>
-                </a:solidFill>
-                <a:highlight>
-                  <a:srgbClr val="FFFFFF"/>
-                </a:highlight>
-                <a:latin typeface="Consolas"/>
-              </a:rPr>
-              <a:t>&lt;/</a:t>
-            </a:r>
-            <a:r>
-              <a:rPr lang="es-ES_tradnl" dirty="0" err="1">
-                <a:solidFill>
-                  <a:srgbClr val="808080"/>
-                </a:solidFill>
-                <a:highlight>
-                  <a:srgbClr val="FFFFFF"/>
-                </a:highlight>
-                <a:latin typeface="Consolas"/>
-              </a:rPr>
-              <a:t>returns</a:t>
-            </a:r>
-            <a:r>
-              <a:rPr lang="es-ES_tradnl" dirty="0">
-                <a:solidFill>
-                  <a:srgbClr val="808080"/>
-                </a:solidFill>
-                <a:highlight>
-                  <a:srgbClr val="FFFFFF"/>
-                </a:highlight>
-                <a:latin typeface="Consolas"/>
-              </a:rPr>
-              <a:t>&gt;</a:t>
-            </a:r>
-          </a:p>
-          <a:p>
-            <a:r>
-              <a:rPr lang="en-US" dirty="0">
-                <a:solidFill>
-                  <a:srgbClr val="0000FF"/>
-                </a:solidFill>
-                <a:highlight>
-                  <a:srgbClr val="FFFFFF"/>
-                </a:highlight>
-                <a:latin typeface="Consolas"/>
-              </a:rPr>
-              <a:t>public</a:t>
-            </a:r>
-            <a:r>
-              <a:rPr lang="en-US" dirty="0">
-                <a:solidFill>
-                  <a:srgbClr val="000000"/>
-                </a:solidFill>
-                <a:highlight>
-                  <a:srgbClr val="FFFFFF"/>
-                </a:highlight>
-                <a:latin typeface="Consolas"/>
-              </a:rPr>
-              <a:t> </a:t>
-            </a:r>
-            <a:r>
-              <a:rPr lang="en-US" dirty="0" err="1">
-                <a:solidFill>
-                  <a:srgbClr val="0000FF"/>
-                </a:solidFill>
-                <a:highlight>
-                  <a:srgbClr val="FFFFFF"/>
-                </a:highlight>
-                <a:latin typeface="Consolas"/>
-              </a:rPr>
-              <a:t>bool</a:t>
-            </a:r>
-            <a:r>
-              <a:rPr lang="en-US" dirty="0">
-                <a:solidFill>
-                  <a:srgbClr val="000000"/>
-                </a:solidFill>
-                <a:highlight>
-                  <a:srgbClr val="FFFFFF"/>
-                </a:highlight>
-                <a:latin typeface="Consolas"/>
-              </a:rPr>
-              <a:t> </a:t>
-            </a:r>
-            <a:r>
-              <a:rPr lang="en-US" dirty="0" err="1">
-                <a:solidFill>
-                  <a:srgbClr val="000000"/>
-                </a:solidFill>
-                <a:highlight>
-                  <a:srgbClr val="FFFFFF"/>
-                </a:highlight>
-                <a:latin typeface="Consolas"/>
-              </a:rPr>
-              <a:t>Metodo</a:t>
-            </a:r>
-            <a:r>
-              <a:rPr lang="en-US" dirty="0">
-                <a:solidFill>
-                  <a:srgbClr val="000000"/>
-                </a:solidFill>
-                <a:highlight>
-                  <a:srgbClr val="FFFFFF"/>
-                </a:highlight>
-                <a:latin typeface="Consolas"/>
+              <a:rPr lang="es-CL" dirty="0" err="1">
+                <a:solidFill>
+                  <a:srgbClr val="000000"/>
+                </a:solidFill>
+                <a:highlight>
+                  <a:srgbClr val="FFFFFF"/>
+                </a:highlight>
+                <a:latin typeface="Consolas" panose="020B0609020204030204" pitchFamily="49" charset="0"/>
+              </a:rPr>
+              <a:t>args</a:t>
+            </a:r>
+            <a:r>
+              <a:rPr lang="es-CL" dirty="0">
+                <a:solidFill>
+                  <a:srgbClr val="000000"/>
+                </a:solidFill>
+                <a:highlight>
+                  <a:srgbClr val="FFFFFF"/>
+                </a:highlight>
+                <a:latin typeface="Consolas" panose="020B0609020204030204" pitchFamily="49" charset="0"/>
+              </a:rPr>
+              <a:t>)</a:t>
+            </a:r>
+          </a:p>
+          <a:p>
+            <a:r>
+              <a:rPr lang="es-CL" dirty="0">
+                <a:solidFill>
+                  <a:srgbClr val="000000"/>
+                </a:solidFill>
+                <a:highlight>
+                  <a:srgbClr val="FFFFFF"/>
+                </a:highlight>
+                <a:latin typeface="Consolas" panose="020B0609020204030204" pitchFamily="49" charset="0"/>
+              </a:rPr>
+              <a:t>            {</a:t>
+            </a:r>
+          </a:p>
+          <a:p>
+            <a:r>
+              <a:rPr lang="es-CL" dirty="0">
+                <a:solidFill>
+                  <a:srgbClr val="000000"/>
+                </a:solidFill>
+                <a:highlight>
+                  <a:srgbClr val="FFFFFF"/>
+                </a:highlight>
+                <a:latin typeface="Consolas" panose="020B0609020204030204" pitchFamily="49" charset="0"/>
+              </a:rPr>
+              <a:t>                </a:t>
+            </a:r>
+            <a:r>
+              <a:rPr lang="es-CL" dirty="0" err="1">
+                <a:solidFill>
+                  <a:srgbClr val="000000"/>
+                </a:solidFill>
+                <a:highlight>
+                  <a:srgbClr val="FFFFFF"/>
+                </a:highlight>
+                <a:latin typeface="Consolas" panose="020B0609020204030204" pitchFamily="49" charset="0"/>
+              </a:rPr>
+              <a:t>storyboard.Begin</a:t>
+            </a:r>
+            <a:r>
+              <a:rPr lang="es-CL" dirty="0">
+                <a:solidFill>
+                  <a:srgbClr val="000000"/>
+                </a:solidFill>
+                <a:highlight>
+                  <a:srgbClr val="FFFFFF"/>
+                </a:highlight>
+                <a:latin typeface="Consolas" panose="020B0609020204030204" pitchFamily="49" charset="0"/>
               </a:rPr>
               <a:t>(</a:t>
             </a:r>
             <a:r>
-              <a:rPr lang="en-US" dirty="0" err="1">
-                <a:solidFill>
-                  <a:srgbClr val="0000FF"/>
-                </a:solidFill>
-                <a:highlight>
-                  <a:srgbClr val="FFFFFF"/>
-                </a:highlight>
-                <a:latin typeface="Consolas"/>
-              </a:rPr>
-              <a:t>int</a:t>
-            </a:r>
-            <a:r>
-              <a:rPr lang="en-US" dirty="0">
-                <a:solidFill>
-                  <a:srgbClr val="000000"/>
-                </a:solidFill>
-                <a:highlight>
-                  <a:srgbClr val="FFFFFF"/>
-                </a:highlight>
-                <a:latin typeface="Consolas"/>
-              </a:rPr>
-              <a:t> input1, </a:t>
-            </a:r>
-            <a:r>
-              <a:rPr lang="en-US" dirty="0">
-                <a:solidFill>
-                  <a:srgbClr val="2B91AF"/>
-                </a:solidFill>
-                <a:highlight>
-                  <a:srgbClr val="FFFFFF"/>
-                </a:highlight>
-                <a:latin typeface="Consolas"/>
-              </a:rPr>
-              <a:t>String</a:t>
-            </a:r>
-            <a:r>
-              <a:rPr lang="en-US" dirty="0">
-                <a:solidFill>
-                  <a:srgbClr val="000000"/>
-                </a:solidFill>
-                <a:highlight>
-                  <a:srgbClr val="FFFFFF"/>
-                </a:highlight>
-                <a:latin typeface="Consolas"/>
-              </a:rPr>
-              <a:t> input2)</a:t>
-            </a:r>
-          </a:p>
-          <a:p>
-            <a:r>
-              <a:rPr lang="es-ES" dirty="0">
-                <a:solidFill>
-                  <a:srgbClr val="000000"/>
-                </a:solidFill>
-                <a:highlight>
-                  <a:srgbClr val="FFFFFF"/>
-                </a:highlight>
-                <a:latin typeface="Consolas"/>
-              </a:rPr>
-              <a:t>{</a:t>
-            </a:r>
-          </a:p>
-          <a:p>
-            <a:r>
-              <a:rPr lang="is-IS" dirty="0">
-                <a:solidFill>
-                  <a:srgbClr val="000000"/>
-                </a:solidFill>
-                <a:highlight>
-                  <a:srgbClr val="FFFFFF"/>
-                </a:highlight>
-                <a:latin typeface="Consolas"/>
-              </a:rPr>
-              <a:t>    </a:t>
-            </a:r>
-            <a:r>
-              <a:rPr lang="is-IS" dirty="0">
-                <a:solidFill>
-                  <a:srgbClr val="0000FF"/>
-                </a:solidFill>
-                <a:highlight>
-                  <a:srgbClr val="FFFFFF"/>
-                </a:highlight>
-                <a:latin typeface="Consolas"/>
-              </a:rPr>
-              <a:t>return</a:t>
-            </a:r>
-            <a:r>
-              <a:rPr lang="is-IS" dirty="0">
-                <a:solidFill>
-                  <a:srgbClr val="000000"/>
-                </a:solidFill>
-                <a:highlight>
-                  <a:srgbClr val="FFFFFF"/>
-                </a:highlight>
-                <a:latin typeface="Consolas"/>
-              </a:rPr>
-              <a:t> </a:t>
-            </a:r>
-            <a:r>
-              <a:rPr lang="is-IS" dirty="0">
-                <a:solidFill>
-                  <a:srgbClr val="0000FF"/>
-                </a:solidFill>
-                <a:highlight>
-                  <a:srgbClr val="FFFFFF"/>
-                </a:highlight>
-                <a:latin typeface="Consolas"/>
-              </a:rPr>
-              <a:t>true</a:t>
-            </a:r>
-            <a:r>
-              <a:rPr lang="is-IS" dirty="0">
-                <a:solidFill>
-                  <a:srgbClr val="000000"/>
-                </a:solidFill>
-                <a:highlight>
-                  <a:srgbClr val="FFFFFF"/>
-                </a:highlight>
-                <a:latin typeface="Consolas"/>
-              </a:rPr>
-              <a:t>;</a:t>
-            </a:r>
-          </a:p>
-          <a:p>
-            <a:r>
-              <a:rPr lang="es-ES" dirty="0">
-                <a:solidFill>
-                  <a:srgbClr val="000000"/>
-                </a:solidFill>
-                <a:highlight>
-                  <a:srgbClr val="FFFFFF"/>
-                </a:highlight>
-                <a:latin typeface="Consolas"/>
-              </a:rPr>
-              <a:t>}</a:t>
-            </a:r>
-            <a:endParaRPr lang="es-ES" dirty="0"/>
+              <a:rPr lang="es-CL" dirty="0" err="1">
+                <a:solidFill>
+                  <a:srgbClr val="000000"/>
+                </a:solidFill>
+                <a:highlight>
+                  <a:srgbClr val="FFFFFF"/>
+                </a:highlight>
+                <a:latin typeface="Consolas" panose="020B0609020204030204" pitchFamily="49" charset="0"/>
+              </a:rPr>
+              <a:t>rectangulo</a:t>
+            </a:r>
+            <a:r>
+              <a:rPr lang="es-CL" dirty="0">
+                <a:solidFill>
+                  <a:srgbClr val="000000"/>
+                </a:solidFill>
+                <a:highlight>
+                  <a:srgbClr val="FFFFFF"/>
+                </a:highlight>
+                <a:latin typeface="Consolas" panose="020B0609020204030204" pitchFamily="49" charset="0"/>
+              </a:rPr>
+              <a:t>);</a:t>
+            </a:r>
+          </a:p>
+          <a:p>
+            <a:r>
+              <a:rPr lang="es-CL" dirty="0">
+                <a:solidFill>
+                  <a:srgbClr val="000000"/>
+                </a:solidFill>
+                <a:highlight>
+                  <a:srgbClr val="FFFFFF"/>
+                </a:highlight>
+                <a:latin typeface="Consolas" panose="020B0609020204030204" pitchFamily="49" charset="0"/>
+              </a:rPr>
+              <a:t>            };</a:t>
+            </a:r>
+            <a:endParaRPr lang="fi-FI" dirty="0">
+              <a:solidFill>
+                <a:srgbClr val="0000FF"/>
+              </a:solidFill>
+              <a:highlight>
+                <a:srgbClr val="FFFFFF"/>
+              </a:highlight>
+              <a:latin typeface="Consolas"/>
+            </a:endParaRPr>
           </a:p>
         </p:txBody>
       </p:sp>
     </p:spTree>
     <p:extLst>
       <p:ext uri="{BB962C8B-B14F-4D97-AF65-F5344CB8AC3E}">
-        <p14:creationId xmlns:p14="http://schemas.microsoft.com/office/powerpoint/2010/main" val="1388173346"/>
+        <p14:creationId xmlns:p14="http://schemas.microsoft.com/office/powerpoint/2010/main" val="795642946"/>
       </p:ext>
     </p:extLst>
   </p:cSld>
@@ -6588,6 +7721,1181 @@
       </p:grpSpPr>
       <p:sp>
         <p:nvSpPr>
+          <p:cNvPr id="2" name="Title 1"/>
+          <p:cNvSpPr>
+            <a:spLocks noGrp="1"/>
+          </p:cNvSpPr>
+          <p:nvPr>
+            <p:ph type="title"/>
+          </p:nvPr>
+        </p:nvSpPr>
+        <p:spPr/>
+        <p:txBody>
+          <a:bodyPr>
+            <a:normAutofit/>
+          </a:bodyPr>
+          <a:lstStyle/>
+          <a:p>
+            <a:pPr algn="l"/>
+            <a:r>
+              <a:rPr lang="es-CL" sz="6600" dirty="0" err="1" smtClean="0">
+                <a:solidFill>
+                  <a:schemeClr val="bg1">
+                    <a:lumMod val="50000"/>
+                  </a:schemeClr>
+                </a:solidFill>
+                <a:latin typeface="+mn-lt"/>
+                <a:ea typeface="+mn-ea"/>
+                <a:cs typeface="+mn-cs"/>
+              </a:rPr>
+              <a:t>Tip</a:t>
+            </a:r>
+            <a:r>
+              <a:rPr lang="es-CL" sz="6600" dirty="0" smtClean="0">
+                <a:solidFill>
+                  <a:schemeClr val="bg1">
+                    <a:lumMod val="50000"/>
+                  </a:schemeClr>
+                </a:solidFill>
+                <a:latin typeface="+mn-lt"/>
+                <a:ea typeface="+mn-ea"/>
+                <a:cs typeface="+mn-cs"/>
+              </a:rPr>
+              <a:t> de Programación:</a:t>
+            </a:r>
+          </a:p>
+        </p:txBody>
+      </p:sp>
+      <p:sp>
+        <p:nvSpPr>
+          <p:cNvPr id="3" name="Content Placeholder 2"/>
+          <p:cNvSpPr>
+            <a:spLocks noGrp="1"/>
+          </p:cNvSpPr>
+          <p:nvPr>
+            <p:ph idx="1"/>
+          </p:nvPr>
+        </p:nvSpPr>
+        <p:spPr>
+          <a:xfrm>
+            <a:off x="755576" y="1556792"/>
+            <a:ext cx="7935144" cy="4525963"/>
+          </a:xfrm>
+        </p:spPr>
+        <p:txBody>
+          <a:bodyPr>
+            <a:normAutofit/>
+          </a:bodyPr>
+          <a:lstStyle/>
+          <a:p>
+            <a:pPr lvl="1" algn="r">
+              <a:buNone/>
+            </a:pPr>
+            <a:r>
+              <a:rPr lang="es-CL" sz="3600" dirty="0" smtClean="0">
+                <a:solidFill>
+                  <a:schemeClr val="tx1">
+                    <a:lumMod val="65000"/>
+                    <a:lumOff val="35000"/>
+                  </a:schemeClr>
+                </a:solidFill>
+              </a:rPr>
+              <a:t>	</a:t>
+            </a:r>
+            <a:r>
+              <a:rPr lang="es-CL" sz="6600" dirty="0" smtClean="0">
+                <a:solidFill>
+                  <a:schemeClr val="accent2"/>
+                </a:solidFill>
+              </a:rPr>
+              <a:t>#666:</a:t>
+            </a:r>
+          </a:p>
+          <a:p>
+            <a:pPr lvl="1" algn="r">
+              <a:buNone/>
+            </a:pPr>
+            <a:r>
+              <a:rPr lang="es-CL" sz="6600" dirty="0" smtClean="0">
+                <a:solidFill>
+                  <a:schemeClr val="accent2"/>
+                </a:solidFill>
+              </a:rPr>
+              <a:t>Consola en WPF </a:t>
+            </a:r>
+            <a:r>
+              <a:rPr lang="es-CL" sz="6600" dirty="0" smtClean="0">
+                <a:solidFill>
+                  <a:schemeClr val="accent2"/>
+                </a:solidFill>
+              </a:rPr>
+              <a:t/>
+            </a:r>
+            <a:br>
+              <a:rPr lang="es-CL" sz="6600" dirty="0" smtClean="0">
+                <a:solidFill>
+                  <a:schemeClr val="accent2"/>
+                </a:solidFill>
+              </a:rPr>
+            </a:br>
+            <a:r>
+              <a:rPr lang="da-DK" sz="3600" dirty="0">
+                <a:solidFill>
+                  <a:schemeClr val="accent2"/>
+                </a:solidFill>
+                <a:hlinkClick r:id="rId3"/>
+              </a:rPr>
+              <a:t>http://stackoverflow.com/a/</a:t>
+            </a:r>
+            <a:r>
+              <a:rPr lang="da-DK" sz="3600" dirty="0" smtClean="0">
+                <a:solidFill>
+                  <a:schemeClr val="accent2"/>
+                </a:solidFill>
+                <a:hlinkClick r:id="rId3"/>
+              </a:rPr>
+              <a:t>160597</a:t>
+            </a:r>
+            <a:endParaRPr lang="da-DK" sz="3600" dirty="0" smtClean="0">
+              <a:solidFill>
+                <a:schemeClr val="accent2"/>
+              </a:solidFill>
+            </a:endParaRPr>
+          </a:p>
+          <a:p>
+            <a:pPr lvl="1" algn="r">
+              <a:buNone/>
+            </a:pPr>
+            <a:r>
+              <a:rPr lang="da-DK" dirty="0" smtClean="0">
+                <a:solidFill>
+                  <a:schemeClr val="accent2"/>
+                </a:solidFill>
+              </a:rPr>
+              <a:t>”Output Type” en </a:t>
+            </a:r>
+            <a:r>
+              <a:rPr lang="da-DK" dirty="0" err="1" smtClean="0">
+                <a:solidFill>
+                  <a:schemeClr val="accent2"/>
+                </a:solidFill>
+              </a:rPr>
+              <a:t>español</a:t>
+            </a:r>
+            <a:r>
+              <a:rPr lang="da-DK" dirty="0" smtClean="0">
+                <a:solidFill>
+                  <a:schemeClr val="accent2"/>
+                </a:solidFill>
+              </a:rPr>
+              <a:t> es ”</a:t>
+            </a:r>
+            <a:r>
+              <a:rPr lang="da-DK" dirty="0" err="1" smtClean="0">
+                <a:solidFill>
+                  <a:schemeClr val="accent2"/>
+                </a:solidFill>
+              </a:rPr>
+              <a:t>Tipo</a:t>
+            </a:r>
+            <a:r>
+              <a:rPr lang="da-DK" dirty="0" smtClean="0">
+                <a:solidFill>
+                  <a:schemeClr val="accent2"/>
+                </a:solidFill>
+              </a:rPr>
+              <a:t> de </a:t>
+            </a:r>
+            <a:r>
+              <a:rPr lang="da-DK" dirty="0" err="1" smtClean="0">
+                <a:solidFill>
+                  <a:schemeClr val="accent2"/>
+                </a:solidFill>
+              </a:rPr>
+              <a:t>resultado</a:t>
+            </a:r>
+            <a:r>
+              <a:rPr lang="da-DK" dirty="0" smtClean="0">
+                <a:solidFill>
+                  <a:schemeClr val="accent2"/>
+                </a:solidFill>
+              </a:rPr>
+              <a:t>”.</a:t>
+            </a:r>
+            <a:endParaRPr lang="es-CL" dirty="0" smtClean="0">
+              <a:solidFill>
+                <a:schemeClr val="accent5">
+                  <a:lumMod val="75000"/>
+                </a:schemeClr>
+              </a:solidFill>
+            </a:endParaRPr>
+          </a:p>
+        </p:txBody>
+      </p:sp>
+    </p:spTree>
+  </p:cSld>
+  <p:clrMapOvr>
+    <a:masterClrMapping/>
+  </p:clrMapOvr>
+  <p:timing>
+    <p:tnLst>
+      <p:par>
+        <p:cTn xmlns:p14="http://schemas.microsoft.com/office/powerpoint/2010/main" id="1" dur="indefinite" restart="never" nodeType="tmRoot"/>
+      </p:par>
+    </p:tnLst>
+  </p:timing>
+</p:sld>
+</file>
+
+<file path=ppt/slides/slide16.xml><?xml version="1.0" encoding="utf-8"?>
+<p:sld xmlns:a="http://schemas.openxmlformats.org/drawingml/2006/main" xmlns:r="http://schemas.openxmlformats.org/officeDocument/2006/relationships" xmlns:p="http://schemas.openxmlformats.org/presentationml/2006/main">
+  <p:cSld>
+    <p:spTree>
+      <p:nvGrpSpPr>
+        <p:cNvPr id="1" name=""/>
+        <p:cNvGrpSpPr/>
+        <p:nvPr/>
+      </p:nvGrpSpPr>
+      <p:grpSpPr>
+        <a:xfrm>
+          <a:off x="0" y="0"/>
+          <a:ext cx="0" cy="0"/>
+          <a:chOff x="0" y="0"/>
+          <a:chExt cx="0" cy="0"/>
+        </a:xfrm>
+      </p:grpSpPr>
+      <p:sp>
+        <p:nvSpPr>
+          <p:cNvPr id="2" name="Title 1"/>
+          <p:cNvSpPr>
+            <a:spLocks noGrp="1"/>
+          </p:cNvSpPr>
+          <p:nvPr>
+            <p:ph type="title"/>
+          </p:nvPr>
+        </p:nvSpPr>
+        <p:spPr>
+          <a:xfrm>
+            <a:off x="251520" y="116632"/>
+            <a:ext cx="8229600" cy="1143000"/>
+          </a:xfrm>
+        </p:spPr>
+        <p:txBody>
+          <a:bodyPr>
+            <a:normAutofit/>
+          </a:bodyPr>
+          <a:lstStyle/>
+          <a:p>
+            <a:pPr algn="l"/>
+            <a:r>
+              <a:rPr lang="es-CL" sz="6600" dirty="0" err="1" smtClean="0">
+                <a:solidFill>
+                  <a:schemeClr val="bg1">
+                    <a:lumMod val="50000"/>
+                  </a:schemeClr>
+                </a:solidFill>
+                <a:latin typeface="+mn-lt"/>
+                <a:ea typeface="+mn-ea"/>
+                <a:cs typeface="+mn-cs"/>
+              </a:rPr>
+              <a:t>Tip</a:t>
+            </a:r>
+            <a:r>
+              <a:rPr lang="es-CL" sz="6600" dirty="0" smtClean="0">
+                <a:solidFill>
+                  <a:schemeClr val="bg1">
+                    <a:lumMod val="50000"/>
+                  </a:schemeClr>
+                </a:solidFill>
+                <a:latin typeface="+mn-lt"/>
+                <a:ea typeface="+mn-ea"/>
+                <a:cs typeface="+mn-cs"/>
+              </a:rPr>
+              <a:t> de Programación:</a:t>
+            </a:r>
+          </a:p>
+        </p:txBody>
+      </p:sp>
+      <p:sp>
+        <p:nvSpPr>
+          <p:cNvPr id="3" name="Content Placeholder 2"/>
+          <p:cNvSpPr>
+            <a:spLocks noGrp="1"/>
+          </p:cNvSpPr>
+          <p:nvPr>
+            <p:ph idx="1"/>
+          </p:nvPr>
+        </p:nvSpPr>
+        <p:spPr>
+          <a:xfrm>
+            <a:off x="827584" y="1196752"/>
+            <a:ext cx="7935144" cy="4525963"/>
+          </a:xfrm>
+        </p:spPr>
+        <p:txBody>
+          <a:bodyPr>
+            <a:normAutofit/>
+          </a:bodyPr>
+          <a:lstStyle/>
+          <a:p>
+            <a:pPr lvl="1" algn="r">
+              <a:buNone/>
+            </a:pPr>
+            <a:r>
+              <a:rPr lang="es-CL" sz="3600" dirty="0" smtClean="0">
+                <a:solidFill>
+                  <a:schemeClr val="tx1">
+                    <a:lumMod val="65000"/>
+                    <a:lumOff val="35000"/>
+                  </a:schemeClr>
+                </a:solidFill>
+              </a:rPr>
+              <a:t>	</a:t>
+            </a:r>
+            <a:r>
+              <a:rPr lang="es-CL" sz="5400" dirty="0" smtClean="0">
+                <a:solidFill>
+                  <a:schemeClr val="accent2"/>
+                </a:solidFill>
+              </a:rPr>
+              <a:t>#10:</a:t>
+            </a:r>
+            <a:endParaRPr lang="es-CL" sz="6600" dirty="0" smtClean="0">
+              <a:solidFill>
+                <a:schemeClr val="accent2"/>
+              </a:solidFill>
+            </a:endParaRPr>
+          </a:p>
+          <a:p>
+            <a:pPr lvl="1" algn="r">
+              <a:buNone/>
+            </a:pPr>
+            <a:r>
+              <a:rPr lang="es-CL" sz="4400" dirty="0" smtClean="0">
+                <a:solidFill>
+                  <a:schemeClr val="accent2"/>
+                </a:solidFill>
+              </a:rPr>
+              <a:t>Cómo generar documentación.</a:t>
+            </a:r>
+          </a:p>
+          <a:p>
+            <a:pPr lvl="1" algn="r">
+              <a:buNone/>
+            </a:pPr>
+            <a:r>
+              <a:rPr lang="es-CL" sz="4000" dirty="0" smtClean="0">
+                <a:solidFill>
+                  <a:schemeClr val="accent2"/>
+                </a:solidFill>
+              </a:rPr>
+              <a:t>Escribir “///” arriba de un método, campo, constructor, etc.</a:t>
+            </a:r>
+          </a:p>
+        </p:txBody>
+      </p:sp>
+      <p:sp>
+        <p:nvSpPr>
+          <p:cNvPr id="4" name="Rectángulo 3"/>
+          <p:cNvSpPr/>
+          <p:nvPr/>
+        </p:nvSpPr>
+        <p:spPr>
+          <a:xfrm>
+            <a:off x="323528" y="3861048"/>
+            <a:ext cx="8280920" cy="2862323"/>
+          </a:xfrm>
+          <a:prstGeom prst="rect">
+            <a:avLst/>
+          </a:prstGeom>
+        </p:spPr>
+        <p:txBody>
+          <a:bodyPr wrap="square">
+            <a:spAutoFit/>
+          </a:bodyPr>
+          <a:lstStyle/>
+          <a:p>
+            <a:r>
+              <a:rPr lang="sv-SE" dirty="0">
+                <a:solidFill>
+                  <a:srgbClr val="808080"/>
+                </a:solidFill>
+                <a:highlight>
+                  <a:srgbClr val="FFFFFF"/>
+                </a:highlight>
+                <a:latin typeface="Consolas"/>
+              </a:rPr>
+              <a:t>///</a:t>
+            </a:r>
+            <a:r>
+              <a:rPr lang="sv-SE" dirty="0">
+                <a:solidFill>
+                  <a:srgbClr val="008000"/>
+                </a:solidFill>
+                <a:highlight>
+                  <a:srgbClr val="FFFFFF"/>
+                </a:highlight>
+                <a:latin typeface="Consolas"/>
+              </a:rPr>
+              <a:t> </a:t>
+            </a:r>
+            <a:r>
+              <a:rPr lang="sv-SE" dirty="0">
+                <a:solidFill>
+                  <a:srgbClr val="808080"/>
+                </a:solidFill>
+                <a:highlight>
+                  <a:srgbClr val="FFFFFF"/>
+                </a:highlight>
+                <a:latin typeface="Consolas"/>
+              </a:rPr>
+              <a:t>&lt;</a:t>
+            </a:r>
+            <a:r>
+              <a:rPr lang="sv-SE" dirty="0" err="1">
+                <a:solidFill>
+                  <a:srgbClr val="808080"/>
+                </a:solidFill>
+                <a:highlight>
+                  <a:srgbClr val="FFFFFF"/>
+                </a:highlight>
+                <a:latin typeface="Consolas"/>
+              </a:rPr>
+              <a:t>summary</a:t>
+            </a:r>
+            <a:r>
+              <a:rPr lang="sv-SE" dirty="0">
+                <a:solidFill>
+                  <a:srgbClr val="808080"/>
+                </a:solidFill>
+                <a:highlight>
+                  <a:srgbClr val="FFFFFF"/>
+                </a:highlight>
+                <a:latin typeface="Consolas"/>
+              </a:rPr>
+              <a:t>&gt;</a:t>
+            </a:r>
+          </a:p>
+          <a:p>
+            <a:r>
+              <a:rPr lang="es-ES_tradnl" dirty="0">
+                <a:solidFill>
+                  <a:srgbClr val="808080"/>
+                </a:solidFill>
+                <a:highlight>
+                  <a:srgbClr val="FFFFFF"/>
+                </a:highlight>
+                <a:latin typeface="Consolas"/>
+              </a:rPr>
+              <a:t>///</a:t>
+            </a:r>
+            <a:r>
+              <a:rPr lang="es-ES_tradnl" dirty="0">
+                <a:solidFill>
+                  <a:srgbClr val="008000"/>
+                </a:solidFill>
+                <a:highlight>
+                  <a:srgbClr val="FFFFFF"/>
+                </a:highlight>
+                <a:latin typeface="Consolas"/>
+              </a:rPr>
+              <a:t> Descripción.</a:t>
+            </a:r>
+          </a:p>
+          <a:p>
+            <a:r>
+              <a:rPr lang="sv-SE" dirty="0">
+                <a:solidFill>
+                  <a:srgbClr val="808080"/>
+                </a:solidFill>
+                <a:highlight>
+                  <a:srgbClr val="FFFFFF"/>
+                </a:highlight>
+                <a:latin typeface="Consolas"/>
+              </a:rPr>
+              <a:t>///</a:t>
+            </a:r>
+            <a:r>
+              <a:rPr lang="sv-SE" dirty="0">
+                <a:solidFill>
+                  <a:srgbClr val="008000"/>
+                </a:solidFill>
+                <a:highlight>
+                  <a:srgbClr val="FFFFFF"/>
+                </a:highlight>
+                <a:latin typeface="Consolas"/>
+              </a:rPr>
+              <a:t> </a:t>
+            </a:r>
+            <a:r>
+              <a:rPr lang="sv-SE" dirty="0">
+                <a:solidFill>
+                  <a:srgbClr val="808080"/>
+                </a:solidFill>
+                <a:highlight>
+                  <a:srgbClr val="FFFFFF"/>
+                </a:highlight>
+                <a:latin typeface="Consolas"/>
+              </a:rPr>
+              <a:t>&lt;/</a:t>
+            </a:r>
+            <a:r>
+              <a:rPr lang="sv-SE" dirty="0" err="1">
+                <a:solidFill>
+                  <a:srgbClr val="808080"/>
+                </a:solidFill>
+                <a:highlight>
+                  <a:srgbClr val="FFFFFF"/>
+                </a:highlight>
+                <a:latin typeface="Consolas"/>
+              </a:rPr>
+              <a:t>summary</a:t>
+            </a:r>
+            <a:r>
+              <a:rPr lang="sv-SE" dirty="0">
+                <a:solidFill>
+                  <a:srgbClr val="808080"/>
+                </a:solidFill>
+                <a:highlight>
+                  <a:srgbClr val="FFFFFF"/>
+                </a:highlight>
+                <a:latin typeface="Consolas"/>
+              </a:rPr>
+              <a:t>&gt;</a:t>
+            </a:r>
+          </a:p>
+          <a:p>
+            <a:r>
+              <a:rPr lang="es-ES_tradnl" dirty="0">
+                <a:solidFill>
+                  <a:srgbClr val="808080"/>
+                </a:solidFill>
+                <a:highlight>
+                  <a:srgbClr val="FFFFFF"/>
+                </a:highlight>
+                <a:latin typeface="Consolas"/>
+              </a:rPr>
+              <a:t>///</a:t>
+            </a:r>
+            <a:r>
+              <a:rPr lang="es-ES_tradnl" dirty="0">
+                <a:solidFill>
+                  <a:srgbClr val="008000"/>
+                </a:solidFill>
+                <a:highlight>
+                  <a:srgbClr val="FFFFFF"/>
+                </a:highlight>
+                <a:latin typeface="Consolas"/>
+              </a:rPr>
+              <a:t> </a:t>
+            </a:r>
+            <a:r>
+              <a:rPr lang="es-ES_tradnl" dirty="0">
+                <a:solidFill>
+                  <a:srgbClr val="808080"/>
+                </a:solidFill>
+                <a:highlight>
+                  <a:srgbClr val="FFFFFF"/>
+                </a:highlight>
+                <a:latin typeface="Consolas"/>
+              </a:rPr>
+              <a:t>&lt;</a:t>
+            </a:r>
+            <a:r>
+              <a:rPr lang="es-ES_tradnl" dirty="0" err="1">
+                <a:solidFill>
+                  <a:srgbClr val="808080"/>
+                </a:solidFill>
+                <a:highlight>
+                  <a:srgbClr val="FFFFFF"/>
+                </a:highlight>
+                <a:latin typeface="Consolas"/>
+              </a:rPr>
+              <a:t>param</a:t>
+            </a:r>
+            <a:r>
+              <a:rPr lang="es-ES_tradnl" dirty="0">
+                <a:solidFill>
+                  <a:srgbClr val="808080"/>
+                </a:solidFill>
+                <a:highlight>
+                  <a:srgbClr val="FFFFFF"/>
+                </a:highlight>
+                <a:latin typeface="Consolas"/>
+              </a:rPr>
+              <a:t> </a:t>
+            </a:r>
+            <a:r>
+              <a:rPr lang="es-ES_tradnl" dirty="0" err="1">
+                <a:solidFill>
+                  <a:srgbClr val="808080"/>
+                </a:solidFill>
+                <a:highlight>
+                  <a:srgbClr val="FFFFFF"/>
+                </a:highlight>
+                <a:latin typeface="Consolas"/>
+              </a:rPr>
+              <a:t>name</a:t>
+            </a:r>
+            <a:r>
+              <a:rPr lang="es-ES_tradnl" dirty="0">
+                <a:solidFill>
+                  <a:srgbClr val="808080"/>
+                </a:solidFill>
+                <a:highlight>
+                  <a:srgbClr val="FFFFFF"/>
+                </a:highlight>
+                <a:latin typeface="Consolas"/>
+              </a:rPr>
+              <a:t>="input1"&gt;</a:t>
+            </a:r>
+            <a:r>
+              <a:rPr lang="es-ES_tradnl" dirty="0">
+                <a:solidFill>
+                  <a:srgbClr val="008000"/>
+                </a:solidFill>
+                <a:highlight>
+                  <a:srgbClr val="FFFFFF"/>
+                </a:highlight>
+                <a:latin typeface="Consolas"/>
+              </a:rPr>
+              <a:t>Qué es el parámetro 1.</a:t>
+            </a:r>
+            <a:r>
+              <a:rPr lang="es-ES_tradnl" dirty="0">
+                <a:solidFill>
+                  <a:srgbClr val="808080"/>
+                </a:solidFill>
+                <a:highlight>
+                  <a:srgbClr val="FFFFFF"/>
+                </a:highlight>
+                <a:latin typeface="Consolas"/>
+              </a:rPr>
+              <a:t>&lt;/</a:t>
+            </a:r>
+            <a:r>
+              <a:rPr lang="es-ES_tradnl" dirty="0" err="1">
+                <a:solidFill>
+                  <a:srgbClr val="808080"/>
+                </a:solidFill>
+                <a:highlight>
+                  <a:srgbClr val="FFFFFF"/>
+                </a:highlight>
+                <a:latin typeface="Consolas"/>
+              </a:rPr>
+              <a:t>param</a:t>
+            </a:r>
+            <a:r>
+              <a:rPr lang="es-ES_tradnl" dirty="0">
+                <a:solidFill>
+                  <a:srgbClr val="808080"/>
+                </a:solidFill>
+                <a:highlight>
+                  <a:srgbClr val="FFFFFF"/>
+                </a:highlight>
+                <a:latin typeface="Consolas"/>
+              </a:rPr>
+              <a:t>&gt;</a:t>
+            </a:r>
+          </a:p>
+          <a:p>
+            <a:r>
+              <a:rPr lang="es-ES_tradnl" dirty="0">
+                <a:solidFill>
+                  <a:srgbClr val="808080"/>
+                </a:solidFill>
+                <a:highlight>
+                  <a:srgbClr val="FFFFFF"/>
+                </a:highlight>
+                <a:latin typeface="Consolas"/>
+              </a:rPr>
+              <a:t>///</a:t>
+            </a:r>
+            <a:r>
+              <a:rPr lang="es-ES_tradnl" dirty="0">
+                <a:solidFill>
+                  <a:srgbClr val="008000"/>
+                </a:solidFill>
+                <a:highlight>
+                  <a:srgbClr val="FFFFFF"/>
+                </a:highlight>
+                <a:latin typeface="Consolas"/>
+              </a:rPr>
+              <a:t> </a:t>
+            </a:r>
+            <a:r>
+              <a:rPr lang="es-ES_tradnl" dirty="0">
+                <a:solidFill>
+                  <a:srgbClr val="808080"/>
+                </a:solidFill>
+                <a:highlight>
+                  <a:srgbClr val="FFFFFF"/>
+                </a:highlight>
+                <a:latin typeface="Consolas"/>
+              </a:rPr>
+              <a:t>&lt;</a:t>
+            </a:r>
+            <a:r>
+              <a:rPr lang="es-ES_tradnl" dirty="0" err="1">
+                <a:solidFill>
+                  <a:srgbClr val="808080"/>
+                </a:solidFill>
+                <a:highlight>
+                  <a:srgbClr val="FFFFFF"/>
+                </a:highlight>
+                <a:latin typeface="Consolas"/>
+              </a:rPr>
+              <a:t>param</a:t>
+            </a:r>
+            <a:r>
+              <a:rPr lang="es-ES_tradnl" dirty="0">
+                <a:solidFill>
+                  <a:srgbClr val="808080"/>
+                </a:solidFill>
+                <a:highlight>
+                  <a:srgbClr val="FFFFFF"/>
+                </a:highlight>
+                <a:latin typeface="Consolas"/>
+              </a:rPr>
+              <a:t> </a:t>
+            </a:r>
+            <a:r>
+              <a:rPr lang="es-ES_tradnl" dirty="0" err="1">
+                <a:solidFill>
+                  <a:srgbClr val="808080"/>
+                </a:solidFill>
+                <a:highlight>
+                  <a:srgbClr val="FFFFFF"/>
+                </a:highlight>
+                <a:latin typeface="Consolas"/>
+              </a:rPr>
+              <a:t>name</a:t>
+            </a:r>
+            <a:r>
+              <a:rPr lang="es-ES_tradnl" dirty="0">
+                <a:solidFill>
+                  <a:srgbClr val="808080"/>
+                </a:solidFill>
+                <a:highlight>
+                  <a:srgbClr val="FFFFFF"/>
+                </a:highlight>
+                <a:latin typeface="Consolas"/>
+              </a:rPr>
+              <a:t>="input2"&gt;</a:t>
+            </a:r>
+            <a:r>
+              <a:rPr lang="es-ES_tradnl" dirty="0">
+                <a:solidFill>
+                  <a:srgbClr val="008000"/>
+                </a:solidFill>
+                <a:highlight>
+                  <a:srgbClr val="FFFFFF"/>
+                </a:highlight>
+                <a:latin typeface="Consolas"/>
+              </a:rPr>
+              <a:t>Qué es el parámetro 2.</a:t>
+            </a:r>
+            <a:r>
+              <a:rPr lang="es-ES_tradnl" dirty="0">
+                <a:solidFill>
+                  <a:srgbClr val="808080"/>
+                </a:solidFill>
+                <a:highlight>
+                  <a:srgbClr val="FFFFFF"/>
+                </a:highlight>
+                <a:latin typeface="Consolas"/>
+              </a:rPr>
+              <a:t>&lt;/</a:t>
+            </a:r>
+            <a:r>
+              <a:rPr lang="es-ES_tradnl" dirty="0" err="1">
+                <a:solidFill>
+                  <a:srgbClr val="808080"/>
+                </a:solidFill>
+                <a:highlight>
+                  <a:srgbClr val="FFFFFF"/>
+                </a:highlight>
+                <a:latin typeface="Consolas"/>
+              </a:rPr>
+              <a:t>param</a:t>
+            </a:r>
+            <a:r>
+              <a:rPr lang="es-ES_tradnl" dirty="0">
+                <a:solidFill>
+                  <a:srgbClr val="808080"/>
+                </a:solidFill>
+                <a:highlight>
+                  <a:srgbClr val="FFFFFF"/>
+                </a:highlight>
+                <a:latin typeface="Consolas"/>
+              </a:rPr>
+              <a:t>&gt;</a:t>
+            </a:r>
+          </a:p>
+          <a:p>
+            <a:r>
+              <a:rPr lang="es-ES_tradnl" dirty="0">
+                <a:solidFill>
+                  <a:srgbClr val="808080"/>
+                </a:solidFill>
+                <a:highlight>
+                  <a:srgbClr val="FFFFFF"/>
+                </a:highlight>
+                <a:latin typeface="Consolas"/>
+              </a:rPr>
+              <a:t>///</a:t>
+            </a:r>
+            <a:r>
+              <a:rPr lang="es-ES_tradnl" dirty="0">
+                <a:solidFill>
+                  <a:srgbClr val="008000"/>
+                </a:solidFill>
+                <a:highlight>
+                  <a:srgbClr val="FFFFFF"/>
+                </a:highlight>
+                <a:latin typeface="Consolas"/>
+              </a:rPr>
+              <a:t> </a:t>
+            </a:r>
+            <a:r>
+              <a:rPr lang="es-ES_tradnl" dirty="0">
+                <a:solidFill>
+                  <a:srgbClr val="808080"/>
+                </a:solidFill>
+                <a:highlight>
+                  <a:srgbClr val="FFFFFF"/>
+                </a:highlight>
+                <a:latin typeface="Consolas"/>
+              </a:rPr>
+              <a:t>&lt;</a:t>
+            </a:r>
+            <a:r>
+              <a:rPr lang="es-ES_tradnl" dirty="0" err="1">
+                <a:solidFill>
+                  <a:srgbClr val="808080"/>
+                </a:solidFill>
+                <a:highlight>
+                  <a:srgbClr val="FFFFFF"/>
+                </a:highlight>
+                <a:latin typeface="Consolas"/>
+              </a:rPr>
+              <a:t>returns</a:t>
+            </a:r>
+            <a:r>
+              <a:rPr lang="es-ES_tradnl" dirty="0">
+                <a:solidFill>
+                  <a:srgbClr val="808080"/>
+                </a:solidFill>
+                <a:highlight>
+                  <a:srgbClr val="FFFFFF"/>
+                </a:highlight>
+                <a:latin typeface="Consolas"/>
+              </a:rPr>
+              <a:t>&gt;</a:t>
+            </a:r>
+            <a:r>
+              <a:rPr lang="es-ES_tradnl" dirty="0">
+                <a:solidFill>
+                  <a:srgbClr val="008000"/>
+                </a:solidFill>
+                <a:highlight>
+                  <a:srgbClr val="FFFFFF"/>
+                </a:highlight>
+                <a:latin typeface="Consolas"/>
+              </a:rPr>
+              <a:t>Qué significa el retorno.</a:t>
+            </a:r>
+            <a:r>
+              <a:rPr lang="es-ES_tradnl" dirty="0">
+                <a:solidFill>
+                  <a:srgbClr val="808080"/>
+                </a:solidFill>
+                <a:highlight>
+                  <a:srgbClr val="FFFFFF"/>
+                </a:highlight>
+                <a:latin typeface="Consolas"/>
+              </a:rPr>
+              <a:t>&lt;/</a:t>
+            </a:r>
+            <a:r>
+              <a:rPr lang="es-ES_tradnl" dirty="0" err="1">
+                <a:solidFill>
+                  <a:srgbClr val="808080"/>
+                </a:solidFill>
+                <a:highlight>
+                  <a:srgbClr val="FFFFFF"/>
+                </a:highlight>
+                <a:latin typeface="Consolas"/>
+              </a:rPr>
+              <a:t>returns</a:t>
+            </a:r>
+            <a:r>
+              <a:rPr lang="es-ES_tradnl" dirty="0">
+                <a:solidFill>
+                  <a:srgbClr val="808080"/>
+                </a:solidFill>
+                <a:highlight>
+                  <a:srgbClr val="FFFFFF"/>
+                </a:highlight>
+                <a:latin typeface="Consolas"/>
+              </a:rPr>
+              <a:t>&gt;</a:t>
+            </a:r>
+          </a:p>
+          <a:p>
+            <a:r>
+              <a:rPr lang="en-US" dirty="0">
+                <a:solidFill>
+                  <a:srgbClr val="0000FF"/>
+                </a:solidFill>
+                <a:highlight>
+                  <a:srgbClr val="FFFFFF"/>
+                </a:highlight>
+                <a:latin typeface="Consolas"/>
+              </a:rPr>
+              <a:t>public</a:t>
+            </a:r>
+            <a:r>
+              <a:rPr lang="en-US" dirty="0">
+                <a:solidFill>
+                  <a:srgbClr val="000000"/>
+                </a:solidFill>
+                <a:highlight>
+                  <a:srgbClr val="FFFFFF"/>
+                </a:highlight>
+                <a:latin typeface="Consolas"/>
+              </a:rPr>
+              <a:t> </a:t>
+            </a:r>
+            <a:r>
+              <a:rPr lang="en-US" dirty="0" err="1">
+                <a:solidFill>
+                  <a:srgbClr val="0000FF"/>
+                </a:solidFill>
+                <a:highlight>
+                  <a:srgbClr val="FFFFFF"/>
+                </a:highlight>
+                <a:latin typeface="Consolas"/>
+              </a:rPr>
+              <a:t>bool</a:t>
+            </a:r>
+            <a:r>
+              <a:rPr lang="en-US" dirty="0">
+                <a:solidFill>
+                  <a:srgbClr val="000000"/>
+                </a:solidFill>
+                <a:highlight>
+                  <a:srgbClr val="FFFFFF"/>
+                </a:highlight>
+                <a:latin typeface="Consolas"/>
+              </a:rPr>
+              <a:t> </a:t>
+            </a:r>
+            <a:r>
+              <a:rPr lang="en-US" dirty="0" err="1">
+                <a:solidFill>
+                  <a:srgbClr val="000000"/>
+                </a:solidFill>
+                <a:highlight>
+                  <a:srgbClr val="FFFFFF"/>
+                </a:highlight>
+                <a:latin typeface="Consolas"/>
+              </a:rPr>
+              <a:t>Metodo</a:t>
+            </a:r>
+            <a:r>
+              <a:rPr lang="en-US" dirty="0">
+                <a:solidFill>
+                  <a:srgbClr val="000000"/>
+                </a:solidFill>
+                <a:highlight>
+                  <a:srgbClr val="FFFFFF"/>
+                </a:highlight>
+                <a:latin typeface="Consolas"/>
+              </a:rPr>
+              <a:t>(</a:t>
+            </a:r>
+            <a:r>
+              <a:rPr lang="en-US" dirty="0" err="1">
+                <a:solidFill>
+                  <a:srgbClr val="0000FF"/>
+                </a:solidFill>
+                <a:highlight>
+                  <a:srgbClr val="FFFFFF"/>
+                </a:highlight>
+                <a:latin typeface="Consolas"/>
+              </a:rPr>
+              <a:t>int</a:t>
+            </a:r>
+            <a:r>
+              <a:rPr lang="en-US" dirty="0">
+                <a:solidFill>
+                  <a:srgbClr val="000000"/>
+                </a:solidFill>
+                <a:highlight>
+                  <a:srgbClr val="FFFFFF"/>
+                </a:highlight>
+                <a:latin typeface="Consolas"/>
+              </a:rPr>
+              <a:t> input1, </a:t>
+            </a:r>
+            <a:r>
+              <a:rPr lang="en-US" dirty="0">
+                <a:solidFill>
+                  <a:srgbClr val="2B91AF"/>
+                </a:solidFill>
+                <a:highlight>
+                  <a:srgbClr val="FFFFFF"/>
+                </a:highlight>
+                <a:latin typeface="Consolas"/>
+              </a:rPr>
+              <a:t>String</a:t>
+            </a:r>
+            <a:r>
+              <a:rPr lang="en-US" dirty="0">
+                <a:solidFill>
+                  <a:srgbClr val="000000"/>
+                </a:solidFill>
+                <a:highlight>
+                  <a:srgbClr val="FFFFFF"/>
+                </a:highlight>
+                <a:latin typeface="Consolas"/>
+              </a:rPr>
+              <a:t> input2)</a:t>
+            </a:r>
+          </a:p>
+          <a:p>
+            <a:r>
+              <a:rPr lang="es-ES" dirty="0">
+                <a:solidFill>
+                  <a:srgbClr val="000000"/>
+                </a:solidFill>
+                <a:highlight>
+                  <a:srgbClr val="FFFFFF"/>
+                </a:highlight>
+                <a:latin typeface="Consolas"/>
+              </a:rPr>
+              <a:t>{</a:t>
+            </a:r>
+          </a:p>
+          <a:p>
+            <a:r>
+              <a:rPr lang="is-IS" dirty="0">
+                <a:solidFill>
+                  <a:srgbClr val="000000"/>
+                </a:solidFill>
+                <a:highlight>
+                  <a:srgbClr val="FFFFFF"/>
+                </a:highlight>
+                <a:latin typeface="Consolas"/>
+              </a:rPr>
+              <a:t>    </a:t>
+            </a:r>
+            <a:r>
+              <a:rPr lang="is-IS" dirty="0">
+                <a:solidFill>
+                  <a:srgbClr val="0000FF"/>
+                </a:solidFill>
+                <a:highlight>
+                  <a:srgbClr val="FFFFFF"/>
+                </a:highlight>
+                <a:latin typeface="Consolas"/>
+              </a:rPr>
+              <a:t>return</a:t>
+            </a:r>
+            <a:r>
+              <a:rPr lang="is-IS" dirty="0">
+                <a:solidFill>
+                  <a:srgbClr val="000000"/>
+                </a:solidFill>
+                <a:highlight>
+                  <a:srgbClr val="FFFFFF"/>
+                </a:highlight>
+                <a:latin typeface="Consolas"/>
+              </a:rPr>
+              <a:t> </a:t>
+            </a:r>
+            <a:r>
+              <a:rPr lang="is-IS" dirty="0">
+                <a:solidFill>
+                  <a:srgbClr val="0000FF"/>
+                </a:solidFill>
+                <a:highlight>
+                  <a:srgbClr val="FFFFFF"/>
+                </a:highlight>
+                <a:latin typeface="Consolas"/>
+              </a:rPr>
+              <a:t>true</a:t>
+            </a:r>
+            <a:r>
+              <a:rPr lang="is-IS" dirty="0">
+                <a:solidFill>
+                  <a:srgbClr val="000000"/>
+                </a:solidFill>
+                <a:highlight>
+                  <a:srgbClr val="FFFFFF"/>
+                </a:highlight>
+                <a:latin typeface="Consolas"/>
+              </a:rPr>
+              <a:t>;</a:t>
+            </a:r>
+          </a:p>
+          <a:p>
+            <a:r>
+              <a:rPr lang="es-ES" dirty="0">
+                <a:solidFill>
+                  <a:srgbClr val="000000"/>
+                </a:solidFill>
+                <a:highlight>
+                  <a:srgbClr val="FFFFFF"/>
+                </a:highlight>
+                <a:latin typeface="Consolas"/>
+              </a:rPr>
+              <a:t>}</a:t>
+            </a:r>
+            <a:endParaRPr lang="es-ES" dirty="0"/>
+          </a:p>
+        </p:txBody>
+      </p:sp>
+    </p:spTree>
+    <p:extLst>
+      <p:ext uri="{BB962C8B-B14F-4D97-AF65-F5344CB8AC3E}">
+        <p14:creationId xmlns:p14="http://schemas.microsoft.com/office/powerpoint/2010/main" val="2854319286"/>
+      </p:ext>
+    </p:extLst>
+  </p:cSld>
+  <p:clrMapOvr>
+    <a:masterClrMapping/>
+  </p:clrMapOvr>
+  <p:timing>
+    <p:tnLst>
+      <p:par>
+        <p:cTn xmlns:p14="http://schemas.microsoft.com/office/powerpoint/2010/main" id="1" dur="indefinite" restart="never" nodeType="tmRoot"/>
+      </p:par>
+    </p:tnLst>
+  </p:timing>
+</p:sld>
+</file>
+
+<file path=ppt/slides/slide17.xml><?xml version="1.0" encoding="utf-8"?>
+<p:sld xmlns:a="http://schemas.openxmlformats.org/drawingml/2006/main" xmlns:r="http://schemas.openxmlformats.org/officeDocument/2006/relationships" xmlns:p="http://schemas.openxmlformats.org/presentationml/2006/main">
+  <p:cSld>
+    <p:spTree>
+      <p:nvGrpSpPr>
+        <p:cNvPr id="1" name=""/>
+        <p:cNvGrpSpPr/>
+        <p:nvPr/>
+      </p:nvGrpSpPr>
+      <p:grpSpPr>
+        <a:xfrm>
+          <a:off x="0" y="0"/>
+          <a:ext cx="0" cy="0"/>
+          <a:chOff x="0" y="0"/>
+          <a:chExt cx="0" cy="0"/>
+        </a:xfrm>
+      </p:grpSpPr>
+      <p:sp>
+        <p:nvSpPr>
           <p:cNvPr id="2" name="1 Título"/>
           <p:cNvSpPr>
             <a:spLocks noGrp="1"/>
@@ -6631,19 +8939,44 @@
         </p:nvSpPr>
         <p:spPr/>
         <p:txBody>
-          <a:bodyPr/>
+          <a:bodyPr>
+            <a:normAutofit/>
+          </a:bodyPr>
           <a:lstStyle/>
           <a:p>
             <a:pPr marL="0" indent="0">
               <a:buNone/>
             </a:pPr>
-            <a:endParaRPr lang="es-CL" dirty="0" smtClean="0">
-              <a:solidFill>
-                <a:schemeClr val="bg1">
-                  <a:lumMod val="50000"/>
-                </a:schemeClr>
-              </a:solidFill>
-            </a:endParaRPr>
+            <a:r>
+              <a:rPr lang="es-CL" sz="4400" dirty="0" smtClean="0">
+                <a:solidFill>
+                  <a:schemeClr val="bg1">
+                    <a:lumMod val="50000"/>
+                  </a:schemeClr>
+                </a:solidFill>
+              </a:rPr>
+              <a:t>¿Por qué es útil usar </a:t>
+            </a:r>
+            <a:r>
+              <a:rPr lang="es-CL" sz="4400" dirty="0" err="1" smtClean="0">
+                <a:solidFill>
+                  <a:schemeClr val="bg1">
+                    <a:lumMod val="50000"/>
+                  </a:schemeClr>
+                </a:solidFill>
+              </a:rPr>
+              <a:t>UserControl</a:t>
+            </a:r>
+            <a:r>
+              <a:rPr lang="es-CL" sz="4400" dirty="0" smtClean="0">
+                <a:solidFill>
+                  <a:schemeClr val="bg1">
+                    <a:lumMod val="50000"/>
+                  </a:schemeClr>
+                </a:solidFill>
+              </a:rPr>
+              <a:t>? Dar al menos dos argumentos.</a:t>
+            </a:r>
           </a:p>
         </p:txBody>
       </p:sp>
@@ -6771,7 +9104,7 @@
               <a:buChar char="•"/>
             </a:pPr>
             <a:r>
-              <a:rPr lang="es-CL" dirty="0">
+              <a:rPr lang="es-CL" dirty="0" err="1" smtClean="0">
                 <a:solidFill>
                   <a:schemeClr val="bg1">
                     <a:lumMod val="50000"/>
@@ -6794,15 +9127,22 @@
               <a:buChar char="•"/>
             </a:pPr>
             <a:r>
-              <a:rPr lang="es-CL" dirty="0" smtClean="0">
+              <a:rPr lang="es-CL" dirty="0" err="1" smtClean="0">
                 <a:solidFill>
                   <a:schemeClr val="bg1">
                     <a:lumMod val="50000"/>
                   </a:schemeClr>
                 </a:solidFill>
               </a:rPr>
-              <a:t>Storyboard </a:t>
-            </a:r>
+              <a:t>Windows.Media.Animation</a:t>
+            </a:r>
+            <a:endParaRPr lang="es-CL" dirty="0">
+              <a:solidFill>
+                <a:schemeClr val="bg1">
+                  <a:lumMod val="50000"/>
+                </a:schemeClr>
+              </a:solidFill>
+            </a:endParaRPr>
           </a:p>
           <a:p>
             <a:pPr lvl="2">
@@ -6822,6 +9162,32 @@
               <a:buFont typeface="Arial"/>
               <a:buChar char="•"/>
             </a:pPr>
+            <a:r>
+              <a:rPr lang="es-CL" sz="3200" dirty="0" smtClean="0">
+                <a:solidFill>
+                  <a:schemeClr val="bg1">
+                    <a:lumMod val="50000"/>
+                  </a:schemeClr>
+                </a:solidFill>
+              </a:rPr>
+              <a:t>Ejemplos en código</a:t>
+            </a:r>
+          </a:p>
+          <a:p>
+            <a:pPr lvl="1">
+              <a:buFont typeface="Arial"/>
+              <a:buChar char="•"/>
+            </a:pPr>
+            <a:r>
+              <a:rPr lang="es-CL" sz="3200" dirty="0" smtClean="0">
+                <a:solidFill>
+                  <a:schemeClr val="bg1">
+                    <a:lumMod val="50000"/>
+                  </a:schemeClr>
+                </a:solidFill>
+              </a:rPr>
+              <a:t>Control de asistencia</a:t>
+            </a:r>
             <a:r>
               <a:rPr lang="es-CL" sz="2600" dirty="0" smtClean="0">
                 <a:solidFill>
